--- a/CastReporting.Reporting/PortfolioTemplatesFiles/zh-CN/1- Portfolio-Powerpoint-components-library-zh.pptx
+++ b/CastReporting.Reporting/PortfolioTemplatesFiles/zh-CN/1- Portfolio-Powerpoint-components-library-zh.pptx
@@ -156,7 +156,7 @@
 </file>
 
 <file path=ppt/charts/chart1.xml><?xml version="1.0" encoding="utf-8"?>
-<c:chartSpace xmlns:c="http://schemas.openxmlformats.org/drawingml/2006/chart" xmlns:a="http://schemas.openxmlformats.org/drawingml/2006/main" xmlns:r="http://schemas.openxmlformats.org/officeDocument/2006/relationships">
+<c:chartSpace xmlns:c="http://schemas.openxmlformats.org/drawingml/2006/chart" xmlns:a="http://schemas.openxmlformats.org/drawingml/2006/main" xmlns:r="http://schemas.openxmlformats.org/officeDocument/2006/relationships" xmlns:c16r2="http://schemas.microsoft.com/office/drawing/2015/06/chart">
   <c:date1904 val="0"/>
   <c:lang val="en-US"/>
   <c:roundedCorners val="0"/>
@@ -253,6 +253,11 @@
               </c:numCache>
             </c:numRef>
           </c:val>
+          <c:extLst>
+            <c:ext xmlns:c16="http://schemas.microsoft.com/office/drawing/2014/chart" uri="{C3380CC4-5D6E-409C-BE32-E72D297353CC}">
+              <c16:uniqueId val="{00000000-A575-459E-8CD6-D3069FB4CBEB}"/>
+            </c:ext>
+          </c:extLst>
         </c:ser>
         <c:ser>
           <c:idx val="1"/>
@@ -321,6 +326,11 @@
               </c:numCache>
             </c:numRef>
           </c:val>
+          <c:extLst>
+            <c:ext xmlns:c16="http://schemas.microsoft.com/office/drawing/2014/chart" uri="{C3380CC4-5D6E-409C-BE32-E72D297353CC}">
+              <c16:uniqueId val="{00000001-A575-459E-8CD6-D3069FB4CBEB}"/>
+            </c:ext>
+          </c:extLst>
         </c:ser>
         <c:dLbls>
           <c:showLegendKey val="0"/>
@@ -423,7 +433,7 @@
 </file>
 
 <file path=ppt/charts/chart2.xml><?xml version="1.0" encoding="utf-8"?>
-<c:chartSpace xmlns:c="http://schemas.openxmlformats.org/drawingml/2006/chart" xmlns:a="http://schemas.openxmlformats.org/drawingml/2006/main" xmlns:r="http://schemas.openxmlformats.org/officeDocument/2006/relationships">
+<c:chartSpace xmlns:c="http://schemas.openxmlformats.org/drawingml/2006/chart" xmlns:a="http://schemas.openxmlformats.org/drawingml/2006/main" xmlns:r="http://schemas.openxmlformats.org/officeDocument/2006/relationships" xmlns:c16r2="http://schemas.microsoft.com/office/drawing/2015/06/chart">
   <c:date1904 val="0"/>
   <c:lang val="en-US"/>
   <c:roundedCorners val="0"/>
@@ -520,6 +530,11 @@
               </c:numCache>
             </c:numRef>
           </c:val>
+          <c:extLst>
+            <c:ext xmlns:c16="http://schemas.microsoft.com/office/drawing/2014/chart" uri="{C3380CC4-5D6E-409C-BE32-E72D297353CC}">
+              <c16:uniqueId val="{00000000-D6CD-446F-B173-D9CAF157739A}"/>
+            </c:ext>
+          </c:extLst>
         </c:ser>
         <c:ser>
           <c:idx val="1"/>
@@ -588,6 +603,11 @@
               </c:numCache>
             </c:numRef>
           </c:val>
+          <c:extLst>
+            <c:ext xmlns:c16="http://schemas.microsoft.com/office/drawing/2014/chart" uri="{C3380CC4-5D6E-409C-BE32-E72D297353CC}">
+              <c16:uniqueId val="{00000001-D6CD-446F-B173-D9CAF157739A}"/>
+            </c:ext>
+          </c:extLst>
         </c:ser>
         <c:dLbls>
           <c:showLegendKey val="0"/>
@@ -690,7 +710,7 @@
 </file>
 
 <file path=ppt/charts/chart3.xml><?xml version="1.0" encoding="utf-8"?>
-<c:chartSpace xmlns:c="http://schemas.openxmlformats.org/drawingml/2006/chart" xmlns:a="http://schemas.openxmlformats.org/drawingml/2006/main" xmlns:r="http://schemas.openxmlformats.org/officeDocument/2006/relationships">
+<c:chartSpace xmlns:c="http://schemas.openxmlformats.org/drawingml/2006/chart" xmlns:a="http://schemas.openxmlformats.org/drawingml/2006/main" xmlns:r="http://schemas.openxmlformats.org/officeDocument/2006/relationships" xmlns:c16r2="http://schemas.microsoft.com/office/drawing/2015/06/chart">
   <c:date1904 val="0"/>
   <c:lang val="en-US"/>
   <c:roundedCorners val="0"/>
@@ -770,6 +790,9 @@
                   <c15:dlblFieldTable/>
                   <c15:showDataLabelsRange val="1"/>
                 </c:ext>
+                <c:ext xmlns:c16="http://schemas.microsoft.com/office/drawing/2014/chart" uri="{C3380CC4-5D6E-409C-BE32-E72D297353CC}">
+                  <c16:uniqueId val="{00000000-352D-4DF6-9DBB-5565BAC7FE58}"/>
+                </c:ext>
               </c:extLst>
             </c:dLbl>
             <c:dLbl>
@@ -803,6 +826,9 @@
                 <c:ext xmlns:c15="http://schemas.microsoft.com/office/drawing/2012/chart" uri="{CE6537A1-D6FC-4f65-9D91-7224C49458BB}">
                   <c15:dlblFieldTable/>
                   <c15:showDataLabelsRange val="1"/>
+                </c:ext>
+                <c:ext xmlns:c16="http://schemas.microsoft.com/office/drawing/2014/chart" uri="{C3380CC4-5D6E-409C-BE32-E72D297353CC}">
+                  <c16:uniqueId val="{00000001-352D-4DF6-9DBB-5565BAC7FE58}"/>
                 </c:ext>
               </c:extLst>
             </c:dLbl>
@@ -838,6 +864,9 @@
                   <c15:dlblFieldTable/>
                   <c15:showDataLabelsRange val="1"/>
                 </c:ext>
+                <c:ext xmlns:c16="http://schemas.microsoft.com/office/drawing/2014/chart" uri="{C3380CC4-5D6E-409C-BE32-E72D297353CC}">
+                  <c16:uniqueId val="{00000002-352D-4DF6-9DBB-5565BAC7FE58}"/>
+                </c:ext>
               </c:extLst>
             </c:dLbl>
             <c:dLbl>
@@ -871,6 +900,9 @@
                 <c:ext xmlns:c15="http://schemas.microsoft.com/office/drawing/2012/chart" uri="{CE6537A1-D6FC-4f65-9D91-7224C49458BB}">
                   <c15:dlblFieldTable/>
                   <c15:showDataLabelsRange val="1"/>
+                </c:ext>
+                <c:ext xmlns:c16="http://schemas.microsoft.com/office/drawing/2014/chart" uri="{C3380CC4-5D6E-409C-BE32-E72D297353CC}">
+                  <c16:uniqueId val="{00000003-352D-4DF6-9DBB-5565BAC7FE58}"/>
                 </c:ext>
               </c:extLst>
             </c:dLbl>
@@ -906,6 +938,9 @@
                   <c15:dlblFieldTable/>
                   <c15:showDataLabelsRange val="1"/>
                 </c:ext>
+                <c:ext xmlns:c16="http://schemas.microsoft.com/office/drawing/2014/chart" uri="{C3380CC4-5D6E-409C-BE32-E72D297353CC}">
+                  <c16:uniqueId val="{00000004-352D-4DF6-9DBB-5565BAC7FE58}"/>
+                </c:ext>
               </c:extLst>
             </c:dLbl>
             <c:dLbl>
@@ -939,6 +974,9 @@
                 <c:ext xmlns:c15="http://schemas.microsoft.com/office/drawing/2012/chart" uri="{CE6537A1-D6FC-4f65-9D91-7224C49458BB}">
                   <c15:dlblFieldTable/>
                   <c15:showDataLabelsRange val="1"/>
+                </c:ext>
+                <c:ext xmlns:c16="http://schemas.microsoft.com/office/drawing/2014/chart" uri="{C3380CC4-5D6E-409C-BE32-E72D297353CC}">
+                  <c16:uniqueId val="{00000005-352D-4DF6-9DBB-5565BAC7FE58}"/>
                 </c:ext>
               </c:extLst>
             </c:dLbl>
@@ -974,6 +1012,9 @@
                   <c15:dlblFieldTable/>
                   <c15:showDataLabelsRange val="1"/>
                 </c:ext>
+                <c:ext xmlns:c16="http://schemas.microsoft.com/office/drawing/2014/chart" uri="{C3380CC4-5D6E-409C-BE32-E72D297353CC}">
+                  <c16:uniqueId val="{00000006-352D-4DF6-9DBB-5565BAC7FE58}"/>
+                </c:ext>
               </c:extLst>
             </c:dLbl>
             <c:dLbl>
@@ -1007,6 +1048,9 @@
                 <c:ext xmlns:c15="http://schemas.microsoft.com/office/drawing/2012/chart" uri="{CE6537A1-D6FC-4f65-9D91-7224C49458BB}">
                   <c15:dlblFieldTable/>
                   <c15:showDataLabelsRange val="1"/>
+                </c:ext>
+                <c:ext xmlns:c16="http://schemas.microsoft.com/office/drawing/2014/chart" uri="{C3380CC4-5D6E-409C-BE32-E72D297353CC}">
+                  <c16:uniqueId val="{00000007-352D-4DF6-9DBB-5565BAC7FE58}"/>
                 </c:ext>
               </c:extLst>
             </c:dLbl>
@@ -1042,6 +1086,9 @@
                   <c15:dlblFieldTable/>
                   <c15:showDataLabelsRange val="1"/>
                 </c:ext>
+                <c:ext xmlns:c16="http://schemas.microsoft.com/office/drawing/2014/chart" uri="{C3380CC4-5D6E-409C-BE32-E72D297353CC}">
+                  <c16:uniqueId val="{00000008-352D-4DF6-9DBB-5565BAC7FE58}"/>
+                </c:ext>
               </c:extLst>
             </c:dLbl>
             <c:dLbl>
@@ -1075,6 +1122,9 @@
                 <c:ext xmlns:c15="http://schemas.microsoft.com/office/drawing/2012/chart" uri="{CE6537A1-D6FC-4f65-9D91-7224C49458BB}">
                   <c15:dlblFieldTable/>
                   <c15:showDataLabelsRange val="1"/>
+                </c:ext>
+                <c:ext xmlns:c16="http://schemas.microsoft.com/office/drawing/2014/chart" uri="{C3380CC4-5D6E-409C-BE32-E72D297353CC}">
+                  <c16:uniqueId val="{00000009-352D-4DF6-9DBB-5565BAC7FE58}"/>
                 </c:ext>
               </c:extLst>
             </c:dLbl>
@@ -1110,6 +1160,9 @@
                   <c15:dlblFieldTable/>
                   <c15:showDataLabelsRange val="1"/>
                 </c:ext>
+                <c:ext xmlns:c16="http://schemas.microsoft.com/office/drawing/2014/chart" uri="{C3380CC4-5D6E-409C-BE32-E72D297353CC}">
+                  <c16:uniqueId val="{0000000A-352D-4DF6-9DBB-5565BAC7FE58}"/>
+                </c:ext>
               </c:extLst>
             </c:dLbl>
             <c:dLbl>
@@ -1144,6 +1197,9 @@
                   <c15:dlblFieldTable/>
                   <c15:showDataLabelsRange val="1"/>
                 </c:ext>
+                <c:ext xmlns:c16="http://schemas.microsoft.com/office/drawing/2014/chart" uri="{C3380CC4-5D6E-409C-BE32-E72D297353CC}">
+                  <c16:uniqueId val="{0000000B-352D-4DF6-9DBB-5565BAC7FE58}"/>
+                </c:ext>
               </c:extLst>
             </c:dLbl>
             <c:dLbl>
@@ -1177,6 +1233,9 @@
                 <c:ext xmlns:c15="http://schemas.microsoft.com/office/drawing/2012/chart" uri="{CE6537A1-D6FC-4f65-9D91-7224C49458BB}">
                   <c15:dlblFieldTable/>
                   <c15:showDataLabelsRange val="1"/>
+                </c:ext>
+                <c:ext xmlns:c16="http://schemas.microsoft.com/office/drawing/2014/chart" uri="{C3380CC4-5D6E-409C-BE32-E72D297353CC}">
+                  <c16:uniqueId val="{0000000C-352D-4DF6-9DBB-5565BAC7FE58}"/>
                 </c:ext>
               </c:extLst>
             </c:dLbl>
@@ -1422,6 +1481,9 @@
                 </c15:dlblRangeCache>
               </c15:datalabelsRange>
             </c:ext>
+            <c:ext xmlns:c16="http://schemas.microsoft.com/office/drawing/2014/chart" uri="{C3380CC4-5D6E-409C-BE32-E72D297353CC}">
+              <c16:uniqueId val="{0000000D-352D-4DF6-9DBB-5565BAC7FE58}"/>
+            </c:ext>
           </c:extLst>
         </c:ser>
         <c:dLbls>
@@ -1620,6 +1682,11 @@
                   </c:numLit>
                 </c:bubbleSize>
                 <c:bubble3D val="1"/>
+                <c:extLst>
+                  <c:ext xmlns:c16="http://schemas.microsoft.com/office/drawing/2014/chart" uri="{C3380CC4-5D6E-409C-BE32-E72D297353CC}">
+                    <c16:uniqueId val="{0000000E-352D-4DF6-9DBB-5565BAC7FE58}"/>
+                  </c:ext>
+                </c:extLst>
               </c15:ser>
             </c15:filteredBubbleSeries>
           </c:ext>
@@ -1662,18 +1729,13 @@
                   </a:defRPr>
                 </a:pPr>
                 <a:r>
-                  <a:rPr lang="en-US" sz="1200" b="0" dirty="0" smtClean="0">
+                  <a:rPr lang="en-US" sz="1200" b="0" dirty="0">
                     <a:solidFill>
                       <a:sysClr val="windowText" lastClr="000000"/>
                     </a:solidFill>
                   </a:rPr>
                   <a:t>TQI</a:t>
                 </a:r>
-                <a:endParaRPr lang="en-US" sz="1200" b="0" dirty="0">
-                  <a:solidFill>
-                    <a:sysClr val="windowText" lastClr="000000"/>
-                  </a:solidFill>
-                </a:endParaRPr>
               </a:p>
             </c:rich>
           </c:tx>
@@ -1752,18 +1814,13 @@
                   </a:defRPr>
                 </a:pPr>
                 <a:r>
-                  <a:rPr lang="en-US" sz="1200" b="0" dirty="0" smtClean="0">
+                  <a:rPr lang="en-US" sz="1200" b="0" dirty="0">
                     <a:solidFill>
                       <a:sysClr val="windowText" lastClr="000000"/>
                     </a:solidFill>
                   </a:rPr>
                   <a:t>CV/LoC</a:t>
                 </a:r>
-                <a:endParaRPr lang="en-US" sz="1200" b="0" dirty="0">
-                  <a:solidFill>
-                    <a:sysClr val="windowText" lastClr="000000"/>
-                  </a:solidFill>
-                </a:endParaRPr>
               </a:p>
             </c:rich>
           </c:tx>
@@ -1841,7 +1898,7 @@
 </file>
 
 <file path=ppt/charts/chart4.xml><?xml version="1.0" encoding="utf-8"?>
-<c:chartSpace xmlns:c="http://schemas.openxmlformats.org/drawingml/2006/chart" xmlns:a="http://schemas.openxmlformats.org/drawingml/2006/main" xmlns:r="http://schemas.openxmlformats.org/officeDocument/2006/relationships">
+<c:chartSpace xmlns:c="http://schemas.openxmlformats.org/drawingml/2006/chart" xmlns:a="http://schemas.openxmlformats.org/drawingml/2006/main" xmlns:r="http://schemas.openxmlformats.org/officeDocument/2006/relationships" xmlns:c16r2="http://schemas.microsoft.com/office/drawing/2015/06/chart">
   <c:date1904 val="0"/>
   <c:lang val="en-US"/>
   <c:roundedCorners val="0"/>
@@ -1949,6 +2006,11 @@
               </c:numCache>
             </c:numRef>
           </c:val>
+          <c:extLst>
+            <c:ext xmlns:c16="http://schemas.microsoft.com/office/drawing/2014/chart" uri="{C3380CC4-5D6E-409C-BE32-E72D297353CC}">
+              <c16:uniqueId val="{00000000-403A-4CB9-AEE0-DD8CA45EE4C6}"/>
+            </c:ext>
+          </c:extLst>
         </c:ser>
         <c:dLbls>
           <c:showLegendKey val="0"/>
@@ -2118,7 +2180,7 @@
           <a:p>
             <a:fld id="{268042A1-6D91-4513-A62D-1E3FD70C84BE}" type="datetimeFigureOut">
               <a:rPr lang="fr-FR" smtClean="0"/>
-              <a:t>31/01/2017</a:t>
+              <a:t>21/01/2019</a:t>
             </a:fld>
             <a:endParaRPr lang="fr-FR"/>
           </a:p>
@@ -2182,38 +2244,37 @@
           <a:p>
             <a:pPr lvl="0"/>
             <a:r>
-              <a:rPr lang="fr-FR" smtClean="0"/>
+              <a:rPr lang="fr-FR"/>
               <a:t>Modifiez les styles du texte du masque</a:t>
             </a:r>
           </a:p>
           <a:p>
             <a:pPr lvl="1"/>
             <a:r>
-              <a:rPr lang="fr-FR" smtClean="0"/>
+              <a:rPr lang="fr-FR"/>
               <a:t>Deuxième niveau</a:t>
             </a:r>
           </a:p>
           <a:p>
             <a:pPr lvl="2"/>
             <a:r>
-              <a:rPr lang="fr-FR" smtClean="0"/>
+              <a:rPr lang="fr-FR"/>
               <a:t>Troisième niveau</a:t>
             </a:r>
           </a:p>
           <a:p>
             <a:pPr lvl="3"/>
             <a:r>
-              <a:rPr lang="fr-FR" smtClean="0"/>
+              <a:rPr lang="fr-FR"/>
               <a:t>Quatrième niveau</a:t>
             </a:r>
           </a:p>
           <a:p>
             <a:pPr lvl="4"/>
             <a:r>
-              <a:rPr lang="fr-FR" smtClean="0"/>
+              <a:rPr lang="fr-FR"/>
               <a:t>Cinquième niveau</a:t>
             </a:r>
-            <a:endParaRPr lang="fr-FR"/>
           </a:p>
         </p:txBody>
       </p:sp>
@@ -2492,10 +2553,9 @@
           </a:lstStyle>
           <a:p>
             <a:r>
-              <a:rPr lang="en-US" smtClean="0"/>
+              <a:rPr lang="en-US"/>
               <a:t>Click to edit Master title style</a:t>
             </a:r>
-            <a:endParaRPr lang="en-US"/>
           </a:p>
         </p:txBody>
       </p:sp>
@@ -2531,10 +2591,9 @@
           </a:lstStyle>
           <a:p>
             <a:r>
-              <a:rPr lang="en-US" smtClean="0"/>
+              <a:rPr lang="en-US"/>
               <a:t>Click to edit Master subtitle style</a:t>
             </a:r>
-            <a:endParaRPr lang="en-US"/>
           </a:p>
         </p:txBody>
       </p:sp>
@@ -2613,10 +2672,9 @@
           <a:lstStyle/>
           <a:p>
             <a:r>
-              <a:rPr lang="en-US" smtClean="0"/>
+              <a:rPr lang="en-US"/>
               <a:t>Click to edit Master title style</a:t>
             </a:r>
-            <a:endParaRPr lang="en-US"/>
           </a:p>
         </p:txBody>
       </p:sp>
@@ -2637,38 +2695,37 @@
           <a:p>
             <a:pPr lvl="0"/>
             <a:r>
-              <a:rPr lang="en-US" smtClean="0"/>
+              <a:rPr lang="en-US"/>
               <a:t>Click to edit Master text styles</a:t>
             </a:r>
           </a:p>
           <a:p>
             <a:pPr lvl="1"/>
             <a:r>
-              <a:rPr lang="en-US" smtClean="0"/>
+              <a:rPr lang="en-US"/>
               <a:t>Second level</a:t>
             </a:r>
           </a:p>
           <a:p>
             <a:pPr lvl="2"/>
             <a:r>
-              <a:rPr lang="en-US" smtClean="0"/>
+              <a:rPr lang="en-US"/>
               <a:t>Third level</a:t>
             </a:r>
           </a:p>
           <a:p>
             <a:pPr lvl="3"/>
             <a:r>
-              <a:rPr lang="en-US" smtClean="0"/>
+              <a:rPr lang="en-US"/>
               <a:t>Fourth level</a:t>
             </a:r>
           </a:p>
           <a:p>
             <a:pPr lvl="4"/>
             <a:r>
-              <a:rPr lang="en-US" smtClean="0"/>
+              <a:rPr lang="en-US"/>
               <a:t>Fifth level</a:t>
             </a:r>
-            <a:endParaRPr lang="en-US"/>
           </a:p>
         </p:txBody>
       </p:sp>
@@ -2721,7 +2778,7 @@
             <a:fld id="{D8E3BBD6-5DF7-411E-B793-6A3558CCCDCA}" type="datetimeFigureOut">
               <a:rPr lang="fr-FR" smtClean="0"/>
               <a:pPr/>
-              <a:t>31/01/2017</a:t>
+              <a:t>21/01/2019</a:t>
             </a:fld>
             <a:endParaRPr lang="fr-FR" dirty="0"/>
           </a:p>
@@ -2773,10 +2830,9 @@
           <a:lstStyle/>
           <a:p>
             <a:r>
-              <a:rPr lang="en-US" smtClean="0"/>
+              <a:rPr lang="en-US"/>
               <a:t>Click to edit Master title style</a:t>
             </a:r>
-            <a:endParaRPr lang="en-US"/>
           </a:p>
         </p:txBody>
       </p:sp>
@@ -2802,38 +2858,37 @@
           <a:p>
             <a:pPr lvl="0"/>
             <a:r>
-              <a:rPr lang="en-US" smtClean="0"/>
+              <a:rPr lang="en-US"/>
               <a:t>Click to edit Master text styles</a:t>
             </a:r>
           </a:p>
           <a:p>
             <a:pPr lvl="1"/>
             <a:r>
-              <a:rPr lang="en-US" smtClean="0"/>
+              <a:rPr lang="en-US"/>
               <a:t>Second level</a:t>
             </a:r>
           </a:p>
           <a:p>
             <a:pPr lvl="2"/>
             <a:r>
-              <a:rPr lang="en-US" smtClean="0"/>
+              <a:rPr lang="en-US"/>
               <a:t>Third level</a:t>
             </a:r>
           </a:p>
           <a:p>
             <a:pPr lvl="3"/>
             <a:r>
-              <a:rPr lang="en-US" smtClean="0"/>
+              <a:rPr lang="en-US"/>
               <a:t>Fourth level</a:t>
             </a:r>
           </a:p>
           <a:p>
             <a:pPr lvl="4"/>
             <a:r>
-              <a:rPr lang="en-US" smtClean="0"/>
+              <a:rPr lang="en-US"/>
               <a:t>Fifth level</a:t>
             </a:r>
-            <a:endParaRPr lang="en-US"/>
           </a:p>
         </p:txBody>
       </p:sp>
@@ -2886,7 +2941,7 @@
             <a:fld id="{D8E3BBD6-5DF7-411E-B793-6A3558CCCDCA}" type="datetimeFigureOut">
               <a:rPr lang="fr-FR" smtClean="0"/>
               <a:pPr/>
-              <a:t>31/01/2017</a:t>
+              <a:t>21/01/2019</a:t>
             </a:fld>
             <a:endParaRPr lang="fr-FR" dirty="0"/>
           </a:p>
@@ -2974,10 +3029,9 @@
           </a:lstStyle>
           <a:p>
             <a:r>
-              <a:rPr lang="en-US" smtClean="0"/>
+              <a:rPr lang="en-US"/>
               <a:t>Click to edit Master title style</a:t>
             </a:r>
-            <a:endParaRPr lang="en-US"/>
           </a:p>
         </p:txBody>
       </p:sp>
@@ -3013,10 +3067,9 @@
           </a:lstStyle>
           <a:p>
             <a:r>
-              <a:rPr lang="en-US" smtClean="0"/>
+              <a:rPr lang="en-US"/>
               <a:t>Click to edit Master subtitle style</a:t>
             </a:r>
-            <a:endParaRPr lang="en-US"/>
           </a:p>
         </p:txBody>
       </p:sp>
@@ -3062,10 +3115,9 @@
               <a:defRPr/>
             </a:pPr>
             <a:r>
-              <a:rPr lang="en-US" dirty="0" smtClean="0"/>
+              <a:rPr lang="en-US" dirty="0"/>
               <a:t>Copyright CAST 2011   </a:t>
             </a:r>
-            <a:endParaRPr lang="en-US" dirty="0"/>
           </a:p>
         </p:txBody>
       </p:sp>
@@ -3113,7 +3165,7 @@
           <a:lstStyle/>
           <a:p>
             <a:r>
-              <a:rPr lang="en-US" smtClean="0"/>
+              <a:rPr lang="en-US"/>
               <a:t>Click to edit Master title style</a:t>
             </a:r>
             <a:endParaRPr lang="de-DE"/>
@@ -3137,35 +3189,35 @@
           <a:p>
             <a:pPr lvl="0"/>
             <a:r>
-              <a:rPr lang="en-US" smtClean="0"/>
+              <a:rPr lang="en-US"/>
               <a:t>Click to edit Master text styles</a:t>
             </a:r>
           </a:p>
           <a:p>
             <a:pPr lvl="1"/>
             <a:r>
-              <a:rPr lang="en-US" smtClean="0"/>
+              <a:rPr lang="en-US"/>
               <a:t>Second level</a:t>
             </a:r>
           </a:p>
           <a:p>
             <a:pPr lvl="2"/>
             <a:r>
-              <a:rPr lang="en-US" smtClean="0"/>
+              <a:rPr lang="en-US"/>
               <a:t>Third level</a:t>
             </a:r>
           </a:p>
           <a:p>
             <a:pPr lvl="3"/>
             <a:r>
-              <a:rPr lang="en-US" smtClean="0"/>
+              <a:rPr lang="en-US"/>
               <a:t>Fourth level</a:t>
             </a:r>
           </a:p>
           <a:p>
             <a:pPr lvl="4"/>
             <a:r>
-              <a:rPr lang="en-US" smtClean="0"/>
+              <a:rPr lang="en-US"/>
               <a:t>Fifth level</a:t>
             </a:r>
             <a:endParaRPr lang="de-DE"/>
@@ -3214,10 +3266,9 @@
               <a:defRPr/>
             </a:pPr>
             <a:r>
-              <a:rPr lang="en-US" dirty="0" smtClean="0"/>
+              <a:rPr lang="en-US" dirty="0"/>
               <a:t>Copyright CAST 2011   </a:t>
             </a:r>
-            <a:endParaRPr lang="en-US" dirty="0"/>
           </a:p>
         </p:txBody>
       </p:sp>
@@ -3310,7 +3361,7 @@
           <a:lstStyle/>
           <a:p>
             <a:r>
-              <a:rPr lang="en-US" smtClean="0"/>
+              <a:rPr lang="en-US"/>
               <a:t>Click to edit Master title style</a:t>
             </a:r>
             <a:endParaRPr lang="de-DE"/>
@@ -3359,10 +3410,9 @@
               <a:defRPr/>
             </a:pPr>
             <a:r>
-              <a:rPr lang="en-US" dirty="0" smtClean="0"/>
+              <a:rPr lang="en-US" dirty="0"/>
               <a:t>Copyright CAST 2011   </a:t>
             </a:r>
-            <a:endParaRPr lang="en-US" dirty="0"/>
           </a:p>
         </p:txBody>
       </p:sp>
@@ -3481,10 +3531,9 @@
               <a:defRPr/>
             </a:pPr>
             <a:r>
-              <a:rPr lang="en-US" dirty="0" smtClean="0"/>
+              <a:rPr lang="en-US" dirty="0"/>
               <a:t>Copyright CAST 2011   </a:t>
             </a:r>
-            <a:endParaRPr lang="en-US" dirty="0"/>
           </a:p>
         </p:txBody>
       </p:sp>
@@ -3582,7 +3631,7 @@
           <a:lstStyle/>
           <a:p>
             <a:r>
-              <a:rPr lang="en-US" smtClean="0"/>
+              <a:rPr lang="en-US"/>
               <a:t>Click to edit Master title style</a:t>
             </a:r>
             <a:endParaRPr lang="fr-FR"/>
@@ -3611,7 +3660,7 @@
           <a:p>
             <a:pPr lvl="0"/>
             <a:r>
-              <a:rPr lang="en-US" noProof="0" smtClean="0"/>
+              <a:rPr lang="en-US" noProof="0"/>
               <a:t>Click icon to add chart</a:t>
             </a:r>
             <a:endParaRPr lang="fr-FR" noProof="0" dirty="0"/>
@@ -3660,10 +3709,9 @@
               <a:defRPr/>
             </a:pPr>
             <a:r>
-              <a:rPr lang="en-US" dirty="0" smtClean="0"/>
+              <a:rPr lang="en-US" dirty="0"/>
               <a:t>Copyright CAST 2011   </a:t>
             </a:r>
-            <a:endParaRPr lang="en-US" dirty="0"/>
           </a:p>
         </p:txBody>
       </p:sp>
@@ -3761,10 +3809,9 @@
           <a:lstStyle/>
           <a:p>
             <a:r>
-              <a:rPr lang="en-US" smtClean="0"/>
+              <a:rPr lang="en-US"/>
               <a:t>Click to edit Master title style</a:t>
             </a:r>
-            <a:endParaRPr lang="en-US"/>
           </a:p>
         </p:txBody>
       </p:sp>
@@ -3826,10 +3873,9 @@
           </a:lstStyle>
           <a:p>
             <a:r>
-              <a:rPr lang="en-US" smtClean="0"/>
+              <a:rPr lang="en-US"/>
               <a:t>Click to edit Master subtitle style</a:t>
             </a:r>
-            <a:endParaRPr lang="en-US"/>
           </a:p>
         </p:txBody>
       </p:sp>
@@ -3858,18 +3904,13 @@
               <a:defRPr/>
             </a:pPr>
             <a:r>
-              <a:rPr lang="en-US" dirty="0" smtClean="0">
+              <a:rPr lang="en-US" dirty="0">
                 <a:solidFill>
                   <a:srgbClr val="FFFFFF"/>
                 </a:solidFill>
               </a:rPr>
               <a:t>Copyright CAST 2011   </a:t>
             </a:r>
-            <a:endParaRPr lang="en-US" dirty="0">
-              <a:solidFill>
-                <a:srgbClr val="FFFFFF"/>
-              </a:solidFill>
-            </a:endParaRPr>
           </a:p>
         </p:txBody>
       </p:sp>
@@ -3946,10 +3987,9 @@
           <a:lstStyle/>
           <a:p>
             <a:r>
-              <a:rPr lang="en-US" smtClean="0"/>
+              <a:rPr lang="en-US"/>
               <a:t>Click to edit Master title style</a:t>
             </a:r>
-            <a:endParaRPr lang="en-US"/>
           </a:p>
         </p:txBody>
       </p:sp>
@@ -3970,38 +4010,37 @@
           <a:p>
             <a:pPr lvl="0"/>
             <a:r>
-              <a:rPr lang="en-US" smtClean="0"/>
+              <a:rPr lang="en-US"/>
               <a:t>Click to edit Master text styles</a:t>
             </a:r>
           </a:p>
           <a:p>
             <a:pPr lvl="1"/>
             <a:r>
-              <a:rPr lang="en-US" smtClean="0"/>
+              <a:rPr lang="en-US"/>
               <a:t>Second level</a:t>
             </a:r>
           </a:p>
           <a:p>
             <a:pPr lvl="2"/>
             <a:r>
-              <a:rPr lang="en-US" smtClean="0"/>
+              <a:rPr lang="en-US"/>
               <a:t>Third level</a:t>
             </a:r>
           </a:p>
           <a:p>
             <a:pPr lvl="3"/>
             <a:r>
-              <a:rPr lang="en-US" smtClean="0"/>
+              <a:rPr lang="en-US"/>
               <a:t>Fourth level</a:t>
             </a:r>
           </a:p>
           <a:p>
             <a:pPr lvl="4"/>
             <a:r>
-              <a:rPr lang="en-US" smtClean="0"/>
+              <a:rPr lang="en-US"/>
               <a:t>Fifth level</a:t>
             </a:r>
-            <a:endParaRPr lang="en-US"/>
           </a:p>
         </p:txBody>
       </p:sp>
@@ -4030,18 +4069,13 @@
               <a:defRPr/>
             </a:pPr>
             <a:r>
-              <a:rPr lang="en-US" dirty="0" smtClean="0">
+              <a:rPr lang="en-US" dirty="0">
                 <a:solidFill>
                   <a:srgbClr val="FFFFFF"/>
                 </a:solidFill>
               </a:rPr>
               <a:t>Copyright CAST 2011   </a:t>
             </a:r>
-            <a:endParaRPr lang="en-US" dirty="0">
-              <a:solidFill>
-                <a:srgbClr val="FFFFFF"/>
-              </a:solidFill>
-            </a:endParaRPr>
           </a:p>
         </p:txBody>
       </p:sp>
@@ -4127,10 +4161,9 @@
           </a:lstStyle>
           <a:p>
             <a:r>
-              <a:rPr lang="en-US" smtClean="0"/>
+              <a:rPr lang="en-US"/>
               <a:t>Click to edit Master title style</a:t>
             </a:r>
-            <a:endParaRPr lang="en-US"/>
           </a:p>
         </p:txBody>
       </p:sp>
@@ -4193,7 +4226,7 @@
           <a:p>
             <a:pPr lvl="0"/>
             <a:r>
-              <a:rPr lang="en-US" smtClean="0"/>
+              <a:rPr lang="en-US"/>
               <a:t>Click to edit Master text styles</a:t>
             </a:r>
           </a:p>
@@ -4224,18 +4257,13 @@
               <a:defRPr/>
             </a:pPr>
             <a:r>
-              <a:rPr lang="en-US" dirty="0" smtClean="0">
+              <a:rPr lang="en-US" dirty="0">
                 <a:solidFill>
                   <a:srgbClr val="FFFFFF"/>
                 </a:solidFill>
               </a:rPr>
               <a:t>Copyright CAST 2011   </a:t>
             </a:r>
-            <a:endParaRPr lang="en-US" dirty="0">
-              <a:solidFill>
-                <a:srgbClr val="FFFFFF"/>
-              </a:solidFill>
-            </a:endParaRPr>
           </a:p>
         </p:txBody>
       </p:sp>
@@ -4312,10 +4340,9 @@
           <a:lstStyle/>
           <a:p>
             <a:r>
-              <a:rPr lang="en-US" smtClean="0"/>
+              <a:rPr lang="en-US"/>
               <a:t>Click to edit Master title style</a:t>
             </a:r>
-            <a:endParaRPr lang="en-US"/>
           </a:p>
         </p:txBody>
       </p:sp>
@@ -4336,38 +4363,37 @@
           <a:p>
             <a:pPr lvl="0"/>
             <a:r>
-              <a:rPr lang="en-US" smtClean="0"/>
+              <a:rPr lang="en-US"/>
               <a:t>Click to edit Master text styles</a:t>
             </a:r>
           </a:p>
           <a:p>
             <a:pPr lvl="1"/>
             <a:r>
-              <a:rPr lang="en-US" smtClean="0"/>
+              <a:rPr lang="en-US"/>
               <a:t>Second level</a:t>
             </a:r>
           </a:p>
           <a:p>
             <a:pPr lvl="2"/>
             <a:r>
-              <a:rPr lang="en-US" smtClean="0"/>
+              <a:rPr lang="en-US"/>
               <a:t>Third level</a:t>
             </a:r>
           </a:p>
           <a:p>
             <a:pPr lvl="3"/>
             <a:r>
-              <a:rPr lang="en-US" smtClean="0"/>
+              <a:rPr lang="en-US"/>
               <a:t>Fourth level</a:t>
             </a:r>
           </a:p>
           <a:p>
             <a:pPr lvl="4"/>
             <a:r>
-              <a:rPr lang="en-US" smtClean="0"/>
+              <a:rPr lang="en-US"/>
               <a:t>Fifth level</a:t>
             </a:r>
-            <a:endParaRPr lang="en-US"/>
           </a:p>
         </p:txBody>
       </p:sp>
@@ -4420,7 +4446,7 @@
             <a:fld id="{D8E3BBD6-5DF7-411E-B793-6A3558CCCDCA}" type="datetimeFigureOut">
               <a:rPr lang="fr-FR" smtClean="0"/>
               <a:pPr/>
-              <a:t>31/01/2017</a:t>
+              <a:t>21/01/2019</a:t>
             </a:fld>
             <a:endParaRPr lang="fr-FR" dirty="0"/>
           </a:p>
@@ -4467,10 +4493,9 @@
           <a:lstStyle/>
           <a:p>
             <a:r>
-              <a:rPr lang="en-US" smtClean="0"/>
+              <a:rPr lang="en-US"/>
               <a:t>Click to edit Master title style</a:t>
             </a:r>
-            <a:endParaRPr lang="en-US"/>
           </a:p>
         </p:txBody>
       </p:sp>
@@ -4524,38 +4549,37 @@
           <a:p>
             <a:pPr lvl="0"/>
             <a:r>
-              <a:rPr lang="en-US" smtClean="0"/>
+              <a:rPr lang="en-US"/>
               <a:t>Click to edit Master text styles</a:t>
             </a:r>
           </a:p>
           <a:p>
             <a:pPr lvl="1"/>
             <a:r>
-              <a:rPr lang="en-US" smtClean="0"/>
+              <a:rPr lang="en-US"/>
               <a:t>Second level</a:t>
             </a:r>
           </a:p>
           <a:p>
             <a:pPr lvl="2"/>
             <a:r>
-              <a:rPr lang="en-US" smtClean="0"/>
+              <a:rPr lang="en-US"/>
               <a:t>Third level</a:t>
             </a:r>
           </a:p>
           <a:p>
             <a:pPr lvl="3"/>
             <a:r>
-              <a:rPr lang="en-US" smtClean="0"/>
+              <a:rPr lang="en-US"/>
               <a:t>Fourth level</a:t>
             </a:r>
           </a:p>
           <a:p>
             <a:pPr lvl="4"/>
             <a:r>
-              <a:rPr lang="en-US" smtClean="0"/>
+              <a:rPr lang="en-US"/>
               <a:t>Fifth level</a:t>
             </a:r>
-            <a:endParaRPr lang="en-US"/>
           </a:p>
         </p:txBody>
       </p:sp>
@@ -4609,38 +4633,37 @@
           <a:p>
             <a:pPr lvl="0"/>
             <a:r>
-              <a:rPr lang="en-US" smtClean="0"/>
+              <a:rPr lang="en-US"/>
               <a:t>Click to edit Master text styles</a:t>
             </a:r>
           </a:p>
           <a:p>
             <a:pPr lvl="1"/>
             <a:r>
-              <a:rPr lang="en-US" smtClean="0"/>
+              <a:rPr lang="en-US"/>
               <a:t>Second level</a:t>
             </a:r>
           </a:p>
           <a:p>
             <a:pPr lvl="2"/>
             <a:r>
-              <a:rPr lang="en-US" smtClean="0"/>
+              <a:rPr lang="en-US"/>
               <a:t>Third level</a:t>
             </a:r>
           </a:p>
           <a:p>
             <a:pPr lvl="3"/>
             <a:r>
-              <a:rPr lang="en-US" smtClean="0"/>
+              <a:rPr lang="en-US"/>
               <a:t>Fourth level</a:t>
             </a:r>
           </a:p>
           <a:p>
             <a:pPr lvl="4"/>
             <a:r>
-              <a:rPr lang="en-US" smtClean="0"/>
+              <a:rPr lang="en-US"/>
               <a:t>Fifth level</a:t>
             </a:r>
-            <a:endParaRPr lang="en-US"/>
           </a:p>
         </p:txBody>
       </p:sp>
@@ -4669,18 +4692,13 @@
               <a:defRPr/>
             </a:pPr>
             <a:r>
-              <a:rPr lang="en-US" dirty="0" smtClean="0">
+              <a:rPr lang="en-US" dirty="0">
                 <a:solidFill>
                   <a:srgbClr val="FFFFFF"/>
                 </a:solidFill>
               </a:rPr>
               <a:t>Copyright CAST 2011   </a:t>
             </a:r>
-            <a:endParaRPr lang="en-US" dirty="0">
-              <a:solidFill>
-                <a:srgbClr val="FFFFFF"/>
-              </a:solidFill>
-            </a:endParaRPr>
           </a:p>
         </p:txBody>
       </p:sp>
@@ -4766,10 +4784,9 @@
           </a:lstStyle>
           <a:p>
             <a:r>
-              <a:rPr lang="en-US" smtClean="0"/>
+              <a:rPr lang="en-US"/>
               <a:t>Click to edit Master title style</a:t>
             </a:r>
-            <a:endParaRPr lang="en-US"/>
           </a:p>
         </p:txBody>
       </p:sp>
@@ -4832,7 +4849,7 @@
           <a:p>
             <a:pPr lvl="0"/>
             <a:r>
-              <a:rPr lang="en-US" smtClean="0"/>
+              <a:rPr lang="en-US"/>
               <a:t>Click to edit Master text styles</a:t>
             </a:r>
           </a:p>
@@ -4888,38 +4905,37 @@
           <a:p>
             <a:pPr lvl="0"/>
             <a:r>
-              <a:rPr lang="en-US" smtClean="0"/>
+              <a:rPr lang="en-US"/>
               <a:t>Click to edit Master text styles</a:t>
             </a:r>
           </a:p>
           <a:p>
             <a:pPr lvl="1"/>
             <a:r>
-              <a:rPr lang="en-US" smtClean="0"/>
+              <a:rPr lang="en-US"/>
               <a:t>Second level</a:t>
             </a:r>
           </a:p>
           <a:p>
             <a:pPr lvl="2"/>
             <a:r>
-              <a:rPr lang="en-US" smtClean="0"/>
+              <a:rPr lang="en-US"/>
               <a:t>Third level</a:t>
             </a:r>
           </a:p>
           <a:p>
             <a:pPr lvl="3"/>
             <a:r>
-              <a:rPr lang="en-US" smtClean="0"/>
+              <a:rPr lang="en-US"/>
               <a:t>Fourth level</a:t>
             </a:r>
           </a:p>
           <a:p>
             <a:pPr lvl="4"/>
             <a:r>
-              <a:rPr lang="en-US" smtClean="0"/>
+              <a:rPr lang="en-US"/>
               <a:t>Fifth level</a:t>
             </a:r>
-            <a:endParaRPr lang="en-US"/>
           </a:p>
         </p:txBody>
       </p:sp>
@@ -4982,7 +4998,7 @@
           <a:p>
             <a:pPr lvl="0"/>
             <a:r>
-              <a:rPr lang="en-US" smtClean="0"/>
+              <a:rPr lang="en-US"/>
               <a:t>Click to edit Master text styles</a:t>
             </a:r>
           </a:p>
@@ -5038,38 +5054,37 @@
           <a:p>
             <a:pPr lvl="0"/>
             <a:r>
-              <a:rPr lang="en-US" smtClean="0"/>
+              <a:rPr lang="en-US"/>
               <a:t>Click to edit Master text styles</a:t>
             </a:r>
           </a:p>
           <a:p>
             <a:pPr lvl="1"/>
             <a:r>
-              <a:rPr lang="en-US" smtClean="0"/>
+              <a:rPr lang="en-US"/>
               <a:t>Second level</a:t>
             </a:r>
           </a:p>
           <a:p>
             <a:pPr lvl="2"/>
             <a:r>
-              <a:rPr lang="en-US" smtClean="0"/>
+              <a:rPr lang="en-US"/>
               <a:t>Third level</a:t>
             </a:r>
           </a:p>
           <a:p>
             <a:pPr lvl="3"/>
             <a:r>
-              <a:rPr lang="en-US" smtClean="0"/>
+              <a:rPr lang="en-US"/>
               <a:t>Fourth level</a:t>
             </a:r>
           </a:p>
           <a:p>
             <a:pPr lvl="4"/>
             <a:r>
-              <a:rPr lang="en-US" smtClean="0"/>
+              <a:rPr lang="en-US"/>
               <a:t>Fifth level</a:t>
             </a:r>
-            <a:endParaRPr lang="en-US"/>
           </a:p>
         </p:txBody>
       </p:sp>
@@ -5098,18 +5113,13 @@
               <a:defRPr/>
             </a:pPr>
             <a:r>
-              <a:rPr lang="en-US" dirty="0" smtClean="0">
+              <a:rPr lang="en-US" dirty="0">
                 <a:solidFill>
                   <a:srgbClr val="FFFFFF"/>
                 </a:solidFill>
               </a:rPr>
               <a:t>Copyright CAST 2011   </a:t>
             </a:r>
-            <a:endParaRPr lang="en-US" dirty="0">
-              <a:solidFill>
-                <a:srgbClr val="FFFFFF"/>
-              </a:solidFill>
-            </a:endParaRPr>
           </a:p>
         </p:txBody>
       </p:sp>
@@ -5186,10 +5196,9 @@
           <a:lstStyle/>
           <a:p>
             <a:r>
-              <a:rPr lang="en-US" smtClean="0"/>
+              <a:rPr lang="en-US"/>
               <a:t>Click to edit Master title style</a:t>
             </a:r>
-            <a:endParaRPr lang="en-US"/>
           </a:p>
         </p:txBody>
       </p:sp>
@@ -5218,18 +5227,13 @@
               <a:defRPr/>
             </a:pPr>
             <a:r>
-              <a:rPr lang="en-US" dirty="0" smtClean="0">
+              <a:rPr lang="en-US" dirty="0">
                 <a:solidFill>
                   <a:srgbClr val="FFFFFF"/>
                 </a:solidFill>
               </a:rPr>
               <a:t>Copyright CAST 2011   </a:t>
             </a:r>
-            <a:endParaRPr lang="en-US" dirty="0">
-              <a:solidFill>
-                <a:srgbClr val="FFFFFF"/>
-              </a:solidFill>
-            </a:endParaRPr>
           </a:p>
         </p:txBody>
       </p:sp>
@@ -5315,18 +5319,13 @@
               <a:defRPr/>
             </a:pPr>
             <a:r>
-              <a:rPr lang="en-US" dirty="0" smtClean="0">
+              <a:rPr lang="en-US" dirty="0">
                 <a:solidFill>
                   <a:srgbClr val="FFFFFF"/>
                 </a:solidFill>
               </a:rPr>
               <a:t>Copyright CAST 2011   </a:t>
             </a:r>
-            <a:endParaRPr lang="en-US" dirty="0">
-              <a:solidFill>
-                <a:srgbClr val="FFFFFF"/>
-              </a:solidFill>
-            </a:endParaRPr>
           </a:p>
         </p:txBody>
       </p:sp>
@@ -5412,10 +5411,9 @@
           </a:lstStyle>
           <a:p>
             <a:r>
-              <a:rPr lang="en-US" smtClean="0"/>
+              <a:rPr lang="en-US"/>
               <a:t>Click to edit Master title style</a:t>
             </a:r>
-            <a:endParaRPr lang="en-US"/>
           </a:p>
         </p:txBody>
       </p:sp>
@@ -5469,38 +5467,37 @@
           <a:p>
             <a:pPr lvl="0"/>
             <a:r>
-              <a:rPr lang="en-US" smtClean="0"/>
+              <a:rPr lang="en-US"/>
               <a:t>Click to edit Master text styles</a:t>
             </a:r>
           </a:p>
           <a:p>
             <a:pPr lvl="1"/>
             <a:r>
-              <a:rPr lang="en-US" smtClean="0"/>
+              <a:rPr lang="en-US"/>
               <a:t>Second level</a:t>
             </a:r>
           </a:p>
           <a:p>
             <a:pPr lvl="2"/>
             <a:r>
-              <a:rPr lang="en-US" smtClean="0"/>
+              <a:rPr lang="en-US"/>
               <a:t>Third level</a:t>
             </a:r>
           </a:p>
           <a:p>
             <a:pPr lvl="3"/>
             <a:r>
-              <a:rPr lang="en-US" smtClean="0"/>
+              <a:rPr lang="en-US"/>
               <a:t>Fourth level</a:t>
             </a:r>
           </a:p>
           <a:p>
             <a:pPr lvl="4"/>
             <a:r>
-              <a:rPr lang="en-US" smtClean="0"/>
+              <a:rPr lang="en-US"/>
               <a:t>Fifth level</a:t>
             </a:r>
-            <a:endParaRPr lang="en-US"/>
           </a:p>
         </p:txBody>
       </p:sp>
@@ -5563,7 +5560,7 @@
           <a:p>
             <a:pPr lvl="0"/>
             <a:r>
-              <a:rPr lang="en-US" smtClean="0"/>
+              <a:rPr lang="en-US"/>
               <a:t>Click to edit Master text styles</a:t>
             </a:r>
           </a:p>
@@ -5594,18 +5591,13 @@
               <a:defRPr/>
             </a:pPr>
             <a:r>
-              <a:rPr lang="en-US" dirty="0" smtClean="0">
+              <a:rPr lang="en-US" dirty="0">
                 <a:solidFill>
                   <a:srgbClr val="FFFFFF"/>
                 </a:solidFill>
               </a:rPr>
               <a:t>Copyright CAST 2011   </a:t>
             </a:r>
-            <a:endParaRPr lang="en-US" dirty="0">
-              <a:solidFill>
-                <a:srgbClr val="FFFFFF"/>
-              </a:solidFill>
-            </a:endParaRPr>
           </a:p>
         </p:txBody>
       </p:sp>
@@ -5691,10 +5683,9 @@
           </a:lstStyle>
           <a:p>
             <a:r>
-              <a:rPr lang="en-US" smtClean="0"/>
+              <a:rPr lang="en-US"/>
               <a:t>Click to edit Master title style</a:t>
             </a:r>
-            <a:endParaRPr lang="en-US"/>
           </a:p>
         </p:txBody>
       </p:sp>
@@ -5757,10 +5748,10 @@
           <a:p>
             <a:pPr lvl="0"/>
             <a:r>
-              <a:rPr lang="en-US" noProof="0" smtClean="0"/>
+              <a:rPr lang="en-US" noProof="0"/>
               <a:t>Click icon to add picture</a:t>
             </a:r>
-            <a:endParaRPr lang="en-US" noProof="0" dirty="0" smtClean="0"/>
+            <a:endParaRPr lang="en-US" noProof="0" dirty="0"/>
           </a:p>
         </p:txBody>
       </p:sp>
@@ -5823,7 +5814,7 @@
           <a:p>
             <a:pPr lvl="0"/>
             <a:r>
-              <a:rPr lang="en-US" smtClean="0"/>
+              <a:rPr lang="en-US"/>
               <a:t>Click to edit Master text styles</a:t>
             </a:r>
           </a:p>
@@ -5854,18 +5845,13 @@
               <a:defRPr/>
             </a:pPr>
             <a:r>
-              <a:rPr lang="en-US" dirty="0" smtClean="0">
+              <a:rPr lang="en-US" dirty="0">
                 <a:solidFill>
                   <a:srgbClr val="FFFFFF"/>
                 </a:solidFill>
               </a:rPr>
               <a:t>Copyright CAST 2011   </a:t>
             </a:r>
-            <a:endParaRPr lang="en-US" dirty="0">
-              <a:solidFill>
-                <a:srgbClr val="FFFFFF"/>
-              </a:solidFill>
-            </a:endParaRPr>
           </a:p>
         </p:txBody>
       </p:sp>
@@ -5942,10 +5928,9 @@
           <a:lstStyle/>
           <a:p>
             <a:r>
-              <a:rPr lang="en-US" smtClean="0"/>
+              <a:rPr lang="en-US"/>
               <a:t>Click to edit Master title style</a:t>
             </a:r>
-            <a:endParaRPr lang="en-US"/>
           </a:p>
         </p:txBody>
       </p:sp>
@@ -5966,38 +5951,37 @@
           <a:p>
             <a:pPr lvl="0"/>
             <a:r>
-              <a:rPr lang="en-US" smtClean="0"/>
+              <a:rPr lang="en-US"/>
               <a:t>Click to edit Master text styles</a:t>
             </a:r>
           </a:p>
           <a:p>
             <a:pPr lvl="1"/>
             <a:r>
-              <a:rPr lang="en-US" smtClean="0"/>
+              <a:rPr lang="en-US"/>
               <a:t>Second level</a:t>
             </a:r>
           </a:p>
           <a:p>
             <a:pPr lvl="2"/>
             <a:r>
-              <a:rPr lang="en-US" smtClean="0"/>
+              <a:rPr lang="en-US"/>
               <a:t>Third level</a:t>
             </a:r>
           </a:p>
           <a:p>
             <a:pPr lvl="3"/>
             <a:r>
-              <a:rPr lang="en-US" smtClean="0"/>
+              <a:rPr lang="en-US"/>
               <a:t>Fourth level</a:t>
             </a:r>
           </a:p>
           <a:p>
             <a:pPr lvl="4"/>
             <a:r>
-              <a:rPr lang="en-US" smtClean="0"/>
+              <a:rPr lang="en-US"/>
               <a:t>Fifth level</a:t>
             </a:r>
-            <a:endParaRPr lang="en-US"/>
           </a:p>
         </p:txBody>
       </p:sp>
@@ -6026,18 +6010,13 @@
               <a:defRPr/>
             </a:pPr>
             <a:r>
-              <a:rPr lang="en-US" dirty="0" smtClean="0">
+              <a:rPr lang="en-US" dirty="0">
                 <a:solidFill>
                   <a:srgbClr val="FFFFFF"/>
                 </a:solidFill>
               </a:rPr>
               <a:t>Copyright CAST 2011   </a:t>
             </a:r>
-            <a:endParaRPr lang="en-US" dirty="0">
-              <a:solidFill>
-                <a:srgbClr val="FFFFFF"/>
-              </a:solidFill>
-            </a:endParaRPr>
           </a:p>
         </p:txBody>
       </p:sp>
@@ -6119,10 +6098,9 @@
           <a:lstStyle/>
           <a:p>
             <a:r>
-              <a:rPr lang="en-US" smtClean="0"/>
+              <a:rPr lang="en-US"/>
               <a:t>Click to edit Master title style</a:t>
             </a:r>
-            <a:endParaRPr lang="en-US"/>
           </a:p>
         </p:txBody>
       </p:sp>
@@ -6148,38 +6126,37 @@
           <a:p>
             <a:pPr lvl="0"/>
             <a:r>
-              <a:rPr lang="en-US" smtClean="0"/>
+              <a:rPr lang="en-US"/>
               <a:t>Click to edit Master text styles</a:t>
             </a:r>
           </a:p>
           <a:p>
             <a:pPr lvl="1"/>
             <a:r>
-              <a:rPr lang="en-US" smtClean="0"/>
+              <a:rPr lang="en-US"/>
               <a:t>Second level</a:t>
             </a:r>
           </a:p>
           <a:p>
             <a:pPr lvl="2"/>
             <a:r>
-              <a:rPr lang="en-US" smtClean="0"/>
+              <a:rPr lang="en-US"/>
               <a:t>Third level</a:t>
             </a:r>
           </a:p>
           <a:p>
             <a:pPr lvl="3"/>
             <a:r>
-              <a:rPr lang="en-US" smtClean="0"/>
+              <a:rPr lang="en-US"/>
               <a:t>Fourth level</a:t>
             </a:r>
           </a:p>
           <a:p>
             <a:pPr lvl="4"/>
             <a:r>
-              <a:rPr lang="en-US" smtClean="0"/>
+              <a:rPr lang="en-US"/>
               <a:t>Fifth level</a:t>
             </a:r>
-            <a:endParaRPr lang="en-US"/>
           </a:p>
         </p:txBody>
       </p:sp>
@@ -6208,18 +6185,13 @@
               <a:defRPr/>
             </a:pPr>
             <a:r>
-              <a:rPr lang="en-US" dirty="0" smtClean="0">
+              <a:rPr lang="en-US" dirty="0">
                 <a:solidFill>
                   <a:srgbClr val="FFFFFF"/>
                 </a:solidFill>
               </a:rPr>
               <a:t>Copyright CAST 2011   </a:t>
             </a:r>
-            <a:endParaRPr lang="en-US" dirty="0">
-              <a:solidFill>
-                <a:srgbClr val="FFFFFF"/>
-              </a:solidFill>
-            </a:endParaRPr>
           </a:p>
         </p:txBody>
       </p:sp>
@@ -6301,10 +6273,9 @@
           <a:lstStyle/>
           <a:p>
             <a:r>
-              <a:rPr lang="en-US" smtClean="0"/>
+              <a:rPr lang="en-US"/>
               <a:t>Click to edit Master title style</a:t>
             </a:r>
-            <a:endParaRPr lang="en-US"/>
           </a:p>
         </p:txBody>
       </p:sp>
@@ -6330,38 +6301,37 @@
           <a:p>
             <a:pPr lvl="0"/>
             <a:r>
-              <a:rPr lang="en-US" smtClean="0"/>
+              <a:rPr lang="en-US"/>
               <a:t>Click to edit Master text styles</a:t>
             </a:r>
           </a:p>
           <a:p>
             <a:pPr lvl="1"/>
             <a:r>
-              <a:rPr lang="en-US" smtClean="0"/>
+              <a:rPr lang="en-US"/>
               <a:t>Second level</a:t>
             </a:r>
           </a:p>
           <a:p>
             <a:pPr lvl="2"/>
             <a:r>
-              <a:rPr lang="en-US" smtClean="0"/>
+              <a:rPr lang="en-US"/>
               <a:t>Third level</a:t>
             </a:r>
           </a:p>
           <a:p>
             <a:pPr lvl="3"/>
             <a:r>
-              <a:rPr lang="en-US" smtClean="0"/>
+              <a:rPr lang="en-US"/>
               <a:t>Fourth level</a:t>
             </a:r>
           </a:p>
           <a:p>
             <a:pPr lvl="4"/>
             <a:r>
-              <a:rPr lang="en-US" smtClean="0"/>
+              <a:rPr lang="en-US"/>
               <a:t>Fifth level</a:t>
             </a:r>
-            <a:endParaRPr lang="en-US"/>
           </a:p>
         </p:txBody>
       </p:sp>
@@ -6387,38 +6357,37 @@
           <a:p>
             <a:pPr lvl="0"/>
             <a:r>
-              <a:rPr lang="en-US" smtClean="0"/>
+              <a:rPr lang="en-US"/>
               <a:t>Click to edit Master text styles</a:t>
             </a:r>
           </a:p>
           <a:p>
             <a:pPr lvl="1"/>
             <a:r>
-              <a:rPr lang="en-US" smtClean="0"/>
+              <a:rPr lang="en-US"/>
               <a:t>Second level</a:t>
             </a:r>
           </a:p>
           <a:p>
             <a:pPr lvl="2"/>
             <a:r>
-              <a:rPr lang="en-US" smtClean="0"/>
+              <a:rPr lang="en-US"/>
               <a:t>Third level</a:t>
             </a:r>
           </a:p>
           <a:p>
             <a:pPr lvl="3"/>
             <a:r>
-              <a:rPr lang="en-US" smtClean="0"/>
+              <a:rPr lang="en-US"/>
               <a:t>Fourth level</a:t>
             </a:r>
           </a:p>
           <a:p>
             <a:pPr lvl="4"/>
             <a:r>
-              <a:rPr lang="en-US" smtClean="0"/>
+              <a:rPr lang="en-US"/>
               <a:t>Fifth level</a:t>
             </a:r>
-            <a:endParaRPr lang="en-US"/>
           </a:p>
         </p:txBody>
       </p:sp>
@@ -6444,38 +6413,37 @@
           <a:p>
             <a:pPr lvl="0"/>
             <a:r>
-              <a:rPr lang="en-US" smtClean="0"/>
+              <a:rPr lang="en-US"/>
               <a:t>Click to edit Master text styles</a:t>
             </a:r>
           </a:p>
           <a:p>
             <a:pPr lvl="1"/>
             <a:r>
-              <a:rPr lang="en-US" smtClean="0"/>
+              <a:rPr lang="en-US"/>
               <a:t>Second level</a:t>
             </a:r>
           </a:p>
           <a:p>
             <a:pPr lvl="2"/>
             <a:r>
-              <a:rPr lang="en-US" smtClean="0"/>
+              <a:rPr lang="en-US"/>
               <a:t>Third level</a:t>
             </a:r>
           </a:p>
           <a:p>
             <a:pPr lvl="3"/>
             <a:r>
-              <a:rPr lang="en-US" smtClean="0"/>
+              <a:rPr lang="en-US"/>
               <a:t>Fourth level</a:t>
             </a:r>
           </a:p>
           <a:p>
             <a:pPr lvl="4"/>
             <a:r>
-              <a:rPr lang="en-US" smtClean="0"/>
+              <a:rPr lang="en-US"/>
               <a:t>Fifth level</a:t>
             </a:r>
-            <a:endParaRPr lang="en-US"/>
           </a:p>
         </p:txBody>
       </p:sp>
@@ -6504,18 +6472,13 @@
               <a:defRPr/>
             </a:pPr>
             <a:r>
-              <a:rPr lang="en-US" dirty="0" smtClean="0">
+              <a:rPr lang="en-US" dirty="0">
                 <a:solidFill>
                   <a:srgbClr val="FFFFFF"/>
                 </a:solidFill>
               </a:rPr>
               <a:t>Copyright CAST 2011   </a:t>
             </a:r>
-            <a:endParaRPr lang="en-US" dirty="0">
-              <a:solidFill>
-                <a:srgbClr val="FFFFFF"/>
-              </a:solidFill>
-            </a:endParaRPr>
           </a:p>
         </p:txBody>
       </p:sp>
@@ -6600,10 +6563,9 @@
           <a:lstStyle/>
           <a:p>
             <a:r>
-              <a:rPr lang="en-US" smtClean="0"/>
+              <a:rPr lang="en-US"/>
               <a:t>Click to edit Master title style</a:t>
             </a:r>
-            <a:endParaRPr lang="en-US"/>
           </a:p>
         </p:txBody>
       </p:sp>
@@ -6629,10 +6591,10 @@
           <a:p>
             <a:pPr lvl="0"/>
             <a:r>
-              <a:rPr lang="en-US" noProof="0" smtClean="0"/>
+              <a:rPr lang="en-US" noProof="0"/>
               <a:t>Click icon to add table</a:t>
             </a:r>
-            <a:endParaRPr lang="en-US" noProof="0" dirty="0" smtClean="0"/>
+            <a:endParaRPr lang="en-US" noProof="0" dirty="0"/>
           </a:p>
         </p:txBody>
       </p:sp>
@@ -6724,10 +6686,9 @@
           </a:lstStyle>
           <a:p>
             <a:r>
-              <a:rPr lang="en-US" smtClean="0"/>
+              <a:rPr lang="en-US"/>
               <a:t>Click to edit Master title style</a:t>
             </a:r>
-            <a:endParaRPr lang="en-US"/>
           </a:p>
         </p:txBody>
       </p:sp>
@@ -6790,7 +6751,7 @@
           <a:p>
             <a:pPr lvl="0"/>
             <a:r>
-              <a:rPr lang="en-US" smtClean="0"/>
+              <a:rPr lang="en-US"/>
               <a:t>Click to edit Master text styles</a:t>
             </a:r>
           </a:p>
@@ -6845,7 +6806,7 @@
             <a:fld id="{D8E3BBD6-5DF7-411E-B793-6A3558CCCDCA}" type="datetimeFigureOut">
               <a:rPr lang="fr-FR" smtClean="0"/>
               <a:pPr/>
-              <a:t>31/01/2017</a:t>
+              <a:t>21/01/2019</a:t>
             </a:fld>
             <a:endParaRPr lang="fr-FR" dirty="0"/>
           </a:p>
@@ -6927,10 +6888,9 @@
           </a:lstStyle>
           <a:p>
             <a:r>
-              <a:rPr lang="en-US" smtClean="0"/>
+              <a:rPr lang="en-US"/>
               <a:t>Click to edit Master title style</a:t>
             </a:r>
-            <a:endParaRPr lang="en-US"/>
           </a:p>
         </p:txBody>
       </p:sp>
@@ -6966,10 +6926,9 @@
           </a:lstStyle>
           <a:p>
             <a:r>
-              <a:rPr lang="en-US" smtClean="0"/>
+              <a:rPr lang="en-US"/>
               <a:t>Click to edit Master subtitle style</a:t>
             </a:r>
-            <a:endParaRPr lang="en-US"/>
           </a:p>
         </p:txBody>
       </p:sp>
@@ -6998,18 +6957,13 @@
           </a:lstStyle>
           <a:p>
             <a:r>
-              <a:rPr lang="en-US" dirty="0" smtClean="0">
+              <a:rPr lang="en-US" dirty="0">
                 <a:solidFill>
                   <a:srgbClr val="FFFFFF"/>
                 </a:solidFill>
               </a:rPr>
               <a:t>Copyright CAST 2011   </a:t>
             </a:r>
-            <a:endParaRPr lang="en-US" dirty="0">
-              <a:solidFill>
-                <a:srgbClr val="FFFFFF"/>
-              </a:solidFill>
-            </a:endParaRPr>
           </a:p>
         </p:txBody>
       </p:sp>
@@ -7054,7 +7008,7 @@
           <a:lstStyle/>
           <a:p>
             <a:r>
-              <a:rPr lang="en-US" smtClean="0"/>
+              <a:rPr lang="en-US"/>
               <a:t>Click to edit Master title style</a:t>
             </a:r>
             <a:endParaRPr lang="fr-FR"/>
@@ -7078,35 +7032,35 @@
           <a:p>
             <a:pPr lvl="0"/>
             <a:r>
-              <a:rPr lang="en-US" smtClean="0"/>
+              <a:rPr lang="en-US"/>
               <a:t>Click to edit Master text styles</a:t>
             </a:r>
           </a:p>
           <a:p>
             <a:pPr lvl="1"/>
             <a:r>
-              <a:rPr lang="en-US" smtClean="0"/>
+              <a:rPr lang="en-US"/>
               <a:t>Second level</a:t>
             </a:r>
           </a:p>
           <a:p>
             <a:pPr lvl="2"/>
             <a:r>
-              <a:rPr lang="en-US" smtClean="0"/>
+              <a:rPr lang="en-US"/>
               <a:t>Third level</a:t>
             </a:r>
           </a:p>
           <a:p>
             <a:pPr lvl="3"/>
             <a:r>
-              <a:rPr lang="en-US" smtClean="0"/>
+              <a:rPr lang="en-US"/>
               <a:t>Fourth level</a:t>
             </a:r>
           </a:p>
           <a:p>
             <a:pPr lvl="4"/>
             <a:r>
-              <a:rPr lang="en-US" smtClean="0"/>
+              <a:rPr lang="en-US"/>
               <a:t>Fifth level</a:t>
             </a:r>
             <a:endParaRPr lang="fr-FR"/>
@@ -7169,18 +7123,13 @@
           </a:lstStyle>
           <a:p>
             <a:r>
-              <a:rPr lang="en-US" dirty="0" smtClean="0">
+              <a:rPr lang="en-US" dirty="0">
                 <a:solidFill>
                   <a:srgbClr val="FFFFFF"/>
                 </a:solidFill>
               </a:rPr>
               <a:t>Copyright CAST 2011   </a:t>
             </a:r>
-            <a:endParaRPr lang="en-US" dirty="0">
-              <a:solidFill>
-                <a:srgbClr val="FFFFFF"/>
-              </a:solidFill>
-            </a:endParaRPr>
           </a:p>
         </p:txBody>
       </p:sp>
@@ -7261,7 +7210,7 @@
           </a:lstStyle>
           <a:p>
             <a:r>
-              <a:rPr lang="en-US" smtClean="0"/>
+              <a:rPr lang="en-US"/>
               <a:t>Click to edit Master title style</a:t>
             </a:r>
             <a:endParaRPr lang="fr-FR"/>
@@ -7327,7 +7276,7 @@
           <a:p>
             <a:pPr lvl="0"/>
             <a:r>
-              <a:rPr lang="en-US" smtClean="0"/>
+              <a:rPr lang="en-US"/>
               <a:t>Click to edit Master text styles</a:t>
             </a:r>
           </a:p>
@@ -7389,18 +7338,13 @@
           </a:lstStyle>
           <a:p>
             <a:r>
-              <a:rPr lang="en-US" dirty="0" smtClean="0">
+              <a:rPr lang="en-US" dirty="0">
                 <a:solidFill>
                   <a:srgbClr val="FFFFFF"/>
                 </a:solidFill>
               </a:rPr>
               <a:t>Copyright CAST 2011   </a:t>
             </a:r>
-            <a:endParaRPr lang="en-US" dirty="0">
-              <a:solidFill>
-                <a:srgbClr val="FFFFFF"/>
-              </a:solidFill>
-            </a:endParaRPr>
           </a:p>
         </p:txBody>
       </p:sp>
@@ -7472,7 +7416,7 @@
           <a:lstStyle/>
           <a:p>
             <a:r>
-              <a:rPr lang="en-US" smtClean="0"/>
+              <a:rPr lang="en-US"/>
               <a:t>Click to edit Master title style</a:t>
             </a:r>
             <a:endParaRPr lang="fr-FR"/>
@@ -7529,35 +7473,35 @@
           <a:p>
             <a:pPr lvl="0"/>
             <a:r>
-              <a:rPr lang="en-US" smtClean="0"/>
+              <a:rPr lang="en-US"/>
               <a:t>Click to edit Master text styles</a:t>
             </a:r>
           </a:p>
           <a:p>
             <a:pPr lvl="1"/>
             <a:r>
-              <a:rPr lang="en-US" smtClean="0"/>
+              <a:rPr lang="en-US"/>
               <a:t>Second level</a:t>
             </a:r>
           </a:p>
           <a:p>
             <a:pPr lvl="2"/>
             <a:r>
-              <a:rPr lang="en-US" smtClean="0"/>
+              <a:rPr lang="en-US"/>
               <a:t>Third level</a:t>
             </a:r>
           </a:p>
           <a:p>
             <a:pPr lvl="3"/>
             <a:r>
-              <a:rPr lang="en-US" smtClean="0"/>
+              <a:rPr lang="en-US"/>
               <a:t>Fourth level</a:t>
             </a:r>
           </a:p>
           <a:p>
             <a:pPr lvl="4"/>
             <a:r>
-              <a:rPr lang="en-US" smtClean="0"/>
+              <a:rPr lang="en-US"/>
               <a:t>Fifth level</a:t>
             </a:r>
             <a:endParaRPr lang="fr-FR"/>
@@ -7614,35 +7558,35 @@
           <a:p>
             <a:pPr lvl="0"/>
             <a:r>
-              <a:rPr lang="en-US" smtClean="0"/>
+              <a:rPr lang="en-US"/>
               <a:t>Click to edit Master text styles</a:t>
             </a:r>
           </a:p>
           <a:p>
             <a:pPr lvl="1"/>
             <a:r>
-              <a:rPr lang="en-US" smtClean="0"/>
+              <a:rPr lang="en-US"/>
               <a:t>Second level</a:t>
             </a:r>
           </a:p>
           <a:p>
             <a:pPr lvl="2"/>
             <a:r>
-              <a:rPr lang="en-US" smtClean="0"/>
+              <a:rPr lang="en-US"/>
               <a:t>Third level</a:t>
             </a:r>
           </a:p>
           <a:p>
             <a:pPr lvl="3"/>
             <a:r>
-              <a:rPr lang="en-US" smtClean="0"/>
+              <a:rPr lang="en-US"/>
               <a:t>Fourth level</a:t>
             </a:r>
           </a:p>
           <a:p>
             <a:pPr lvl="4"/>
             <a:r>
-              <a:rPr lang="en-US" smtClean="0"/>
+              <a:rPr lang="en-US"/>
               <a:t>Fifth level</a:t>
             </a:r>
             <a:endParaRPr lang="fr-FR"/>
@@ -7705,18 +7649,13 @@
           </a:lstStyle>
           <a:p>
             <a:r>
-              <a:rPr lang="en-US" dirty="0" smtClean="0">
+              <a:rPr lang="en-US" dirty="0">
                 <a:solidFill>
                   <a:srgbClr val="FFFFFF"/>
                 </a:solidFill>
               </a:rPr>
               <a:t>Copyright CAST 2011   </a:t>
             </a:r>
-            <a:endParaRPr lang="en-US" dirty="0">
-              <a:solidFill>
-                <a:srgbClr val="FFFFFF"/>
-              </a:solidFill>
-            </a:endParaRPr>
           </a:p>
         </p:txBody>
       </p:sp>
@@ -7797,7 +7736,7 @@
           </a:lstStyle>
           <a:p>
             <a:r>
-              <a:rPr lang="en-US" smtClean="0"/>
+              <a:rPr lang="en-US"/>
               <a:t>Click to edit Master title style</a:t>
             </a:r>
             <a:endParaRPr lang="fr-FR"/>
@@ -7863,7 +7802,7 @@
           <a:p>
             <a:pPr lvl="0"/>
             <a:r>
-              <a:rPr lang="en-US" smtClean="0"/>
+              <a:rPr lang="en-US"/>
               <a:t>Click to edit Master text styles</a:t>
             </a:r>
           </a:p>
@@ -7919,35 +7858,35 @@
           <a:p>
             <a:pPr lvl="0"/>
             <a:r>
-              <a:rPr lang="en-US" smtClean="0"/>
+              <a:rPr lang="en-US"/>
               <a:t>Click to edit Master text styles</a:t>
             </a:r>
           </a:p>
           <a:p>
             <a:pPr lvl="1"/>
             <a:r>
-              <a:rPr lang="en-US" smtClean="0"/>
+              <a:rPr lang="en-US"/>
               <a:t>Second level</a:t>
             </a:r>
           </a:p>
           <a:p>
             <a:pPr lvl="2"/>
             <a:r>
-              <a:rPr lang="en-US" smtClean="0"/>
+              <a:rPr lang="en-US"/>
               <a:t>Third level</a:t>
             </a:r>
           </a:p>
           <a:p>
             <a:pPr lvl="3"/>
             <a:r>
-              <a:rPr lang="en-US" smtClean="0"/>
+              <a:rPr lang="en-US"/>
               <a:t>Fourth level</a:t>
             </a:r>
           </a:p>
           <a:p>
             <a:pPr lvl="4"/>
             <a:r>
-              <a:rPr lang="en-US" smtClean="0"/>
+              <a:rPr lang="en-US"/>
               <a:t>Fifth level</a:t>
             </a:r>
             <a:endParaRPr lang="fr-FR"/>
@@ -8013,7 +7952,7 @@
           <a:p>
             <a:pPr lvl="0"/>
             <a:r>
-              <a:rPr lang="en-US" smtClean="0"/>
+              <a:rPr lang="en-US"/>
               <a:t>Click to edit Master text styles</a:t>
             </a:r>
           </a:p>
@@ -8069,35 +8008,35 @@
           <a:p>
             <a:pPr lvl="0"/>
             <a:r>
-              <a:rPr lang="en-US" smtClean="0"/>
+              <a:rPr lang="en-US"/>
               <a:t>Click to edit Master text styles</a:t>
             </a:r>
           </a:p>
           <a:p>
             <a:pPr lvl="1"/>
             <a:r>
-              <a:rPr lang="en-US" smtClean="0"/>
+              <a:rPr lang="en-US"/>
               <a:t>Second level</a:t>
             </a:r>
           </a:p>
           <a:p>
             <a:pPr lvl="2"/>
             <a:r>
-              <a:rPr lang="en-US" smtClean="0"/>
+              <a:rPr lang="en-US"/>
               <a:t>Third level</a:t>
             </a:r>
           </a:p>
           <a:p>
             <a:pPr lvl="3"/>
             <a:r>
-              <a:rPr lang="en-US" smtClean="0"/>
+              <a:rPr lang="en-US"/>
               <a:t>Fourth level</a:t>
             </a:r>
           </a:p>
           <a:p>
             <a:pPr lvl="4"/>
             <a:r>
-              <a:rPr lang="en-US" smtClean="0"/>
+              <a:rPr lang="en-US"/>
               <a:t>Fifth level</a:t>
             </a:r>
             <a:endParaRPr lang="fr-FR"/>
@@ -8160,18 +8099,13 @@
           </a:lstStyle>
           <a:p>
             <a:r>
-              <a:rPr lang="en-US" dirty="0" smtClean="0">
+              <a:rPr lang="en-US" dirty="0">
                 <a:solidFill>
                   <a:srgbClr val="FFFFFF"/>
                 </a:solidFill>
               </a:rPr>
               <a:t>Copyright CAST 2011   </a:t>
             </a:r>
-            <a:endParaRPr lang="en-US" dirty="0">
-              <a:solidFill>
-                <a:srgbClr val="FFFFFF"/>
-              </a:solidFill>
-            </a:endParaRPr>
           </a:p>
         </p:txBody>
       </p:sp>
@@ -8243,7 +8177,7 @@
           <a:lstStyle/>
           <a:p>
             <a:r>
-              <a:rPr lang="en-US" smtClean="0"/>
+              <a:rPr lang="en-US"/>
               <a:t>Click to edit Master title style</a:t>
             </a:r>
             <a:endParaRPr lang="fr-FR"/>
@@ -8306,18 +8240,13 @@
           </a:lstStyle>
           <a:p>
             <a:r>
-              <a:rPr lang="en-US" dirty="0" smtClean="0">
+              <a:rPr lang="en-US" dirty="0">
                 <a:solidFill>
                   <a:srgbClr val="FFFFFF"/>
                 </a:solidFill>
               </a:rPr>
               <a:t>Copyright CAST 2011   </a:t>
             </a:r>
-            <a:endParaRPr lang="en-US" dirty="0">
-              <a:solidFill>
-                <a:srgbClr val="FFFFFF"/>
-              </a:solidFill>
-            </a:endParaRPr>
           </a:p>
         </p:txBody>
       </p:sp>
@@ -8429,18 +8358,13 @@
           </a:lstStyle>
           <a:p>
             <a:r>
-              <a:rPr lang="en-US" dirty="0" smtClean="0">
+              <a:rPr lang="en-US" dirty="0">
                 <a:solidFill>
                   <a:srgbClr val="FFFFFF"/>
                 </a:solidFill>
               </a:rPr>
               <a:t>Copyright CAST 2011   </a:t>
             </a:r>
-            <a:endParaRPr lang="en-US" dirty="0">
-              <a:solidFill>
-                <a:srgbClr val="FFFFFF"/>
-              </a:solidFill>
-            </a:endParaRPr>
           </a:p>
         </p:txBody>
       </p:sp>
@@ -8521,7 +8445,7 @@
           </a:lstStyle>
           <a:p>
             <a:r>
-              <a:rPr lang="en-US" smtClean="0"/>
+              <a:rPr lang="en-US"/>
               <a:t>Click to edit Master title style</a:t>
             </a:r>
             <a:endParaRPr lang="fr-FR"/>
@@ -8578,35 +8502,35 @@
           <a:p>
             <a:pPr lvl="0"/>
             <a:r>
-              <a:rPr lang="en-US" smtClean="0"/>
+              <a:rPr lang="en-US"/>
               <a:t>Click to edit Master text styles</a:t>
             </a:r>
           </a:p>
           <a:p>
             <a:pPr lvl="1"/>
             <a:r>
-              <a:rPr lang="en-US" smtClean="0"/>
+              <a:rPr lang="en-US"/>
               <a:t>Second level</a:t>
             </a:r>
           </a:p>
           <a:p>
             <a:pPr lvl="2"/>
             <a:r>
-              <a:rPr lang="en-US" smtClean="0"/>
+              <a:rPr lang="en-US"/>
               <a:t>Third level</a:t>
             </a:r>
           </a:p>
           <a:p>
             <a:pPr lvl="3"/>
             <a:r>
-              <a:rPr lang="en-US" smtClean="0"/>
+              <a:rPr lang="en-US"/>
               <a:t>Fourth level</a:t>
             </a:r>
           </a:p>
           <a:p>
             <a:pPr lvl="4"/>
             <a:r>
-              <a:rPr lang="en-US" smtClean="0"/>
+              <a:rPr lang="en-US"/>
               <a:t>Fifth level</a:t>
             </a:r>
             <a:endParaRPr lang="fr-FR"/>
@@ -8672,7 +8596,7 @@
           <a:p>
             <a:pPr lvl="0"/>
             <a:r>
-              <a:rPr lang="en-US" smtClean="0"/>
+              <a:rPr lang="en-US"/>
               <a:t>Click to edit Master text styles</a:t>
             </a:r>
           </a:p>
@@ -8734,18 +8658,13 @@
           </a:lstStyle>
           <a:p>
             <a:r>
-              <a:rPr lang="en-US" dirty="0" smtClean="0">
+              <a:rPr lang="en-US" dirty="0">
                 <a:solidFill>
                   <a:srgbClr val="FFFFFF"/>
                 </a:solidFill>
               </a:rPr>
               <a:t>Copyright CAST 2011   </a:t>
             </a:r>
-            <a:endParaRPr lang="en-US" dirty="0">
-              <a:solidFill>
-                <a:srgbClr val="FFFFFF"/>
-              </a:solidFill>
-            </a:endParaRPr>
           </a:p>
         </p:txBody>
       </p:sp>
@@ -8826,7 +8745,7 @@
           </a:lstStyle>
           <a:p>
             <a:r>
-              <a:rPr lang="en-US" smtClean="0"/>
+              <a:rPr lang="en-US"/>
               <a:t>Click to edit Master title style</a:t>
             </a:r>
             <a:endParaRPr lang="fr-FR"/>
@@ -8891,7 +8810,7 @@
           </a:lstStyle>
           <a:p>
             <a:r>
-              <a:rPr lang="en-US" smtClean="0"/>
+              <a:rPr lang="en-US"/>
               <a:t>Click icon to add picture</a:t>
             </a:r>
             <a:endParaRPr lang="fr-FR" dirty="0"/>
@@ -8957,7 +8876,7 @@
           <a:p>
             <a:pPr lvl="0"/>
             <a:r>
-              <a:rPr lang="en-US" smtClean="0"/>
+              <a:rPr lang="en-US"/>
               <a:t>Click to edit Master text styles</a:t>
             </a:r>
           </a:p>
@@ -9019,18 +8938,13 @@
           </a:lstStyle>
           <a:p>
             <a:r>
-              <a:rPr lang="en-US" dirty="0" smtClean="0">
+              <a:rPr lang="en-US" dirty="0">
                 <a:solidFill>
                   <a:srgbClr val="FFFFFF"/>
                 </a:solidFill>
               </a:rPr>
               <a:t>Copyright CAST 2011   </a:t>
             </a:r>
-            <a:endParaRPr lang="en-US" dirty="0">
-              <a:solidFill>
-                <a:srgbClr val="FFFFFF"/>
-              </a:solidFill>
-            </a:endParaRPr>
           </a:p>
         </p:txBody>
       </p:sp>
@@ -9102,7 +9016,7 @@
           <a:lstStyle/>
           <a:p>
             <a:r>
-              <a:rPr lang="en-US" smtClean="0"/>
+              <a:rPr lang="en-US"/>
               <a:t>Click to edit Master title style</a:t>
             </a:r>
             <a:endParaRPr lang="fr-FR"/>
@@ -9126,35 +9040,35 @@
           <a:p>
             <a:pPr lvl="0"/>
             <a:r>
-              <a:rPr lang="en-US" smtClean="0"/>
+              <a:rPr lang="en-US"/>
               <a:t>Click to edit Master text styles</a:t>
             </a:r>
           </a:p>
           <a:p>
             <a:pPr lvl="1"/>
             <a:r>
-              <a:rPr lang="en-US" smtClean="0"/>
+              <a:rPr lang="en-US"/>
               <a:t>Second level</a:t>
             </a:r>
           </a:p>
           <a:p>
             <a:pPr lvl="2"/>
             <a:r>
-              <a:rPr lang="en-US" smtClean="0"/>
+              <a:rPr lang="en-US"/>
               <a:t>Third level</a:t>
             </a:r>
           </a:p>
           <a:p>
             <a:pPr lvl="3"/>
             <a:r>
-              <a:rPr lang="en-US" smtClean="0"/>
+              <a:rPr lang="en-US"/>
               <a:t>Fourth level</a:t>
             </a:r>
           </a:p>
           <a:p>
             <a:pPr lvl="4"/>
             <a:r>
-              <a:rPr lang="en-US" smtClean="0"/>
+              <a:rPr lang="en-US"/>
               <a:t>Fifth level</a:t>
             </a:r>
             <a:endParaRPr lang="fr-FR"/>
@@ -9217,18 +9131,13 @@
           </a:lstStyle>
           <a:p>
             <a:r>
-              <a:rPr lang="en-US" dirty="0" smtClean="0">
+              <a:rPr lang="en-US" dirty="0">
                 <a:solidFill>
                   <a:srgbClr val="FFFFFF"/>
                 </a:solidFill>
               </a:rPr>
               <a:t>Copyright CAST 2011   </a:t>
             </a:r>
-            <a:endParaRPr lang="en-US" dirty="0">
-              <a:solidFill>
-                <a:srgbClr val="FFFFFF"/>
-              </a:solidFill>
-            </a:endParaRPr>
           </a:p>
         </p:txBody>
       </p:sp>
@@ -9300,10 +9209,9 @@
           <a:lstStyle/>
           <a:p>
             <a:r>
-              <a:rPr lang="en-US" smtClean="0"/>
+              <a:rPr lang="en-US"/>
               <a:t>Click to edit Master title style</a:t>
             </a:r>
-            <a:endParaRPr lang="en-US"/>
           </a:p>
         </p:txBody>
       </p:sp>
@@ -9357,38 +9265,37 @@
           <a:p>
             <a:pPr lvl="0"/>
             <a:r>
-              <a:rPr lang="en-US" smtClean="0"/>
+              <a:rPr lang="en-US"/>
               <a:t>Click to edit Master text styles</a:t>
             </a:r>
           </a:p>
           <a:p>
             <a:pPr lvl="1"/>
             <a:r>
-              <a:rPr lang="en-US" smtClean="0"/>
+              <a:rPr lang="en-US"/>
               <a:t>Second level</a:t>
             </a:r>
           </a:p>
           <a:p>
             <a:pPr lvl="2"/>
             <a:r>
-              <a:rPr lang="en-US" smtClean="0"/>
+              <a:rPr lang="en-US"/>
               <a:t>Third level</a:t>
             </a:r>
           </a:p>
           <a:p>
             <a:pPr lvl="3"/>
             <a:r>
-              <a:rPr lang="en-US" smtClean="0"/>
+              <a:rPr lang="en-US"/>
               <a:t>Fourth level</a:t>
             </a:r>
           </a:p>
           <a:p>
             <a:pPr lvl="4"/>
             <a:r>
-              <a:rPr lang="en-US" smtClean="0"/>
+              <a:rPr lang="en-US"/>
               <a:t>Fifth level</a:t>
             </a:r>
-            <a:endParaRPr lang="en-US"/>
           </a:p>
         </p:txBody>
       </p:sp>
@@ -9442,38 +9349,37 @@
           <a:p>
             <a:pPr lvl="0"/>
             <a:r>
-              <a:rPr lang="en-US" smtClean="0"/>
+              <a:rPr lang="en-US"/>
               <a:t>Click to edit Master text styles</a:t>
             </a:r>
           </a:p>
           <a:p>
             <a:pPr lvl="1"/>
             <a:r>
-              <a:rPr lang="en-US" smtClean="0"/>
+              <a:rPr lang="en-US"/>
               <a:t>Second level</a:t>
             </a:r>
           </a:p>
           <a:p>
             <a:pPr lvl="2"/>
             <a:r>
-              <a:rPr lang="en-US" smtClean="0"/>
+              <a:rPr lang="en-US"/>
               <a:t>Third level</a:t>
             </a:r>
           </a:p>
           <a:p>
             <a:pPr lvl="3"/>
             <a:r>
-              <a:rPr lang="en-US" smtClean="0"/>
+              <a:rPr lang="en-US"/>
               <a:t>Fourth level</a:t>
             </a:r>
           </a:p>
           <a:p>
             <a:pPr lvl="4"/>
             <a:r>
-              <a:rPr lang="en-US" smtClean="0"/>
+              <a:rPr lang="en-US"/>
               <a:t>Fifth level</a:t>
             </a:r>
-            <a:endParaRPr lang="en-US"/>
           </a:p>
         </p:txBody>
       </p:sp>
@@ -9526,7 +9432,7 @@
             <a:fld id="{D8E3BBD6-5DF7-411E-B793-6A3558CCCDCA}" type="datetimeFigureOut">
               <a:rPr lang="fr-FR" smtClean="0"/>
               <a:pPr/>
-              <a:t>31/01/2017</a:t>
+              <a:t>21/01/2019</a:t>
             </a:fld>
             <a:endParaRPr lang="fr-FR" dirty="0"/>
           </a:p>
@@ -9578,7 +9484,7 @@
           <a:lstStyle/>
           <a:p>
             <a:r>
-              <a:rPr lang="en-US" smtClean="0"/>
+              <a:rPr lang="en-US"/>
               <a:t>Click to edit Master title style</a:t>
             </a:r>
             <a:endParaRPr lang="fr-FR"/>
@@ -9607,35 +9513,35 @@
           <a:p>
             <a:pPr lvl="0"/>
             <a:r>
-              <a:rPr lang="en-US" smtClean="0"/>
+              <a:rPr lang="en-US"/>
               <a:t>Click to edit Master text styles</a:t>
             </a:r>
           </a:p>
           <a:p>
             <a:pPr lvl="1"/>
             <a:r>
-              <a:rPr lang="en-US" smtClean="0"/>
+              <a:rPr lang="en-US"/>
               <a:t>Second level</a:t>
             </a:r>
           </a:p>
           <a:p>
             <a:pPr lvl="2"/>
             <a:r>
-              <a:rPr lang="en-US" smtClean="0"/>
+              <a:rPr lang="en-US"/>
               <a:t>Third level</a:t>
             </a:r>
           </a:p>
           <a:p>
             <a:pPr lvl="3"/>
             <a:r>
-              <a:rPr lang="en-US" smtClean="0"/>
+              <a:rPr lang="en-US"/>
               <a:t>Fourth level</a:t>
             </a:r>
           </a:p>
           <a:p>
             <a:pPr lvl="4"/>
             <a:r>
-              <a:rPr lang="en-US" smtClean="0"/>
+              <a:rPr lang="en-US"/>
               <a:t>Fifth level</a:t>
             </a:r>
             <a:endParaRPr lang="fr-FR"/>
@@ -9698,18 +9604,13 @@
           </a:lstStyle>
           <a:p>
             <a:r>
-              <a:rPr lang="en-US" dirty="0" smtClean="0">
+              <a:rPr lang="en-US" dirty="0">
                 <a:solidFill>
                   <a:srgbClr val="FFFFFF"/>
                 </a:solidFill>
               </a:rPr>
               <a:t>Copyright CAST 2011   </a:t>
             </a:r>
-            <a:endParaRPr lang="en-US" dirty="0">
-              <a:solidFill>
-                <a:srgbClr val="FFFFFF"/>
-              </a:solidFill>
-            </a:endParaRPr>
           </a:p>
         </p:txBody>
       </p:sp>
@@ -9878,7 +9779,7 @@
                 </a:bodyPr>
                 <a:lstStyle/>
                 <a:p>
-                  <a:endParaRPr lang="en-US" sz="2400" dirty="0" smtClean="0">
+                  <a:endParaRPr lang="en-US" sz="2400" dirty="0">
                     <a:solidFill>
                       <a:prstClr val="black"/>
                     </a:solidFill>
@@ -9929,22 +9830,35 @@
         </p:grpSp>
         <p:pic>
           <p:nvPicPr>
-            <p:cNvPr id="6" name="Picture 5" descr="CAST_grey_100_bl.jpg"/>
+            <p:cNvPr id="6" name="Picture 5"/>
             <p:cNvPicPr>
               <a:picLocks noChangeAspect="1"/>
             </p:cNvPicPr>
             <p:nvPr userDrawn="1"/>
           </p:nvPicPr>
           <p:blipFill>
-            <a:blip r:embed="rId5" cstate="screen"/>
+            <a:blip r:embed="rId5">
+              <a:duotone>
+                <a:schemeClr val="accent6">
+                  <a:shade val="45000"/>
+                  <a:satMod val="135000"/>
+                </a:schemeClr>
+                <a:prstClr val="white"/>
+              </a:duotone>
+              <a:extLst>
+                <a:ext uri="{28A0092B-C50C-407E-A947-70E740481C1C}">
+                  <a14:useLocalDpi xmlns:a14="http://schemas.microsoft.com/office/drawing/2010/main" val="0"/>
+                </a:ext>
+              </a:extLst>
+            </a:blip>
             <a:stretch>
               <a:fillRect/>
             </a:stretch>
           </p:blipFill>
           <p:spPr>
             <a:xfrm>
-              <a:off x="5791726" y="457200"/>
-              <a:ext cx="2818874" cy="548640"/>
+              <a:off x="5801572" y="457200"/>
+              <a:ext cx="2799182" cy="548640"/>
             </a:xfrm>
             <a:prstGeom prst="rect">
               <a:avLst/>
@@ -9992,7 +9906,7 @@
               </a:tabLst>
             </a:pPr>
             <a:r>
-              <a:rPr lang="en-US" smtClean="0"/>
+              <a:rPr lang="en-US"/>
               <a:t>Click to edit Master subtitle style</a:t>
             </a:r>
             <a:endParaRPr lang="en-US" dirty="0"/>
@@ -10037,7 +9951,7 @@
           <a:p>
             <a:pPr lvl="0"/>
             <a:r>
-              <a:rPr lang="en-US" smtClean="0"/>
+              <a:rPr lang="en-US"/>
               <a:t>Click to edit Master title style</a:t>
             </a:r>
             <a:endParaRPr lang="en-US" dirty="0"/>
@@ -10141,10 +10055,9 @@
           <a:lstStyle/>
           <a:p>
             <a:r>
-              <a:rPr lang="en-US" smtClean="0"/>
+              <a:rPr lang="en-US"/>
               <a:t>Click to edit Master title style</a:t>
             </a:r>
-            <a:endParaRPr lang="en-US"/>
           </a:p>
         </p:txBody>
       </p:sp>
@@ -10170,35 +10083,35 @@
           <a:p>
             <a:pPr lvl="0"/>
             <a:r>
-              <a:rPr lang="en-US" smtClean="0"/>
+              <a:rPr lang="en-US"/>
               <a:t>Click to edit Master text styles</a:t>
             </a:r>
           </a:p>
           <a:p>
             <a:pPr lvl="1"/>
             <a:r>
-              <a:rPr lang="en-US" smtClean="0"/>
+              <a:rPr lang="en-US"/>
               <a:t>Second level</a:t>
             </a:r>
           </a:p>
           <a:p>
             <a:pPr lvl="2"/>
             <a:r>
-              <a:rPr lang="en-US" smtClean="0"/>
+              <a:rPr lang="en-US"/>
               <a:t>Third level</a:t>
             </a:r>
           </a:p>
           <a:p>
             <a:pPr lvl="3"/>
             <a:r>
-              <a:rPr lang="en-US" smtClean="0"/>
+              <a:rPr lang="en-US"/>
               <a:t>Fourth level</a:t>
             </a:r>
           </a:p>
           <a:p>
             <a:pPr lvl="4"/>
             <a:r>
-              <a:rPr lang="en-US" smtClean="0"/>
+              <a:rPr lang="en-US"/>
               <a:t>Fifth level</a:t>
             </a:r>
             <a:endParaRPr lang="en-US" dirty="0"/>
@@ -10279,7 +10192,7 @@
           <a:p>
             <a:pPr lvl="0"/>
             <a:r>
-              <a:rPr lang="en-US" smtClean="0"/>
+              <a:rPr lang="en-US"/>
               <a:t>Click to edit Master title style</a:t>
             </a:r>
             <a:endParaRPr lang="en-US" dirty="0"/>
@@ -10349,7 +10262,7 @@
               </a:tabLst>
             </a:pPr>
             <a:r>
-              <a:rPr lang="en-US" smtClean="0"/>
+              <a:rPr lang="en-US"/>
               <a:t>Click to edit Master text styles</a:t>
             </a:r>
           </a:p>
@@ -10389,7 +10302,7 @@
           </a:bodyPr>
           <a:lstStyle/>
           <a:p>
-            <a:endParaRPr lang="en-US" sz="2400" dirty="0" smtClean="0">
+            <a:endParaRPr lang="en-US" sz="2400" dirty="0">
               <a:solidFill>
                 <a:prstClr val="black"/>
               </a:solidFill>
@@ -10501,10 +10414,9 @@
           <a:lstStyle/>
           <a:p>
             <a:r>
-              <a:rPr lang="en-US" smtClean="0"/>
+              <a:rPr lang="en-US"/>
               <a:t>Click to edit Master title style</a:t>
             </a:r>
-            <a:endParaRPr lang="en-US"/>
           </a:p>
         </p:txBody>
       </p:sp>
@@ -10566,7 +10478,7 @@
               <a:buChar char="§"/>
             </a:pPr>
             <a:r>
-              <a:rPr lang="en-US" smtClean="0"/>
+              <a:rPr lang="en-US"/>
               <a:t>Click to edit Master text styles</a:t>
             </a:r>
           </a:p>
@@ -10592,7 +10504,7 @@
               <a:buChar char="§"/>
             </a:pPr>
             <a:r>
-              <a:rPr lang="en-US" smtClean="0"/>
+              <a:rPr lang="en-US"/>
               <a:t>Second level</a:t>
             </a:r>
           </a:p>
@@ -10618,7 +10530,7 @@
               <a:buChar char="§"/>
             </a:pPr>
             <a:r>
-              <a:rPr lang="en-US" smtClean="0"/>
+              <a:rPr lang="en-US"/>
               <a:t>Third level</a:t>
             </a:r>
           </a:p>
@@ -10644,7 +10556,7 @@
               <a:buChar char="§"/>
             </a:pPr>
             <a:r>
-              <a:rPr lang="en-US" smtClean="0"/>
+              <a:rPr lang="en-US"/>
               <a:t>Fourth level</a:t>
             </a:r>
           </a:p>
@@ -10670,7 +10582,7 @@
               <a:buChar char="§"/>
             </a:pPr>
             <a:r>
-              <a:rPr lang="en-US" smtClean="0"/>
+              <a:rPr lang="en-US"/>
               <a:t>Fifth level</a:t>
             </a:r>
             <a:endParaRPr lang="en-US" dirty="0"/>
@@ -10756,7 +10668,7 @@
               <a:buChar char="§"/>
             </a:pPr>
             <a:r>
-              <a:rPr lang="en-US" smtClean="0"/>
+              <a:rPr lang="en-US"/>
               <a:t>Click to edit Master text styles</a:t>
             </a:r>
           </a:p>
@@ -10782,7 +10694,7 @@
               <a:buChar char="§"/>
             </a:pPr>
             <a:r>
-              <a:rPr lang="en-US" smtClean="0"/>
+              <a:rPr lang="en-US"/>
               <a:t>Second level</a:t>
             </a:r>
           </a:p>
@@ -10808,7 +10720,7 @@
               <a:buChar char="§"/>
             </a:pPr>
             <a:r>
-              <a:rPr lang="en-US" smtClean="0"/>
+              <a:rPr lang="en-US"/>
               <a:t>Third level</a:t>
             </a:r>
           </a:p>
@@ -10834,7 +10746,7 @@
               <a:buChar char="§"/>
             </a:pPr>
             <a:r>
-              <a:rPr lang="en-US" smtClean="0"/>
+              <a:rPr lang="en-US"/>
               <a:t>Fourth level</a:t>
             </a:r>
           </a:p>
@@ -10860,7 +10772,7 @@
               <a:buChar char="§"/>
             </a:pPr>
             <a:r>
-              <a:rPr lang="en-US" smtClean="0"/>
+              <a:rPr lang="en-US"/>
               <a:t>Fifth level</a:t>
             </a:r>
             <a:endParaRPr lang="en-US" dirty="0"/>
@@ -10969,7 +10881,7 @@
           <a:p>
             <a:pPr lvl="0"/>
             <a:r>
-              <a:rPr lang="en-US" smtClean="0"/>
+              <a:rPr lang="en-US"/>
               <a:t>Click to edit Master text styles</a:t>
             </a:r>
           </a:p>
@@ -11009,7 +10921,7 @@
           <a:p>
             <a:pPr marL="0" lvl="0" indent="0"/>
             <a:r>
-              <a:rPr lang="en-US" smtClean="0"/>
+              <a:rPr lang="en-US"/>
               <a:t>Click to edit Master text styles</a:t>
             </a:r>
           </a:p>
@@ -11087,7 +10999,7 @@
           <a:lstStyle/>
           <a:p>
             <a:r>
-              <a:rPr lang="en-US" smtClean="0"/>
+              <a:rPr lang="en-US"/>
               <a:t>Click to edit Master title style</a:t>
             </a:r>
             <a:endParaRPr lang="en-US" dirty="0"/>
@@ -11161,7 +11073,7 @@
               <a:buChar char="§"/>
             </a:pPr>
             <a:r>
-              <a:rPr lang="en-US" smtClean="0"/>
+              <a:rPr lang="en-US"/>
               <a:t>Click to edit Master text styles</a:t>
             </a:r>
           </a:p>
@@ -11187,7 +11099,7 @@
               <a:buChar char="§"/>
             </a:pPr>
             <a:r>
-              <a:rPr lang="en-US" smtClean="0"/>
+              <a:rPr lang="en-US"/>
               <a:t>Second level</a:t>
             </a:r>
           </a:p>
@@ -11213,7 +11125,7 @@
               <a:buChar char="§"/>
             </a:pPr>
             <a:r>
-              <a:rPr lang="en-US" smtClean="0"/>
+              <a:rPr lang="en-US"/>
               <a:t>Third level</a:t>
             </a:r>
           </a:p>
@@ -11239,7 +11151,7 @@
               <a:buChar char="§"/>
             </a:pPr>
             <a:r>
-              <a:rPr lang="en-US" smtClean="0"/>
+              <a:rPr lang="en-US"/>
               <a:t>Fourth level</a:t>
             </a:r>
           </a:p>
@@ -11265,7 +11177,7 @@
               <a:buChar char="§"/>
             </a:pPr>
             <a:r>
-              <a:rPr lang="en-US" smtClean="0"/>
+              <a:rPr lang="en-US"/>
               <a:t>Fifth level</a:t>
             </a:r>
             <a:endParaRPr lang="en-US" dirty="0"/>
@@ -11375,7 +11287,7 @@
               <a:buChar char="§"/>
             </a:pPr>
             <a:r>
-              <a:rPr lang="en-US" smtClean="0"/>
+              <a:rPr lang="en-US"/>
               <a:t>Click to edit Master text styles</a:t>
             </a:r>
           </a:p>
@@ -11401,7 +11313,7 @@
               <a:buChar char="§"/>
             </a:pPr>
             <a:r>
-              <a:rPr lang="en-US" smtClean="0"/>
+              <a:rPr lang="en-US"/>
               <a:t>Second level</a:t>
             </a:r>
           </a:p>
@@ -11427,7 +11339,7 @@
               <a:buChar char="§"/>
             </a:pPr>
             <a:r>
-              <a:rPr lang="en-US" smtClean="0"/>
+              <a:rPr lang="en-US"/>
               <a:t>Third level</a:t>
             </a:r>
           </a:p>
@@ -11453,7 +11365,7 @@
               <a:buChar char="§"/>
             </a:pPr>
             <a:r>
-              <a:rPr lang="en-US" smtClean="0"/>
+              <a:rPr lang="en-US"/>
               <a:t>Fourth level</a:t>
             </a:r>
           </a:p>
@@ -11479,7 +11391,7 @@
               <a:buChar char="§"/>
             </a:pPr>
             <a:r>
-              <a:rPr lang="en-US" smtClean="0"/>
+              <a:rPr lang="en-US"/>
               <a:t>Fifth level</a:t>
             </a:r>
             <a:endParaRPr lang="en-US" dirty="0"/>
@@ -11532,7 +11444,7 @@
           <a:lstStyle/>
           <a:p>
             <a:r>
-              <a:rPr lang="en-US" smtClean="0"/>
+              <a:rPr lang="en-US"/>
               <a:t>Click to edit Master title style</a:t>
             </a:r>
             <a:endParaRPr lang="en-US" dirty="0"/>
@@ -11634,7 +11546,7 @@
               <a:buFont typeface="Webdings" pitchFamily="18" charset="2"/>
               <a:buNone/>
             </a:pPr>
-            <a:endParaRPr lang="en-US" sz="2200" dirty="0" err="1" smtClean="0">
+            <a:endParaRPr lang="en-US" sz="2200" dirty="0" err="1">
               <a:solidFill>
                 <a:srgbClr val="000000">
                   <a:lumMod val="65000"/>
@@ -11788,7 +11700,7 @@
           </a:lstStyle>
           <a:p>
             <a:r>
-              <a:rPr lang="en-US" smtClean="0"/>
+              <a:rPr lang="en-US"/>
               <a:t>Click to edit Master title style</a:t>
             </a:r>
             <a:endParaRPr lang="de-DE" dirty="0"/>
@@ -11824,7 +11736,7 @@
           <a:p>
             <a:pPr lvl="0"/>
             <a:r>
-              <a:rPr lang="en-US" smtClean="0"/>
+              <a:rPr lang="en-US"/>
               <a:t>Click to edit Master text styles</a:t>
             </a:r>
           </a:p>
@@ -11969,7 +11881,7 @@
               </a:tabLst>
             </a:pPr>
             <a:r>
-              <a:rPr lang="en-US" smtClean="0"/>
+              <a:rPr lang="en-US"/>
               <a:t>Click to edit Master subtitle style</a:t>
             </a:r>
             <a:endParaRPr lang="en-US" dirty="0"/>
@@ -12014,7 +11926,7 @@
           <a:p>
             <a:pPr lvl="0"/>
             <a:r>
-              <a:rPr lang="en-US" smtClean="0"/>
+              <a:rPr lang="en-US"/>
               <a:t>Click to edit Master title style</a:t>
             </a:r>
             <a:endParaRPr lang="en-US" dirty="0"/>
@@ -12076,10 +11988,9 @@
           </a:lstStyle>
           <a:p>
             <a:r>
-              <a:rPr lang="en-US" smtClean="0"/>
+              <a:rPr lang="en-US"/>
               <a:t>Click to edit Master title style</a:t>
             </a:r>
-            <a:endParaRPr lang="en-US"/>
           </a:p>
         </p:txBody>
       </p:sp>
@@ -12142,7 +12053,7 @@
           <a:p>
             <a:pPr lvl="0"/>
             <a:r>
-              <a:rPr lang="en-US" smtClean="0"/>
+              <a:rPr lang="en-US"/>
               <a:t>Click to edit Master text styles</a:t>
             </a:r>
           </a:p>
@@ -12198,38 +12109,37 @@
           <a:p>
             <a:pPr lvl="0"/>
             <a:r>
-              <a:rPr lang="en-US" smtClean="0"/>
+              <a:rPr lang="en-US"/>
               <a:t>Click to edit Master text styles</a:t>
             </a:r>
           </a:p>
           <a:p>
             <a:pPr lvl="1"/>
             <a:r>
-              <a:rPr lang="en-US" smtClean="0"/>
+              <a:rPr lang="en-US"/>
               <a:t>Second level</a:t>
             </a:r>
           </a:p>
           <a:p>
             <a:pPr lvl="2"/>
             <a:r>
-              <a:rPr lang="en-US" smtClean="0"/>
+              <a:rPr lang="en-US"/>
               <a:t>Third level</a:t>
             </a:r>
           </a:p>
           <a:p>
             <a:pPr lvl="3"/>
             <a:r>
-              <a:rPr lang="en-US" smtClean="0"/>
+              <a:rPr lang="en-US"/>
               <a:t>Fourth level</a:t>
             </a:r>
           </a:p>
           <a:p>
             <a:pPr lvl="4"/>
             <a:r>
-              <a:rPr lang="en-US" smtClean="0"/>
+              <a:rPr lang="en-US"/>
               <a:t>Fifth level</a:t>
             </a:r>
-            <a:endParaRPr lang="en-US"/>
           </a:p>
         </p:txBody>
       </p:sp>
@@ -12292,7 +12202,7 @@
           <a:p>
             <a:pPr lvl="0"/>
             <a:r>
-              <a:rPr lang="en-US" smtClean="0"/>
+              <a:rPr lang="en-US"/>
               <a:t>Click to edit Master text styles</a:t>
             </a:r>
           </a:p>
@@ -12348,38 +12258,37 @@
           <a:p>
             <a:pPr lvl="0"/>
             <a:r>
-              <a:rPr lang="en-US" smtClean="0"/>
+              <a:rPr lang="en-US"/>
               <a:t>Click to edit Master text styles</a:t>
             </a:r>
           </a:p>
           <a:p>
             <a:pPr lvl="1"/>
             <a:r>
-              <a:rPr lang="en-US" smtClean="0"/>
+              <a:rPr lang="en-US"/>
               <a:t>Second level</a:t>
             </a:r>
           </a:p>
           <a:p>
             <a:pPr lvl="2"/>
             <a:r>
-              <a:rPr lang="en-US" smtClean="0"/>
+              <a:rPr lang="en-US"/>
               <a:t>Third level</a:t>
             </a:r>
           </a:p>
           <a:p>
             <a:pPr lvl="3"/>
             <a:r>
-              <a:rPr lang="en-US" smtClean="0"/>
+              <a:rPr lang="en-US"/>
               <a:t>Fourth level</a:t>
             </a:r>
           </a:p>
           <a:p>
             <a:pPr lvl="4"/>
             <a:r>
-              <a:rPr lang="en-US" smtClean="0"/>
+              <a:rPr lang="en-US"/>
               <a:t>Fifth level</a:t>
             </a:r>
-            <a:endParaRPr lang="en-US"/>
           </a:p>
         </p:txBody>
       </p:sp>
@@ -12432,7 +12341,7 @@
             <a:fld id="{D8E3BBD6-5DF7-411E-B793-6A3558CCCDCA}" type="datetimeFigureOut">
               <a:rPr lang="fr-FR" smtClean="0"/>
               <a:pPr/>
-              <a:t>31/01/2017</a:t>
+              <a:t>21/01/2019</a:t>
             </a:fld>
             <a:endParaRPr lang="fr-FR" dirty="0"/>
           </a:p>
@@ -12530,10 +12439,9 @@
           <a:lstStyle/>
           <a:p>
             <a:r>
-              <a:rPr lang="en-US" smtClean="0"/>
+              <a:rPr lang="en-US"/>
               <a:t>Click to edit Master title style</a:t>
             </a:r>
-            <a:endParaRPr lang="en-US"/>
           </a:p>
         </p:txBody>
       </p:sp>
@@ -12559,35 +12467,35 @@
           <a:p>
             <a:pPr lvl="0"/>
             <a:r>
-              <a:rPr lang="en-US" smtClean="0"/>
+              <a:rPr lang="en-US"/>
               <a:t>Click to edit Master text styles</a:t>
             </a:r>
           </a:p>
           <a:p>
             <a:pPr lvl="1"/>
             <a:r>
-              <a:rPr lang="en-US" smtClean="0"/>
+              <a:rPr lang="en-US"/>
               <a:t>Second level</a:t>
             </a:r>
           </a:p>
           <a:p>
             <a:pPr lvl="2"/>
             <a:r>
-              <a:rPr lang="en-US" smtClean="0"/>
+              <a:rPr lang="en-US"/>
               <a:t>Third level</a:t>
             </a:r>
           </a:p>
           <a:p>
             <a:pPr lvl="3"/>
             <a:r>
-              <a:rPr lang="en-US" smtClean="0"/>
+              <a:rPr lang="en-US"/>
               <a:t>Fourth level</a:t>
             </a:r>
           </a:p>
           <a:p>
             <a:pPr lvl="4"/>
             <a:r>
-              <a:rPr lang="en-US" smtClean="0"/>
+              <a:rPr lang="en-US"/>
               <a:t>Fifth level</a:t>
             </a:r>
             <a:endParaRPr lang="en-US" dirty="0"/>
@@ -12668,7 +12576,7 @@
           <a:p>
             <a:pPr lvl="0"/>
             <a:r>
-              <a:rPr lang="en-US" smtClean="0"/>
+              <a:rPr lang="en-US"/>
               <a:t>Click to edit Master title style</a:t>
             </a:r>
             <a:endParaRPr lang="en-US" dirty="0"/>
@@ -12738,7 +12646,7 @@
               </a:tabLst>
             </a:pPr>
             <a:r>
-              <a:rPr lang="en-US" smtClean="0"/>
+              <a:rPr lang="en-US"/>
               <a:t>Click to edit Master text styles</a:t>
             </a:r>
           </a:p>
@@ -12778,7 +12686,7 @@
           </a:bodyPr>
           <a:lstStyle/>
           <a:p>
-            <a:endParaRPr lang="en-US" sz="2400" dirty="0" smtClean="0">
+            <a:endParaRPr lang="en-US" sz="2400" dirty="0">
               <a:solidFill>
                 <a:prstClr val="black"/>
               </a:solidFill>
@@ -12890,10 +12798,9 @@
           <a:lstStyle/>
           <a:p>
             <a:r>
-              <a:rPr lang="en-US" smtClean="0"/>
+              <a:rPr lang="en-US"/>
               <a:t>Click to edit Master title style</a:t>
             </a:r>
-            <a:endParaRPr lang="en-US"/>
           </a:p>
         </p:txBody>
       </p:sp>
@@ -12955,7 +12862,7 @@
               <a:buChar char="§"/>
             </a:pPr>
             <a:r>
-              <a:rPr lang="en-US" smtClean="0"/>
+              <a:rPr lang="en-US"/>
               <a:t>Click to edit Master text styles</a:t>
             </a:r>
           </a:p>
@@ -12981,7 +12888,7 @@
               <a:buChar char="§"/>
             </a:pPr>
             <a:r>
-              <a:rPr lang="en-US" smtClean="0"/>
+              <a:rPr lang="en-US"/>
               <a:t>Second level</a:t>
             </a:r>
           </a:p>
@@ -13007,7 +12914,7 @@
               <a:buChar char="§"/>
             </a:pPr>
             <a:r>
-              <a:rPr lang="en-US" smtClean="0"/>
+              <a:rPr lang="en-US"/>
               <a:t>Third level</a:t>
             </a:r>
           </a:p>
@@ -13033,7 +12940,7 @@
               <a:buChar char="§"/>
             </a:pPr>
             <a:r>
-              <a:rPr lang="en-US" smtClean="0"/>
+              <a:rPr lang="en-US"/>
               <a:t>Fourth level</a:t>
             </a:r>
           </a:p>
@@ -13059,7 +12966,7 @@
               <a:buChar char="§"/>
             </a:pPr>
             <a:r>
-              <a:rPr lang="en-US" smtClean="0"/>
+              <a:rPr lang="en-US"/>
               <a:t>Fifth level</a:t>
             </a:r>
             <a:endParaRPr lang="en-US" dirty="0"/>
@@ -13145,7 +13052,7 @@
               <a:buChar char="§"/>
             </a:pPr>
             <a:r>
-              <a:rPr lang="en-US" smtClean="0"/>
+              <a:rPr lang="en-US"/>
               <a:t>Click to edit Master text styles</a:t>
             </a:r>
           </a:p>
@@ -13171,7 +13078,7 @@
               <a:buChar char="§"/>
             </a:pPr>
             <a:r>
-              <a:rPr lang="en-US" smtClean="0"/>
+              <a:rPr lang="en-US"/>
               <a:t>Second level</a:t>
             </a:r>
           </a:p>
@@ -13197,7 +13104,7 @@
               <a:buChar char="§"/>
             </a:pPr>
             <a:r>
-              <a:rPr lang="en-US" smtClean="0"/>
+              <a:rPr lang="en-US"/>
               <a:t>Third level</a:t>
             </a:r>
           </a:p>
@@ -13223,7 +13130,7 @@
               <a:buChar char="§"/>
             </a:pPr>
             <a:r>
-              <a:rPr lang="en-US" smtClean="0"/>
+              <a:rPr lang="en-US"/>
               <a:t>Fourth level</a:t>
             </a:r>
           </a:p>
@@ -13249,7 +13156,7 @@
               <a:buChar char="§"/>
             </a:pPr>
             <a:r>
-              <a:rPr lang="en-US" smtClean="0"/>
+              <a:rPr lang="en-US"/>
               <a:t>Fifth level</a:t>
             </a:r>
             <a:endParaRPr lang="en-US" dirty="0"/>
@@ -13358,7 +13265,7 @@
           <a:p>
             <a:pPr lvl="0"/>
             <a:r>
-              <a:rPr lang="en-US" smtClean="0"/>
+              <a:rPr lang="en-US"/>
               <a:t>Click to edit Master text styles</a:t>
             </a:r>
           </a:p>
@@ -13398,7 +13305,7 @@
           <a:p>
             <a:pPr marL="0" lvl="0" indent="0"/>
             <a:r>
-              <a:rPr lang="en-US" smtClean="0"/>
+              <a:rPr lang="en-US"/>
               <a:t>Click to edit Master text styles</a:t>
             </a:r>
           </a:p>
@@ -13476,7 +13383,7 @@
           <a:lstStyle/>
           <a:p>
             <a:r>
-              <a:rPr lang="en-US" smtClean="0"/>
+              <a:rPr lang="en-US"/>
               <a:t>Click to edit Master title style</a:t>
             </a:r>
             <a:endParaRPr lang="en-US" dirty="0"/>
@@ -13550,7 +13457,7 @@
               <a:buChar char="§"/>
             </a:pPr>
             <a:r>
-              <a:rPr lang="en-US" smtClean="0"/>
+              <a:rPr lang="en-US"/>
               <a:t>Click to edit Master text styles</a:t>
             </a:r>
           </a:p>
@@ -13576,7 +13483,7 @@
               <a:buChar char="§"/>
             </a:pPr>
             <a:r>
-              <a:rPr lang="en-US" smtClean="0"/>
+              <a:rPr lang="en-US"/>
               <a:t>Second level</a:t>
             </a:r>
           </a:p>
@@ -13602,7 +13509,7 @@
               <a:buChar char="§"/>
             </a:pPr>
             <a:r>
-              <a:rPr lang="en-US" smtClean="0"/>
+              <a:rPr lang="en-US"/>
               <a:t>Third level</a:t>
             </a:r>
           </a:p>
@@ -13628,7 +13535,7 @@
               <a:buChar char="§"/>
             </a:pPr>
             <a:r>
-              <a:rPr lang="en-US" smtClean="0"/>
+              <a:rPr lang="en-US"/>
               <a:t>Fourth level</a:t>
             </a:r>
           </a:p>
@@ -13654,7 +13561,7 @@
               <a:buChar char="§"/>
             </a:pPr>
             <a:r>
-              <a:rPr lang="en-US" smtClean="0"/>
+              <a:rPr lang="en-US"/>
               <a:t>Fifth level</a:t>
             </a:r>
             <a:endParaRPr lang="en-US" dirty="0"/>
@@ -13764,7 +13671,7 @@
               <a:buChar char="§"/>
             </a:pPr>
             <a:r>
-              <a:rPr lang="en-US" smtClean="0"/>
+              <a:rPr lang="en-US"/>
               <a:t>Click to edit Master text styles</a:t>
             </a:r>
           </a:p>
@@ -13790,7 +13697,7 @@
               <a:buChar char="§"/>
             </a:pPr>
             <a:r>
-              <a:rPr lang="en-US" smtClean="0"/>
+              <a:rPr lang="en-US"/>
               <a:t>Second level</a:t>
             </a:r>
           </a:p>
@@ -13816,7 +13723,7 @@
               <a:buChar char="§"/>
             </a:pPr>
             <a:r>
-              <a:rPr lang="en-US" smtClean="0"/>
+              <a:rPr lang="en-US"/>
               <a:t>Third level</a:t>
             </a:r>
           </a:p>
@@ -13842,7 +13749,7 @@
               <a:buChar char="§"/>
             </a:pPr>
             <a:r>
-              <a:rPr lang="en-US" smtClean="0"/>
+              <a:rPr lang="en-US"/>
               <a:t>Fourth level</a:t>
             </a:r>
           </a:p>
@@ -13868,7 +13775,7 @@
               <a:buChar char="§"/>
             </a:pPr>
             <a:r>
-              <a:rPr lang="en-US" smtClean="0"/>
+              <a:rPr lang="en-US"/>
               <a:t>Fifth level</a:t>
             </a:r>
             <a:endParaRPr lang="en-US" dirty="0"/>
@@ -13921,7 +13828,7 @@
           <a:lstStyle/>
           <a:p>
             <a:r>
-              <a:rPr lang="en-US" smtClean="0"/>
+              <a:rPr lang="en-US"/>
               <a:t>Click to edit Master title style</a:t>
             </a:r>
             <a:endParaRPr lang="en-US" dirty="0"/>
@@ -14023,7 +13930,7 @@
               <a:buFont typeface="Webdings" pitchFamily="18" charset="2"/>
               <a:buNone/>
             </a:pPr>
-            <a:endParaRPr lang="en-US" sz="2200" dirty="0" err="1" smtClean="0">
+            <a:endParaRPr lang="en-US" sz="2200" dirty="0" err="1">
               <a:solidFill>
                 <a:srgbClr val="000000">
                   <a:lumMod val="65000"/>
@@ -14163,10 +14070,9 @@
           <a:lstStyle/>
           <a:p>
             <a:r>
-              <a:rPr lang="en-US" smtClean="0"/>
+              <a:rPr lang="en-US"/>
               <a:t>Click to edit Master title style</a:t>
             </a:r>
-            <a:endParaRPr lang="en-US"/>
           </a:p>
         </p:txBody>
       </p:sp>
@@ -14219,7 +14125,7 @@
             <a:fld id="{D8E3BBD6-5DF7-411E-B793-6A3558CCCDCA}" type="datetimeFigureOut">
               <a:rPr lang="fr-FR" smtClean="0"/>
               <a:pPr/>
-              <a:t>31/01/2017</a:t>
+              <a:t>21/01/2019</a:t>
             </a:fld>
             <a:endParaRPr lang="fr-FR" dirty="0"/>
           </a:p>
@@ -14299,7 +14205,7 @@
             <a:fld id="{D8E3BBD6-5DF7-411E-B793-6A3558CCCDCA}" type="datetimeFigureOut">
               <a:rPr lang="fr-FR" smtClean="0"/>
               <a:pPr/>
-              <a:t>31/01/2017</a:t>
+              <a:t>21/01/2019</a:t>
             </a:fld>
             <a:endParaRPr lang="fr-FR" dirty="0"/>
           </a:p>
@@ -14355,10 +14261,9 @@
           </a:lstStyle>
           <a:p>
             <a:r>
-              <a:rPr lang="en-US" smtClean="0"/>
+              <a:rPr lang="en-US"/>
               <a:t>Click to edit Master title style</a:t>
             </a:r>
-            <a:endParaRPr lang="en-US"/>
           </a:p>
         </p:txBody>
       </p:sp>
@@ -14412,38 +14317,37 @@
           <a:p>
             <a:pPr lvl="0"/>
             <a:r>
-              <a:rPr lang="en-US" smtClean="0"/>
+              <a:rPr lang="en-US"/>
               <a:t>Click to edit Master text styles</a:t>
             </a:r>
           </a:p>
           <a:p>
             <a:pPr lvl="1"/>
             <a:r>
-              <a:rPr lang="en-US" smtClean="0"/>
+              <a:rPr lang="en-US"/>
               <a:t>Second level</a:t>
             </a:r>
           </a:p>
           <a:p>
             <a:pPr lvl="2"/>
             <a:r>
-              <a:rPr lang="en-US" smtClean="0"/>
+              <a:rPr lang="en-US"/>
               <a:t>Third level</a:t>
             </a:r>
           </a:p>
           <a:p>
             <a:pPr lvl="3"/>
             <a:r>
-              <a:rPr lang="en-US" smtClean="0"/>
+              <a:rPr lang="en-US"/>
               <a:t>Fourth level</a:t>
             </a:r>
           </a:p>
           <a:p>
             <a:pPr lvl="4"/>
             <a:r>
-              <a:rPr lang="en-US" smtClean="0"/>
+              <a:rPr lang="en-US"/>
               <a:t>Fifth level</a:t>
             </a:r>
-            <a:endParaRPr lang="en-US"/>
           </a:p>
         </p:txBody>
       </p:sp>
@@ -14506,7 +14410,7 @@
           <a:p>
             <a:pPr lvl="0"/>
             <a:r>
-              <a:rPr lang="en-US" smtClean="0"/>
+              <a:rPr lang="en-US"/>
               <a:t>Click to edit Master text styles</a:t>
             </a:r>
           </a:p>
@@ -14561,7 +14465,7 @@
             <a:fld id="{D8E3BBD6-5DF7-411E-B793-6A3558CCCDCA}" type="datetimeFigureOut">
               <a:rPr lang="fr-FR" smtClean="0"/>
               <a:pPr/>
-              <a:t>31/01/2017</a:t>
+              <a:t>21/01/2019</a:t>
             </a:fld>
             <a:endParaRPr lang="fr-FR" dirty="0"/>
           </a:p>
@@ -14617,10 +14521,9 @@
           </a:lstStyle>
           <a:p>
             <a:r>
-              <a:rPr lang="en-US" smtClean="0"/>
+              <a:rPr lang="en-US"/>
               <a:t>Click to edit Master title style</a:t>
             </a:r>
-            <a:endParaRPr lang="en-US"/>
           </a:p>
         </p:txBody>
       </p:sp>
@@ -14683,10 +14586,10 @@
           <a:p>
             <a:pPr lvl="0"/>
             <a:r>
-              <a:rPr lang="en-US" noProof="0" smtClean="0"/>
+              <a:rPr lang="en-US" noProof="0"/>
               <a:t>Click icon to add picture</a:t>
             </a:r>
-            <a:endParaRPr lang="en-US" noProof="0" dirty="0" smtClean="0"/>
+            <a:endParaRPr lang="en-US" noProof="0" dirty="0"/>
           </a:p>
         </p:txBody>
       </p:sp>
@@ -14749,7 +14652,7 @@
           <a:p>
             <a:pPr lvl="0"/>
             <a:r>
-              <a:rPr lang="en-US" smtClean="0"/>
+              <a:rPr lang="en-US"/>
               <a:t>Click to edit Master text styles</a:t>
             </a:r>
           </a:p>
@@ -14804,7 +14707,7 @@
             <a:fld id="{D8E3BBD6-5DF7-411E-B793-6A3558CCCDCA}" type="datetimeFigureOut">
               <a:rPr lang="fr-FR" smtClean="0"/>
               <a:pPr/>
-              <a:t>31/01/2017</a:t>
+              <a:t>21/01/2019</a:t>
             </a:fld>
             <a:endParaRPr lang="fr-FR" dirty="0"/>
           </a:p>
@@ -14879,21 +14782,21 @@
           <a:p>
             <a:pPr lvl="0"/>
             <a:r>
-              <a:rPr lang="en-US" smtClean="0"/>
+              <a:rPr lang="en-US"/>
               <a:t>Click to edit Master text styles</a:t>
             </a:r>
           </a:p>
           <a:p>
             <a:pPr lvl="1"/>
             <a:r>
-              <a:rPr lang="en-US" smtClean="0"/>
+              <a:rPr lang="en-US"/>
               <a:t>Second level</a:t>
             </a:r>
           </a:p>
           <a:p>
             <a:pPr lvl="2"/>
             <a:r>
-              <a:rPr lang="en-US" smtClean="0"/>
+              <a:rPr lang="en-US"/>
               <a:t>Third level</a:t>
             </a:r>
           </a:p>
@@ -15006,7 +14909,7 @@
             <a:fld id="{D8E3BBD6-5DF7-411E-B793-6A3558CCCDCA}" type="datetimeFigureOut">
               <a:rPr lang="fr-FR" smtClean="0"/>
               <a:pPr/>
-              <a:t>31/01/2017</a:t>
+              <a:t>21/01/2019</a:t>
             </a:fld>
             <a:endParaRPr lang="fr-FR" dirty="0"/>
           </a:p>
@@ -15048,7 +14951,7 @@
           <a:p>
             <a:pPr lvl="0"/>
             <a:r>
-              <a:rPr lang="en-US" smtClean="0"/>
+              <a:rPr lang="en-US"/>
               <a:t>Click to edit Master title style</a:t>
             </a:r>
           </a:p>
@@ -15611,21 +15514,21 @@
           <a:p>
             <a:pPr lvl="0"/>
             <a:r>
-              <a:rPr lang="en-US" smtClean="0"/>
+              <a:rPr lang="en-US"/>
               <a:t>Click to edit Master text styles</a:t>
             </a:r>
           </a:p>
           <a:p>
             <a:pPr lvl="1"/>
             <a:r>
-              <a:rPr lang="en-US" smtClean="0"/>
+              <a:rPr lang="en-US"/>
               <a:t>Second level</a:t>
             </a:r>
           </a:p>
           <a:p>
             <a:pPr lvl="2"/>
             <a:r>
-              <a:rPr lang="en-US" smtClean="0"/>
+              <a:rPr lang="en-US"/>
               <a:t>Third level</a:t>
             </a:r>
           </a:p>
@@ -15667,7 +15570,7 @@
           <a:p>
             <a:pPr lvl="0"/>
             <a:r>
-              <a:rPr lang="en-US" smtClean="0"/>
+              <a:rPr lang="en-US"/>
               <a:t>Click to edit Master title style</a:t>
             </a:r>
           </a:p>
@@ -16164,21 +16067,21 @@
           <a:p>
             <a:pPr lvl="0"/>
             <a:r>
-              <a:rPr lang="en-US" smtClean="0"/>
+              <a:rPr lang="en-US"/>
               <a:t>Click to edit Master text styles</a:t>
             </a:r>
           </a:p>
           <a:p>
             <a:pPr lvl="1"/>
             <a:r>
-              <a:rPr lang="en-US" smtClean="0"/>
+              <a:rPr lang="en-US"/>
               <a:t>Second level</a:t>
             </a:r>
           </a:p>
           <a:p>
             <a:pPr lvl="2"/>
             <a:r>
-              <a:rPr lang="en-US" smtClean="0"/>
+              <a:rPr lang="en-US"/>
               <a:t>Third level</a:t>
             </a:r>
           </a:p>
@@ -16236,10 +16139,9 @@
               <a:defRPr/>
             </a:pPr>
             <a:r>
-              <a:rPr lang="en-US" dirty="0" smtClean="0"/>
+              <a:rPr lang="en-US" dirty="0"/>
               <a:t>Copyright CAST 2011   </a:t>
             </a:r>
-            <a:endParaRPr lang="en-US" dirty="0"/>
           </a:p>
         </p:txBody>
       </p:sp>
@@ -16339,7 +16241,7 @@
           <a:p>
             <a:pPr lvl="0"/>
             <a:r>
-              <a:rPr lang="en-US" smtClean="0"/>
+              <a:rPr lang="en-US"/>
               <a:t>Click to edit Master title style</a:t>
             </a:r>
           </a:p>
@@ -16900,21 +16802,21 @@
           <a:p>
             <a:pPr lvl="0"/>
             <a:r>
-              <a:rPr lang="en-US" smtClean="0"/>
+              <a:rPr lang="en-US"/>
               <a:t>Click to edit Master text styles</a:t>
             </a:r>
           </a:p>
           <a:p>
             <a:pPr lvl="1"/>
             <a:r>
-              <a:rPr lang="en-US" smtClean="0"/>
+              <a:rPr lang="en-US"/>
               <a:t>Second level</a:t>
             </a:r>
           </a:p>
           <a:p>
             <a:pPr lvl="2"/>
             <a:r>
-              <a:rPr lang="en-US" smtClean="0"/>
+              <a:rPr lang="en-US"/>
               <a:t>Third level</a:t>
             </a:r>
           </a:p>
@@ -16975,7 +16877,7 @@
               <a:pPr algn="ctr"/>
               <a:t>‹#›</a:t>
             </a:fld>
-            <a:endParaRPr lang="en-US" dirty="0" smtClean="0">
+            <a:endParaRPr lang="en-US" dirty="0">
               <a:solidFill>
                 <a:srgbClr val="FFFFFF"/>
               </a:solidFill>
@@ -17029,7 +16931,7 @@
           </a:lstStyle>
           <a:p>
             <a:r>
-              <a:rPr lang="en-US" dirty="0" smtClean="0">
+              <a:rPr lang="en-US" dirty="0">
                 <a:solidFill>
                   <a:srgbClr val="FFFFFF"/>
                 </a:solidFill>
@@ -17084,7 +16986,7 @@
             </a:lvl1pPr>
           </a:lstStyle>
           <a:p>
-            <a:endParaRPr lang="en-US" dirty="0" smtClean="0">
+            <a:endParaRPr lang="en-US" dirty="0">
               <a:solidFill>
                 <a:srgbClr val="FFFFFF"/>
               </a:solidFill>
@@ -17131,7 +17033,7 @@
           <a:p>
             <a:pPr lvl="0"/>
             <a:r>
-              <a:rPr lang="en-US" smtClean="0"/>
+              <a:rPr lang="en-US"/>
               <a:t>Click to edit Master title style</a:t>
             </a:r>
           </a:p>
@@ -17596,7 +17498,7 @@
               <a:defRPr/>
             </a:pPr>
             <a:r>
-              <a:rPr lang="en-US" sz="1000" dirty="0" smtClean="0">
+              <a:rPr lang="en-US" sz="1000" dirty="0">
                 <a:solidFill>
                   <a:srgbClr val="000000">
                     <a:lumMod val="65000"/>
@@ -17608,16 +17510,6 @@
               </a:rPr>
               <a:t>CAST Confidential</a:t>
             </a:r>
-            <a:endParaRPr lang="en-US" sz="1000" dirty="0">
-              <a:solidFill>
-                <a:srgbClr val="000000">
-                  <a:lumMod val="65000"/>
-                  <a:lumOff val="35000"/>
-                </a:srgbClr>
-              </a:solidFill>
-              <a:latin typeface="Arial"/>
-              <a:cs typeface="Arial" pitchFamily="34" charset="0"/>
-            </a:endParaRPr>
           </a:p>
         </p:txBody>
       </p:sp>
@@ -17684,10 +17576,10 @@
           <a:p>
             <a:pPr lvl="0"/>
             <a:r>
-              <a:rPr lang="en-US" smtClean="0"/>
+              <a:rPr lang="en-US"/>
               <a:t>Click to edit Master title style</a:t>
             </a:r>
-            <a:endParaRPr lang="en-US" dirty="0" smtClean="0"/>
+            <a:endParaRPr lang="en-US" dirty="0"/>
           </a:p>
         </p:txBody>
       </p:sp>
@@ -17809,38 +17701,38 @@
           <a:p>
             <a:pPr lvl="0"/>
             <a:r>
-              <a:rPr lang="en-US" smtClean="0"/>
+              <a:rPr lang="en-US"/>
               <a:t>Click to edit Master text styles</a:t>
             </a:r>
           </a:p>
           <a:p>
             <a:pPr lvl="1"/>
             <a:r>
-              <a:rPr lang="en-US" smtClean="0"/>
+              <a:rPr lang="en-US"/>
               <a:t>Second level</a:t>
             </a:r>
           </a:p>
           <a:p>
             <a:pPr lvl="2"/>
             <a:r>
-              <a:rPr lang="en-US" smtClean="0"/>
+              <a:rPr lang="en-US"/>
               <a:t>Third level</a:t>
             </a:r>
           </a:p>
           <a:p>
             <a:pPr lvl="3"/>
             <a:r>
-              <a:rPr lang="en-US" smtClean="0"/>
+              <a:rPr lang="en-US"/>
               <a:t>Fourth level</a:t>
             </a:r>
           </a:p>
           <a:p>
             <a:pPr lvl="4"/>
             <a:r>
-              <a:rPr lang="en-US" smtClean="0"/>
+              <a:rPr lang="en-US"/>
               <a:t>Fifth level</a:t>
             </a:r>
-            <a:endParaRPr lang="en-US" dirty="0" smtClean="0"/>
+            <a:endParaRPr lang="en-US" dirty="0"/>
           </a:p>
         </p:txBody>
       </p:sp>
@@ -17899,7 +17791,7 @@
           </a:bodyPr>
           <a:lstStyle/>
           <a:p>
-            <a:endParaRPr lang="en-US" sz="2400" dirty="0" smtClean="0">
+            <a:endParaRPr lang="en-US" sz="2400" dirty="0">
               <a:solidFill>
                 <a:prstClr val="black"/>
               </a:solidFill>
@@ -17953,7 +17845,7 @@
               <a:buFont typeface="Webdings" pitchFamily="18" charset="2"/>
               <a:buNone/>
             </a:pPr>
-            <a:endParaRPr lang="en-US" sz="2200" dirty="0" err="1" smtClean="0">
+            <a:endParaRPr lang="en-US" sz="2200" dirty="0" err="1">
               <a:solidFill>
                 <a:srgbClr val="000000">
                   <a:lumMod val="65000"/>
@@ -18537,7 +18429,7 @@
               <a:defRPr/>
             </a:pPr>
             <a:r>
-              <a:rPr lang="en-US" sz="1000" dirty="0" smtClean="0">
+              <a:rPr lang="en-US" sz="1000" dirty="0">
                 <a:solidFill>
                   <a:srgbClr val="000000">
                     <a:lumMod val="65000"/>
@@ -18549,16 +18441,6 @@
               </a:rPr>
               <a:t>CAST Confidential</a:t>
             </a:r>
-            <a:endParaRPr lang="en-US" sz="1000" dirty="0">
-              <a:solidFill>
-                <a:srgbClr val="000000">
-                  <a:lumMod val="65000"/>
-                  <a:lumOff val="35000"/>
-                </a:srgbClr>
-              </a:solidFill>
-              <a:latin typeface="Arial"/>
-              <a:cs typeface="Arial" pitchFamily="34" charset="0"/>
-            </a:endParaRPr>
           </a:p>
         </p:txBody>
       </p:sp>
@@ -18625,10 +18507,10 @@
           <a:p>
             <a:pPr lvl="0"/>
             <a:r>
-              <a:rPr lang="en-US" smtClean="0"/>
+              <a:rPr lang="en-US"/>
               <a:t>Click to edit Master title style</a:t>
             </a:r>
-            <a:endParaRPr lang="en-US" dirty="0" smtClean="0"/>
+            <a:endParaRPr lang="en-US" dirty="0"/>
           </a:p>
         </p:txBody>
       </p:sp>
@@ -18750,38 +18632,38 @@
           <a:p>
             <a:pPr lvl="0"/>
             <a:r>
-              <a:rPr lang="en-US" smtClean="0"/>
+              <a:rPr lang="en-US"/>
               <a:t>Click to edit Master text styles</a:t>
             </a:r>
           </a:p>
           <a:p>
             <a:pPr lvl="1"/>
             <a:r>
-              <a:rPr lang="en-US" smtClean="0"/>
+              <a:rPr lang="en-US"/>
               <a:t>Second level</a:t>
             </a:r>
           </a:p>
           <a:p>
             <a:pPr lvl="2"/>
             <a:r>
-              <a:rPr lang="en-US" smtClean="0"/>
+              <a:rPr lang="en-US"/>
               <a:t>Third level</a:t>
             </a:r>
           </a:p>
           <a:p>
             <a:pPr lvl="3"/>
             <a:r>
-              <a:rPr lang="en-US" smtClean="0"/>
+              <a:rPr lang="en-US"/>
               <a:t>Fourth level</a:t>
             </a:r>
           </a:p>
           <a:p>
             <a:pPr lvl="4"/>
             <a:r>
-              <a:rPr lang="en-US" smtClean="0"/>
+              <a:rPr lang="en-US"/>
               <a:t>Fifth level</a:t>
             </a:r>
-            <a:endParaRPr lang="en-US" dirty="0" smtClean="0"/>
+            <a:endParaRPr lang="en-US" dirty="0"/>
           </a:p>
         </p:txBody>
       </p:sp>
@@ -18840,7 +18722,7 @@
           </a:bodyPr>
           <a:lstStyle/>
           <a:p>
-            <a:endParaRPr lang="en-US" sz="2400" dirty="0" smtClean="0">
+            <a:endParaRPr lang="en-US" sz="2400" dirty="0">
               <a:solidFill>
                 <a:prstClr val="black"/>
               </a:solidFill>
@@ -18894,7 +18776,7 @@
               <a:buFont typeface="Webdings" pitchFamily="18" charset="2"/>
               <a:buNone/>
             </a:pPr>
-            <a:endParaRPr lang="en-US" sz="2200" dirty="0" err="1" smtClean="0">
+            <a:endParaRPr lang="en-US" sz="2200" dirty="0" err="1">
               <a:solidFill>
                 <a:srgbClr val="000000">
                   <a:lumMod val="65000"/>
@@ -19452,10 +19334,9 @@
           <a:lstStyle/>
           <a:p>
             <a:r>
-              <a:rPr lang="en-US" dirty="0" smtClean="0"/>
+              <a:rPr lang="en-US" dirty="0"/>
               <a:t>Components library</a:t>
             </a:r>
-            <a:endParaRPr lang="en-US" dirty="0"/>
           </a:p>
         </p:txBody>
       </p:sp>
@@ -19475,10 +19356,9 @@
           <a:lstStyle/>
           <a:p>
             <a:r>
-              <a:rPr lang="en-US" dirty="0" smtClean="0"/>
+              <a:rPr lang="en-US" dirty="0"/>
               <a:t>Portfolio PowerPoint Templates</a:t>
             </a:r>
-            <a:endParaRPr lang="en-US" dirty="0"/>
           </a:p>
         </p:txBody>
       </p:sp>
@@ -19487,13 +19367,6 @@
   <p:clrMapOvr>
     <a:masterClrMapping/>
   </p:clrMapOvr>
-  <p:timing>
-    <p:tnLst>
-      <p:par>
-        <p:cTn id="1" dur="indefinite" restart="never" nodeType="tmRoot"/>
-      </p:par>
-    </p:tnLst>
-  </p:timing>
 </p:sld>
 </file>
 
@@ -19530,10 +19403,9 @@
           <a:lstStyle/>
           <a:p>
             <a:r>
-              <a:rPr lang="en-US" dirty="0" smtClean="0"/>
+              <a:rPr lang="en-US" dirty="0"/>
               <a:t>PowerPoint Templates – Text</a:t>
             </a:r>
-            <a:endParaRPr lang="en-US" dirty="0"/>
           </a:p>
         </p:txBody>
       </p:sp>
@@ -19758,7 +19630,7 @@
           <a:lstStyle/>
           <a:p>
             <a:r>
-              <a:rPr lang="en-US" b="1" dirty="0" smtClean="0">
+              <a:rPr lang="en-US" b="1" dirty="0">
                 <a:solidFill>
                   <a:schemeClr val="tx1">
                     <a:lumMod val="75000"/>
@@ -19768,14 +19640,6 @@
               </a:rPr>
               <a:t>Tag</a:t>
             </a:r>
-            <a:endParaRPr lang="en-US" b="1" dirty="0">
-              <a:solidFill>
-                <a:schemeClr val="tx1">
-                  <a:lumMod val="75000"/>
-                  <a:lumOff val="25000"/>
-                </a:schemeClr>
-              </a:solidFill>
-            </a:endParaRPr>
           </a:p>
         </p:txBody>
       </p:sp>
@@ -19802,7 +19666,7 @@
           <a:lstStyle/>
           <a:p>
             <a:r>
-              <a:rPr lang="en-US" b="1" dirty="0" smtClean="0">
+              <a:rPr lang="en-US" b="1" dirty="0">
                 <a:solidFill>
                   <a:srgbClr val="5E5E5E"/>
                 </a:solidFill>
@@ -19836,7 +19700,7 @@
           <a:p>
             <a:pPr algn="r"/>
             <a:r>
-              <a:rPr lang="en-US" dirty="0" smtClean="0">
+              <a:rPr lang="en-US" dirty="0">
                 <a:solidFill>
                   <a:schemeClr val="bg1">
                     <a:lumMod val="50000"/>
@@ -19880,7 +19744,7 @@
           <a:p>
             <a:pPr algn="r"/>
             <a:r>
-              <a:rPr lang="en-US" dirty="0" smtClean="0">
+              <a:rPr lang="en-US" dirty="0">
                 <a:solidFill>
                   <a:schemeClr val="bg1">
                     <a:lumMod val="50000"/>
@@ -19889,13 +19753,6 @@
               </a:rPr>
               <a:t>Block Name :</a:t>
             </a:r>
-            <a:endParaRPr lang="en-US" dirty="0">
-              <a:solidFill>
-                <a:schemeClr val="bg1">
-                  <a:lumMod val="50000"/>
-                </a:schemeClr>
-              </a:solidFill>
-            </a:endParaRPr>
           </a:p>
         </p:txBody>
       </p:sp>
@@ -19922,7 +19779,7 @@
           <a:lstStyle/>
           <a:p>
             <a:r>
-              <a:rPr lang="en-US" i="1" dirty="0" smtClean="0">
+              <a:rPr lang="en-US" i="1" dirty="0">
                 <a:solidFill>
                   <a:schemeClr val="bg1">
                     <a:lumMod val="50000"/>
@@ -19958,7 +19815,7 @@
           <a:p>
             <a:pPr algn="r"/>
             <a:r>
-              <a:rPr lang="en-US" dirty="0" smtClean="0">
+              <a:rPr lang="en-US" dirty="0">
                 <a:solidFill>
                   <a:schemeClr val="bg1">
                     <a:lumMod val="50000"/>
@@ -19967,13 +19824,6 @@
               </a:rPr>
               <a:t>Note :</a:t>
             </a:r>
-            <a:endParaRPr lang="en-US" dirty="0">
-              <a:solidFill>
-                <a:schemeClr val="bg1">
-                  <a:lumMod val="50000"/>
-                </a:schemeClr>
-              </a:solidFill>
-            </a:endParaRPr>
           </a:p>
         </p:txBody>
       </p:sp>
@@ -20013,7 +19863,7 @@
           </a:lstStyle>
           <a:p>
             <a:r>
-              <a:rPr lang="en-US" sz="1800" dirty="0" err="1" smtClean="0"/>
+              <a:rPr lang="en-US" sz="1800" dirty="0" err="1"/>
               <a:t>TagName</a:t>
             </a:r>
             <a:endParaRPr lang="en-US" sz="1800" dirty="0"/>
@@ -20043,7 +19893,7 @@
           <a:lstStyle/>
           <a:p>
             <a:r>
-              <a:rPr lang="en-US" b="1" dirty="0" smtClean="0">
+              <a:rPr lang="en-US" b="1" dirty="0">
                 <a:solidFill>
                   <a:schemeClr val="tx1">
                     <a:lumMod val="75000"/>
@@ -20053,14 +19903,6 @@
               </a:rPr>
               <a:t>Category</a:t>
             </a:r>
-            <a:endParaRPr lang="en-US" b="1" dirty="0">
-              <a:solidFill>
-                <a:schemeClr val="tx1">
-                  <a:lumMod val="75000"/>
-                  <a:lumOff val="25000"/>
-                </a:schemeClr>
-              </a:solidFill>
-            </a:endParaRPr>
           </a:p>
         </p:txBody>
       </p:sp>
@@ -20100,7 +19942,7 @@
           </a:lstStyle>
           <a:p>
             <a:r>
-              <a:rPr lang="en-US" dirty="0" err="1" smtClean="0"/>
+              <a:rPr lang="en-US" dirty="0" err="1"/>
               <a:t>CategoryName</a:t>
             </a:r>
             <a:endParaRPr lang="en-US" dirty="0"/>
@@ -20131,7 +19973,7 @@
           <a:p>
             <a:pPr algn="r"/>
             <a:r>
-              <a:rPr lang="en-US" dirty="0" smtClean="0">
+              <a:rPr lang="en-US" dirty="0">
                 <a:solidFill>
                   <a:schemeClr val="bg1">
                     <a:lumMod val="50000"/>
@@ -20140,13 +19982,6 @@
               </a:rPr>
               <a:t>Block Name :</a:t>
             </a:r>
-            <a:endParaRPr lang="en-US" dirty="0">
-              <a:solidFill>
-                <a:schemeClr val="bg1">
-                  <a:lumMod val="50000"/>
-                </a:schemeClr>
-              </a:solidFill>
-            </a:endParaRPr>
           </a:p>
         </p:txBody>
       </p:sp>
@@ -20174,7 +20009,7 @@
           <a:p>
             <a:pPr algn="r"/>
             <a:r>
-              <a:rPr lang="en-US" dirty="0" smtClean="0">
+              <a:rPr lang="en-US" dirty="0">
                 <a:solidFill>
                   <a:schemeClr val="bg1">
                     <a:lumMod val="50000"/>
@@ -20183,13 +20018,6 @@
               </a:rPr>
               <a:t>Note :</a:t>
             </a:r>
-            <a:endParaRPr lang="en-US" dirty="0">
-              <a:solidFill>
-                <a:schemeClr val="bg1">
-                  <a:lumMod val="50000"/>
-                </a:schemeClr>
-              </a:solidFill>
-            </a:endParaRPr>
           </a:p>
         </p:txBody>
       </p:sp>
@@ -20217,7 +20045,7 @@
           <a:p>
             <a:pPr algn="r"/>
             <a:r>
-              <a:rPr lang="en-US" dirty="0" smtClean="0">
+              <a:rPr lang="en-US" dirty="0">
                 <a:solidFill>
                   <a:schemeClr val="bg1">
                     <a:lumMod val="50000"/>
@@ -20260,7 +20088,7 @@
           <a:lstStyle/>
           <a:p>
             <a:r>
-              <a:rPr lang="en-US" b="1" dirty="0" smtClean="0">
+              <a:rPr lang="en-US" b="1" dirty="0">
                 <a:solidFill>
                   <a:srgbClr val="5E5E5E"/>
                 </a:solidFill>
@@ -20293,7 +20121,7 @@
           <a:lstStyle/>
           <a:p>
             <a:r>
-              <a:rPr lang="en-US" i="1" dirty="0" smtClean="0">
+              <a:rPr lang="en-US" i="1" dirty="0">
                 <a:solidFill>
                   <a:schemeClr val="bg1">
                     <a:lumMod val="50000"/>
@@ -20427,7 +20255,7 @@
           <a:lstStyle/>
           <a:p>
             <a:r>
-              <a:rPr lang="en-US" b="1" dirty="0" smtClean="0">
+              <a:rPr lang="en-US" b="1" dirty="0">
                 <a:solidFill>
                   <a:schemeClr val="tx1">
                     <a:lumMod val="75000"/>
@@ -20437,14 +20265,6 @@
               </a:rPr>
               <a:t>Number of apps</a:t>
             </a:r>
-            <a:endParaRPr lang="en-US" b="1" dirty="0">
-              <a:solidFill>
-                <a:schemeClr val="tx1">
-                  <a:lumMod val="75000"/>
-                  <a:lumOff val="25000"/>
-                </a:schemeClr>
-              </a:solidFill>
-            </a:endParaRPr>
           </a:p>
         </p:txBody>
       </p:sp>
@@ -20471,7 +20291,7 @@
           <a:lstStyle/>
           <a:p>
             <a:r>
-              <a:rPr lang="en-US" b="1" dirty="0" smtClean="0">
+              <a:rPr lang="en-US" b="1" dirty="0">
                 <a:solidFill>
                   <a:srgbClr val="5E5E5E"/>
                 </a:solidFill>
@@ -20505,7 +20325,7 @@
           <a:p>
             <a:pPr algn="r"/>
             <a:r>
-              <a:rPr lang="en-US" dirty="0" smtClean="0">
+              <a:rPr lang="en-US" dirty="0">
                 <a:solidFill>
                   <a:schemeClr val="bg1">
                     <a:lumMod val="50000"/>
@@ -20549,7 +20369,7 @@
           <a:p>
             <a:pPr algn="r"/>
             <a:r>
-              <a:rPr lang="en-US" dirty="0" smtClean="0">
+              <a:rPr lang="en-US" dirty="0">
                 <a:solidFill>
                   <a:schemeClr val="bg1">
                     <a:lumMod val="50000"/>
@@ -20558,13 +20378,6 @@
               </a:rPr>
               <a:t>Block Name :</a:t>
             </a:r>
-            <a:endParaRPr lang="en-US" dirty="0">
-              <a:solidFill>
-                <a:schemeClr val="bg1">
-                  <a:lumMod val="50000"/>
-                </a:schemeClr>
-              </a:solidFill>
-            </a:endParaRPr>
           </a:p>
         </p:txBody>
       </p:sp>
@@ -20591,7 +20404,7 @@
           <a:lstStyle/>
           <a:p>
             <a:r>
-              <a:rPr lang="en-US" i="1" dirty="0" smtClean="0">
+              <a:rPr lang="en-US" i="1" dirty="0">
                 <a:solidFill>
                   <a:schemeClr val="bg1">
                     <a:lumMod val="50000"/>
@@ -20627,7 +20440,7 @@
           <a:p>
             <a:pPr algn="r"/>
             <a:r>
-              <a:rPr lang="en-US" dirty="0" smtClean="0">
+              <a:rPr lang="en-US" dirty="0">
                 <a:solidFill>
                   <a:schemeClr val="bg1">
                     <a:lumMod val="50000"/>
@@ -20636,13 +20449,6 @@
               </a:rPr>
               <a:t>Options :</a:t>
             </a:r>
-            <a:endParaRPr lang="en-US" dirty="0">
-              <a:solidFill>
-                <a:schemeClr val="bg1">
-                  <a:lumMod val="50000"/>
-                </a:schemeClr>
-              </a:solidFill>
-            </a:endParaRPr>
           </a:p>
         </p:txBody>
       </p:sp>
@@ -20682,7 +20488,7 @@
           </a:lstStyle>
           <a:p>
             <a:r>
-              <a:rPr lang="en-US" sz="1800" dirty="0" err="1" smtClean="0"/>
+              <a:rPr lang="en-US" sz="1800" dirty="0" err="1"/>
               <a:t>numberOfApps</a:t>
             </a:r>
             <a:endParaRPr lang="en-US" sz="1800" dirty="0"/>
@@ -20699,13 +20505,6 @@
   <p:clrMapOvr>
     <a:masterClrMapping/>
   </p:clrMapOvr>
-  <p:timing>
-    <p:tnLst>
-      <p:par>
-        <p:cTn id="1" dur="indefinite" restart="never" nodeType="tmRoot"/>
-      </p:par>
-    </p:tnLst>
-  </p:timing>
 </p:sld>
 </file>
 
@@ -20794,10 +20593,9 @@
           <a:lstStyle/>
           <a:p>
             <a:r>
-              <a:rPr lang="en-US" dirty="0" smtClean="0"/>
+              <a:rPr lang="en-US" dirty="0"/>
               <a:t>PowerPoint Templates – Text</a:t>
             </a:r>
-            <a:endParaRPr lang="en-US" dirty="0"/>
           </a:p>
         </p:txBody>
       </p:sp>
@@ -20891,10 +20689,9 @@
           </a:lstStyle>
           <a:p>
             <a:r>
-              <a:rPr lang="en-US" sz="1800" dirty="0" smtClean="0"/>
+              <a:rPr lang="en-US" sz="1800" dirty="0"/>
               <a:t>Technical Debt ratio per AFP</a:t>
             </a:r>
-            <a:endParaRPr lang="en-US" sz="1800" dirty="0"/>
           </a:p>
         </p:txBody>
       </p:sp>
@@ -20932,10 +20729,9 @@
           </a:lstStyle>
           <a:p>
             <a:r>
-              <a:rPr lang="en-US" sz="1600" dirty="0" smtClean="0"/>
+              <a:rPr lang="en-US" sz="1600" dirty="0"/>
               <a:t>PF_TECHDEBT_VS_AFP</a:t>
             </a:r>
-            <a:endParaRPr lang="en-US" sz="1600" dirty="0"/>
           </a:p>
         </p:txBody>
       </p:sp>
@@ -20975,7 +20771,7 @@
           </a:lstStyle>
           <a:p>
             <a:r>
-              <a:rPr lang="en-US" dirty="0" smtClean="0">
+              <a:rPr lang="en-US" dirty="0">
                 <a:sym typeface="Wingdings" pitchFamily="2" charset="2"/>
               </a:rPr>
               <a:t></a:t>
@@ -21020,10 +20816,9 @@
           </a:lstStyle>
           <a:p>
             <a:r>
-              <a:rPr lang="en-US" sz="1800" dirty="0" smtClean="0"/>
+              <a:rPr lang="en-US" sz="1800" dirty="0"/>
               <a:t>Block Name :</a:t>
             </a:r>
-            <a:endParaRPr lang="en-US" sz="1800" dirty="0"/>
           </a:p>
         </p:txBody>
       </p:sp>
@@ -21063,10 +20858,9 @@
           </a:lstStyle>
           <a:p>
             <a:r>
-              <a:rPr lang="en-US" dirty="0" smtClean="0"/>
+              <a:rPr lang="en-US" dirty="0"/>
               <a:t>none</a:t>
             </a:r>
-            <a:endParaRPr lang="en-US" dirty="0"/>
           </a:p>
         </p:txBody>
       </p:sp>
@@ -21106,10 +20900,9 @@
           </a:lstStyle>
           <a:p>
             <a:r>
-              <a:rPr lang="en-US" sz="1800" dirty="0" smtClean="0"/>
+              <a:rPr lang="en-US" sz="1800" dirty="0"/>
               <a:t>Options :</a:t>
             </a:r>
-            <a:endParaRPr lang="en-US" sz="1800" dirty="0"/>
           </a:p>
         </p:txBody>
       </p:sp>
@@ -21199,10 +20992,9 @@
           </a:lstStyle>
           <a:p>
             <a:r>
-              <a:rPr lang="en-US" dirty="0" smtClean="0"/>
+              <a:rPr lang="en-US" dirty="0"/>
               <a:t>Value</a:t>
             </a:r>
-            <a:endParaRPr lang="en-US" dirty="0"/>
           </a:p>
         </p:txBody>
       </p:sp>
@@ -21296,10 +21088,9 @@
           </a:lstStyle>
           <a:p>
             <a:r>
-              <a:rPr lang="en-US" sz="1800" dirty="0" smtClean="0"/>
+              <a:rPr lang="en-US" sz="1800" dirty="0"/>
               <a:t>Technical Debt ratio per LOC</a:t>
             </a:r>
-            <a:endParaRPr lang="en-US" sz="1800" dirty="0"/>
           </a:p>
         </p:txBody>
       </p:sp>
@@ -21337,10 +21128,9 @@
           </a:lstStyle>
           <a:p>
             <a:r>
-              <a:rPr lang="en-US" sz="1600" dirty="0" smtClean="0"/>
+              <a:rPr lang="en-US" sz="1600" dirty="0"/>
               <a:t>PF_TECHDEBT_VS_LOC</a:t>
             </a:r>
-            <a:endParaRPr lang="en-US" sz="1600" dirty="0"/>
           </a:p>
         </p:txBody>
       </p:sp>
@@ -21380,7 +21170,7 @@
           </a:lstStyle>
           <a:p>
             <a:r>
-              <a:rPr lang="en-US" dirty="0" smtClean="0">
+              <a:rPr lang="en-US" dirty="0">
                 <a:sym typeface="Wingdings" pitchFamily="2" charset="2"/>
               </a:rPr>
               <a:t></a:t>
@@ -21425,10 +21215,9 @@
           </a:lstStyle>
           <a:p>
             <a:r>
-              <a:rPr lang="en-US" sz="1800" dirty="0" smtClean="0"/>
+              <a:rPr lang="en-US" sz="1800" dirty="0"/>
               <a:t>Block Name :</a:t>
             </a:r>
-            <a:endParaRPr lang="en-US" sz="1800" dirty="0"/>
           </a:p>
         </p:txBody>
       </p:sp>
@@ -21468,10 +21257,9 @@
           </a:lstStyle>
           <a:p>
             <a:r>
-              <a:rPr lang="en-US" dirty="0" smtClean="0"/>
+              <a:rPr lang="en-US" dirty="0"/>
               <a:t>none</a:t>
             </a:r>
-            <a:endParaRPr lang="en-US" dirty="0"/>
           </a:p>
         </p:txBody>
       </p:sp>
@@ -21511,10 +21299,9 @@
           </a:lstStyle>
           <a:p>
             <a:r>
-              <a:rPr lang="en-US" sz="1800" dirty="0" smtClean="0"/>
+              <a:rPr lang="en-US" sz="1800" dirty="0"/>
               <a:t>Options :</a:t>
             </a:r>
-            <a:endParaRPr lang="en-US" sz="1800" dirty="0"/>
           </a:p>
         </p:txBody>
       </p:sp>
@@ -21604,10 +21391,9 @@
           </a:lstStyle>
           <a:p>
             <a:r>
-              <a:rPr lang="en-US" dirty="0" smtClean="0"/>
+              <a:rPr lang="en-US" dirty="0"/>
               <a:t>Value</a:t>
             </a:r>
-            <a:endParaRPr lang="en-US" dirty="0"/>
           </a:p>
         </p:txBody>
       </p:sp>
@@ -21701,10 +21487,9 @@
           </a:lstStyle>
           <a:p>
             <a:r>
-              <a:rPr lang="en-US" sz="1800" dirty="0" smtClean="0"/>
+              <a:rPr lang="en-US" sz="1800" dirty="0"/>
               <a:t>Critical Violations</a:t>
             </a:r>
-            <a:endParaRPr lang="en-US" sz="1800" dirty="0"/>
           </a:p>
         </p:txBody>
       </p:sp>
@@ -21742,10 +21527,9 @@
           </a:lstStyle>
           <a:p>
             <a:r>
-              <a:rPr lang="en-US" sz="1600" dirty="0" smtClean="0"/>
+              <a:rPr lang="en-US" sz="1600" dirty="0"/>
               <a:t>TEXT;PF_CRITICAL_VIOLATIONS</a:t>
             </a:r>
-            <a:endParaRPr lang="en-US" sz="1600" dirty="0"/>
           </a:p>
         </p:txBody>
       </p:sp>
@@ -21785,7 +21569,7 @@
           </a:lstStyle>
           <a:p>
             <a:r>
-              <a:rPr lang="en-US" dirty="0" smtClean="0">
+              <a:rPr lang="en-US" dirty="0">
                 <a:sym typeface="Wingdings" pitchFamily="2" charset="2"/>
               </a:rPr>
               <a:t></a:t>
@@ -21830,10 +21614,9 @@
           </a:lstStyle>
           <a:p>
             <a:r>
-              <a:rPr lang="en-US" sz="1800" dirty="0" smtClean="0"/>
+              <a:rPr lang="en-US" sz="1800" dirty="0"/>
               <a:t>Block Name :</a:t>
             </a:r>
-            <a:endParaRPr lang="en-US" sz="1800" dirty="0"/>
           </a:p>
         </p:txBody>
       </p:sp>
@@ -21873,10 +21656,9 @@
           </a:lstStyle>
           <a:p>
             <a:r>
-              <a:rPr lang="en-US" sz="1800" dirty="0" smtClean="0"/>
+              <a:rPr lang="en-US" sz="1800" dirty="0"/>
               <a:t>Options :</a:t>
             </a:r>
-            <a:endParaRPr lang="en-US" sz="1800" dirty="0"/>
           </a:p>
         </p:txBody>
       </p:sp>
@@ -21966,10 +21748,9 @@
           </a:lstStyle>
           <a:p>
             <a:r>
-              <a:rPr lang="en-US" dirty="0" smtClean="0"/>
+              <a:rPr lang="en-US" dirty="0"/>
               <a:t>Value</a:t>
             </a:r>
-            <a:endParaRPr lang="en-US" dirty="0"/>
           </a:p>
         </p:txBody>
       </p:sp>
@@ -22009,14 +21790,13 @@
           </a:lstStyle>
           <a:p>
             <a:r>
-              <a:rPr lang="en-US" sz="1400" b="1" dirty="0" smtClean="0"/>
+              <a:rPr lang="en-US" sz="1400" b="1" dirty="0"/>
               <a:t>BCID=N</a:t>
             </a:r>
             <a:r>
-              <a:rPr lang="en-US" sz="1400" dirty="0" smtClean="0"/>
+              <a:rPr lang="en-US" sz="1400" dirty="0"/>
               <a:t> (where N is an health factor (by default 60017)</a:t>
             </a:r>
-            <a:endParaRPr lang="en-US" sz="1400" dirty="0"/>
           </a:p>
         </p:txBody>
       </p:sp>
@@ -22118,10 +21898,9 @@
           <a:lstStyle/>
           <a:p>
             <a:r>
-              <a:rPr lang="en-US" dirty="0" smtClean="0"/>
+              <a:rPr lang="en-US" dirty="0"/>
               <a:t>PowerPoint Templates – Text</a:t>
             </a:r>
-            <a:endParaRPr lang="en-US" dirty="0"/>
           </a:p>
         </p:txBody>
       </p:sp>
@@ -22215,10 +21994,9 @@
           </a:lstStyle>
           <a:p>
             <a:r>
-              <a:rPr lang="en-US" sz="1800" dirty="0" smtClean="0"/>
+              <a:rPr lang="en-US" sz="1800" dirty="0"/>
               <a:t>Custom Expression</a:t>
             </a:r>
-            <a:endParaRPr lang="en-US" sz="1800" dirty="0"/>
           </a:p>
         </p:txBody>
       </p:sp>
@@ -22256,10 +22034,9 @@
           </a:lstStyle>
           <a:p>
             <a:r>
-              <a:rPr lang="en-US" sz="1600" dirty="0" smtClean="0"/>
+              <a:rPr lang="en-US" sz="1600" dirty="0"/>
               <a:t>PF_CUSTOM_EXPRESSION</a:t>
             </a:r>
-            <a:endParaRPr lang="en-US" sz="1600" dirty="0"/>
           </a:p>
         </p:txBody>
       </p:sp>
@@ -22299,7 +22076,7 @@
           </a:lstStyle>
           <a:p>
             <a:r>
-              <a:rPr lang="en-US" dirty="0" smtClean="0">
+              <a:rPr lang="en-US" dirty="0">
                 <a:sym typeface="Wingdings" pitchFamily="2" charset="2"/>
               </a:rPr>
               <a:t></a:t>
@@ -22344,10 +22121,9 @@
           </a:lstStyle>
           <a:p>
             <a:r>
-              <a:rPr lang="en-US" sz="1800" dirty="0" smtClean="0"/>
+              <a:rPr lang="en-US" sz="1800" dirty="0"/>
               <a:t>Block Name :</a:t>
             </a:r>
-            <a:endParaRPr lang="en-US" sz="1800" dirty="0"/>
           </a:p>
         </p:txBody>
       </p:sp>
@@ -22387,62 +22163,38 @@
           </a:lstStyle>
           <a:p>
             <a:r>
-              <a:rPr lang="en-US" sz="1100" dirty="0" smtClean="0"/>
-              <a:t>- PARAMS=SZ </a:t>
-            </a:r>
-            <a:r>
               <a:rPr lang="en-US" sz="1100" dirty="0"/>
-              <a:t>a SZ b, (SZ pour sizing measure, QR pour quality rule, BF for background fact)</a:t>
-            </a:r>
-          </a:p>
-          <a:p>
-            <a:r>
-              <a:rPr lang="en-US" sz="1100" dirty="0" smtClean="0"/>
-              <a:t>- EXPR=b/a</a:t>
-            </a:r>
+              <a:t>- PARAMS=SZ a SZ b, (SZ pour sizing measure, QR pour quality rule, BF for background fact)</a:t>
+            </a:r>
+          </a:p>
+          <a:p>
             <a:r>
               <a:rPr lang="en-US" sz="1100" dirty="0"/>
-              <a:t>, (operators can be +, -, *, / , (, ) )</a:t>
-            </a:r>
-          </a:p>
-          <a:p>
-            <a:r>
-              <a:rPr lang="en-US" sz="1100" dirty="0" smtClean="0"/>
-              <a:t>- a=67011</a:t>
-            </a:r>
+              <a:t>- EXPR=b/a, (operators can be +, -, *, / , (, ) )</a:t>
+            </a:r>
+          </a:p>
+          <a:p>
             <a:r>
               <a:rPr lang="en-US" sz="1100" dirty="0"/>
-              <a:t>,</a:t>
-            </a:r>
-          </a:p>
-          <a:p>
-            <a:r>
-              <a:rPr lang="en-US" sz="1100" dirty="0" smtClean="0"/>
-              <a:t>- b=67010</a:t>
-            </a:r>
+              <a:t>- a=67011,</a:t>
+            </a:r>
+          </a:p>
+          <a:p>
             <a:r>
               <a:rPr lang="en-US" sz="1100" dirty="0"/>
-              <a:t>,</a:t>
-            </a:r>
-          </a:p>
-          <a:p>
-            <a:r>
-              <a:rPr lang="en-US" sz="1100" dirty="0" smtClean="0"/>
-              <a:t>- FORMAT=N0 </a:t>
-            </a:r>
+              <a:t>- b=67010,</a:t>
+            </a:r>
+          </a:p>
+          <a:p>
             <a:r>
               <a:rPr lang="en-US" sz="1100" dirty="0"/>
-              <a:t>(N2 by default, if nothing or erroneous format is set),</a:t>
-            </a:r>
-          </a:p>
-          <a:p>
-            <a:r>
-              <a:rPr lang="en-US" sz="1100" dirty="0" smtClean="0"/>
-              <a:t>- AGGREGATOR=SUM|AVERAGE </a:t>
-            </a:r>
+              <a:t>- FORMAT=N0 (N2 by default, if nothing or erroneous format is set),</a:t>
+            </a:r>
+          </a:p>
+          <a:p>
             <a:r>
               <a:rPr lang="en-US" sz="1100" dirty="0"/>
-              <a:t>(for portfolio component, to aggregate results of all applications for the custom expression, AVERAGE by default or if erroneous format is set)</a:t>
+              <a:t>- AGGREGATOR=SUM|AVERAGE (for portfolio component, to aggregate results of all applications for the custom expression, AVERAGE by default or if erroneous format is set)</a:t>
             </a:r>
           </a:p>
         </p:txBody>
@@ -22483,10 +22235,9 @@
           </a:lstStyle>
           <a:p>
             <a:r>
-              <a:rPr lang="en-US" sz="1800" dirty="0" smtClean="0"/>
+              <a:rPr lang="en-US" sz="1800" dirty="0"/>
               <a:t>Options :</a:t>
             </a:r>
-            <a:endParaRPr lang="en-US" sz="1800" dirty="0"/>
           </a:p>
         </p:txBody>
       </p:sp>
@@ -22576,10 +22327,9 @@
           </a:lstStyle>
           <a:p>
             <a:r>
-              <a:rPr lang="en-US" dirty="0" smtClean="0"/>
+              <a:rPr lang="en-US" dirty="0"/>
               <a:t>Value</a:t>
             </a:r>
-            <a:endParaRPr lang="en-US" dirty="0"/>
           </a:p>
         </p:txBody>
       </p:sp>
@@ -22741,10 +22491,9 @@
           <a:lstStyle/>
           <a:p>
             <a:r>
-              <a:rPr lang="en-US" dirty="0" smtClean="0"/>
+              <a:rPr lang="en-US" dirty="0"/>
               <a:t>Graphic Templates</a:t>
             </a:r>
-            <a:endParaRPr lang="en-US" dirty="0"/>
           </a:p>
         </p:txBody>
       </p:sp>
@@ -22764,10 +22513,9 @@
           <a:lstStyle/>
           <a:p>
             <a:r>
-              <a:rPr lang="en-US" dirty="0" smtClean="0"/>
+              <a:rPr lang="en-US" dirty="0"/>
               <a:t>PowerPoint Templates</a:t>
             </a:r>
-            <a:endParaRPr lang="en-US" dirty="0"/>
           </a:p>
         </p:txBody>
       </p:sp>
@@ -22776,13 +22524,6 @@
   <p:clrMapOvr>
     <a:masterClrMapping/>
   </p:clrMapOvr>
-  <p:timing>
-    <p:tnLst>
-      <p:par>
-        <p:cTn id="1" dur="indefinite" restart="never" nodeType="tmRoot"/>
-      </p:par>
-    </p:tnLst>
-  </p:timing>
 </p:sld>
 </file>
 
@@ -22821,10 +22562,9 @@
           <a:lstStyle/>
           <a:p>
             <a:r>
-              <a:rPr lang="fr-FR" dirty="0" smtClean="0"/>
+              <a:rPr lang="fr-FR" dirty="0"/>
               <a:t>PowerPoint Templates – Graphics</a:t>
             </a:r>
-            <a:endParaRPr lang="fr-FR" dirty="0"/>
           </a:p>
         </p:txBody>
       </p:sp>
@@ -22849,14 +22589,14 @@
           <a:lstStyle/>
           <a:p>
             <a:r>
-              <a:rPr lang="fr-FR" sz="2400" dirty="0" smtClean="0"/>
+              <a:rPr lang="fr-FR" sz="2400" dirty="0"/>
               <a:t>This kind of template is identified by a type value as</a:t>
             </a:r>
             <a:br>
-              <a:rPr lang="fr-FR" sz="2400" dirty="0" smtClean="0"/>
+              <a:rPr lang="fr-FR" sz="2400" dirty="0"/>
             </a:br>
             <a:r>
-              <a:rPr lang="fr-FR" sz="2400" dirty="0" smtClean="0"/>
+              <a:rPr lang="fr-FR" sz="2400" dirty="0"/>
               <a:t>			</a:t>
             </a:r>
           </a:p>
@@ -22866,19 +22606,15 @@
             </a:pPr>
             <a:r>
               <a:rPr lang="fr-FR" sz="2400" dirty="0"/>
-              <a:t>	</a:t>
-            </a:r>
-            <a:r>
-              <a:rPr lang="fr-FR" sz="2400" dirty="0" smtClean="0"/>
-              <a:t>		Type = </a:t>
-            </a:r>
-            <a:r>
-              <a:rPr lang="fr-FR" sz="2400" b="1" dirty="0" smtClean="0"/>
+              <a:t>			Type = </a:t>
+            </a:r>
+            <a:r>
+              <a:rPr lang="fr-FR" sz="2400" b="1" dirty="0"/>
               <a:t>GRAPH</a:t>
             </a:r>
           </a:p>
           <a:p>
-            <a:endParaRPr lang="fr-FR" sz="2400" b="1" dirty="0" smtClean="0"/>
+            <a:endParaRPr lang="fr-FR" sz="2400" b="1" dirty="0"/>
           </a:p>
         </p:txBody>
       </p:sp>
@@ -22887,13 +22623,6 @@
   <p:clrMapOvr>
     <a:masterClrMapping/>
   </p:clrMapOvr>
-  <p:timing>
-    <p:tnLst>
-      <p:par>
-        <p:cTn id="1" dur="indefinite" restart="never" nodeType="tmRoot"/>
-      </p:par>
-    </p:tnLst>
-  </p:timing>
 </p:sld>
 </file>
 
@@ -22932,10 +22661,9 @@
           <a:lstStyle/>
           <a:p>
             <a:r>
-              <a:rPr lang="en-US" dirty="0" smtClean="0"/>
+              <a:rPr lang="en-US" dirty="0"/>
               <a:t>PowerPoint Templates – Graphics</a:t>
             </a:r>
-            <a:endParaRPr lang="en-US" dirty="0"/>
           </a:p>
         </p:txBody>
       </p:sp>
@@ -23029,10 +22757,9 @@
           </a:lstStyle>
           <a:p>
             <a:r>
-              <a:rPr lang="en-US" sz="1800" dirty="0" smtClean="0"/>
+              <a:rPr lang="en-US" sz="1800" dirty="0"/>
               <a:t>Technical Debt Trending Progression</a:t>
             </a:r>
-            <a:endParaRPr lang="en-US" sz="1800" dirty="0"/>
           </a:p>
         </p:txBody>
       </p:sp>
@@ -23070,10 +22797,9 @@
           </a:lstStyle>
           <a:p>
             <a:r>
-              <a:rPr lang="en-US" sz="1800" dirty="0" smtClean="0"/>
+              <a:rPr lang="en-US" sz="1800" dirty="0"/>
               <a:t>PF_TREND_TECH_DEBT</a:t>
             </a:r>
-            <a:endParaRPr lang="en-US" sz="1800" dirty="0"/>
           </a:p>
         </p:txBody>
       </p:sp>
@@ -23113,10 +22839,9 @@
           </a:lstStyle>
           <a:p>
             <a:r>
-              <a:rPr lang="en-US" sz="1800" dirty="0" smtClean="0"/>
+              <a:rPr lang="en-US" sz="1800" dirty="0"/>
               <a:t>Block Name :</a:t>
             </a:r>
-            <a:endParaRPr lang="en-US" sz="1800" dirty="0"/>
           </a:p>
         </p:txBody>
       </p:sp>
@@ -23156,10 +22881,9 @@
           </a:lstStyle>
           <a:p>
             <a:r>
-              <a:rPr lang="en-US" sz="1800" dirty="0" smtClean="0"/>
+              <a:rPr lang="en-US" sz="1800" dirty="0"/>
               <a:t>none</a:t>
             </a:r>
-            <a:endParaRPr lang="en-US" sz="1800" dirty="0"/>
           </a:p>
         </p:txBody>
       </p:sp>
@@ -23199,10 +22923,9 @@
           </a:lstStyle>
           <a:p>
             <a:r>
-              <a:rPr lang="en-US" sz="1800" dirty="0" smtClean="0"/>
+              <a:rPr lang="en-US" sz="1800" dirty="0"/>
               <a:t>Options :</a:t>
             </a:r>
-            <a:endParaRPr lang="en-US" sz="1800" dirty="0"/>
           </a:p>
         </p:txBody>
       </p:sp>
@@ -23242,10 +22965,9 @@
           </a:lstStyle>
           <a:p>
             <a:r>
-              <a:rPr lang="en-US" dirty="0" smtClean="0"/>
+              <a:rPr lang="en-US" dirty="0"/>
               <a:t>X axis is based on the last 6 previous quarter starting from today</a:t>
             </a:r>
-            <a:endParaRPr lang="en-US" dirty="0"/>
           </a:p>
         </p:txBody>
       </p:sp>
@@ -23285,10 +23007,9 @@
           </a:lstStyle>
           <a:p>
             <a:r>
-              <a:rPr lang="en-US" sz="1800" dirty="0" smtClean="0"/>
+              <a:rPr lang="en-US" sz="1800" dirty="0"/>
               <a:t>Note :</a:t>
             </a:r>
-            <a:endParaRPr lang="en-US" sz="1800" dirty="0"/>
           </a:p>
         </p:txBody>
       </p:sp>
@@ -23319,13 +23040,6 @@
   <p:clrMapOvr>
     <a:masterClrMapping/>
   </p:clrMapOvr>
-  <p:timing>
-    <p:tnLst>
-      <p:par>
-        <p:cTn id="1" dur="indefinite" restart="never" nodeType="tmRoot"/>
-      </p:par>
-    </p:tnLst>
-  </p:timing>
 </p:sld>
 </file>
 
@@ -23364,10 +23078,9 @@
           <a:lstStyle/>
           <a:p>
             <a:r>
-              <a:rPr lang="en-US" dirty="0" smtClean="0"/>
+              <a:rPr lang="en-US" dirty="0"/>
               <a:t>PowerPoint Templates – Graphics</a:t>
             </a:r>
-            <a:endParaRPr lang="en-US" dirty="0"/>
           </a:p>
         </p:txBody>
       </p:sp>
@@ -23461,10 +23174,9 @@
           </a:lstStyle>
           <a:p>
             <a:r>
-              <a:rPr lang="en-US" sz="1800" dirty="0" smtClean="0"/>
+              <a:rPr lang="en-US" sz="1800" dirty="0"/>
               <a:t>Critical Violations Delta Trending Progression</a:t>
             </a:r>
-            <a:endParaRPr lang="en-US" sz="1800" dirty="0"/>
           </a:p>
         </p:txBody>
       </p:sp>
@@ -23502,10 +23214,9 @@
           </a:lstStyle>
           <a:p>
             <a:r>
-              <a:rPr lang="en-US" sz="1800" dirty="0" smtClean="0"/>
+              <a:rPr lang="en-US" sz="1800" dirty="0"/>
               <a:t>PF_TREND_CRIT_VIOL</a:t>
             </a:r>
-            <a:endParaRPr lang="en-US" sz="1800" dirty="0"/>
           </a:p>
         </p:txBody>
       </p:sp>
@@ -23545,10 +23256,9 @@
           </a:lstStyle>
           <a:p>
             <a:r>
-              <a:rPr lang="en-US" sz="1800" dirty="0" smtClean="0"/>
+              <a:rPr lang="en-US" sz="1800" dirty="0"/>
               <a:t>Block Name :</a:t>
             </a:r>
-            <a:endParaRPr lang="en-US" sz="1800" dirty="0"/>
           </a:p>
         </p:txBody>
       </p:sp>
@@ -23588,14 +23298,13 @@
           </a:lstStyle>
           <a:p>
             <a:r>
-              <a:rPr lang="en-US" sz="1800" b="1" dirty="0" smtClean="0"/>
+              <a:rPr lang="en-US" sz="1800" b="1" dirty="0"/>
               <a:t>BCID=N</a:t>
             </a:r>
             <a:r>
-              <a:rPr lang="en-US" sz="1800" dirty="0" smtClean="0"/>
+              <a:rPr lang="en-US" sz="1800" dirty="0"/>
               <a:t> (where N is an health factor (by default 60017)</a:t>
             </a:r>
-            <a:endParaRPr lang="en-US" sz="1800" dirty="0"/>
           </a:p>
         </p:txBody>
       </p:sp>
@@ -23635,10 +23344,9 @@
           </a:lstStyle>
           <a:p>
             <a:r>
-              <a:rPr lang="en-US" sz="1800" dirty="0" smtClean="0"/>
+              <a:rPr lang="en-US" sz="1800" dirty="0"/>
               <a:t>Options :</a:t>
             </a:r>
-            <a:endParaRPr lang="en-US" sz="1800" dirty="0"/>
           </a:p>
         </p:txBody>
       </p:sp>
@@ -23678,10 +23386,9 @@
           </a:lstStyle>
           <a:p>
             <a:r>
-              <a:rPr lang="en-US" sz="1800" dirty="0" smtClean="0"/>
+              <a:rPr lang="en-US" sz="1800" dirty="0"/>
               <a:t>Note :</a:t>
             </a:r>
-            <a:endParaRPr lang="en-US" sz="1800" dirty="0"/>
           </a:p>
         </p:txBody>
       </p:sp>
@@ -23721,10 +23428,9 @@
           </a:lstStyle>
           <a:p>
             <a:r>
-              <a:rPr lang="en-US" dirty="0" smtClean="0"/>
+              <a:rPr lang="en-US" dirty="0"/>
               <a:t>X axis is based on the last 6 previous quarter starting from today</a:t>
             </a:r>
-            <a:endParaRPr lang="en-US" dirty="0"/>
           </a:p>
         </p:txBody>
       </p:sp>
@@ -23760,13 +23466,6 @@
   <p:clrMapOvr>
     <a:masterClrMapping/>
   </p:clrMapOvr>
-  <p:timing>
-    <p:tnLst>
-      <p:par>
-        <p:cTn id="1" dur="indefinite" restart="never" nodeType="tmRoot"/>
-      </p:par>
-    </p:tnLst>
-  </p:timing>
 </p:sld>
 </file>
 
@@ -23805,10 +23504,9 @@
           <a:lstStyle/>
           <a:p>
             <a:r>
-              <a:rPr lang="fr-FR" dirty="0" smtClean="0"/>
+              <a:rPr lang="fr-FR" dirty="0"/>
               <a:t>PowerPoint Templates – Graphics</a:t>
             </a:r>
-            <a:endParaRPr lang="fr-FR" dirty="0"/>
           </a:p>
         </p:txBody>
       </p:sp>
@@ -23902,18 +23600,9 @@
           </a:lstStyle>
           <a:p>
             <a:r>
-              <a:rPr lang="en-US" sz="1800" dirty="0" smtClean="0"/>
-              <a:t>TQI </a:t>
-            </a:r>
-            <a:r>
               <a:rPr lang="en-US" sz="1800" dirty="0"/>
-              <a:t>Score by Critical </a:t>
-            </a:r>
-            <a:r>
-              <a:rPr lang="en-US" sz="1800" dirty="0" smtClean="0"/>
-              <a:t>Violations/LoC by AFP</a:t>
-            </a:r>
-            <a:endParaRPr lang="en-US" sz="1800" dirty="0"/>
+              <a:t>TQI Score by Critical Violations/LoC by AFP</a:t>
+            </a:r>
           </a:p>
         </p:txBody>
       </p:sp>
@@ -23951,10 +23640,9 @@
           </a:lstStyle>
           <a:p>
             <a:r>
-              <a:rPr lang="fr-FR" sz="1800" dirty="0" smtClean="0"/>
+              <a:rPr lang="fr-FR" sz="1800" dirty="0"/>
               <a:t>PF_QS_BY_CVLOC</a:t>
             </a:r>
-            <a:endParaRPr lang="fr-FR" sz="1800" dirty="0"/>
           </a:p>
         </p:txBody>
       </p:sp>
@@ -24036,12 +23724,8 @@
           </a:lstStyle>
           <a:p>
             <a:r>
-              <a:rPr lang="fr-FR" sz="1800" dirty="0" smtClean="0"/>
-              <a:t>Note </a:t>
-            </a:r>
-            <a:r>
               <a:rPr lang="fr-FR" sz="1800" dirty="0"/>
-              <a:t>:</a:t>
+              <a:t>Note :</a:t>
             </a:r>
           </a:p>
         </p:txBody>
@@ -24106,10 +23790,9 @@
           </a:lstStyle>
           <a:p>
             <a:r>
-              <a:rPr lang="en-US" dirty="0" smtClean="0"/>
+              <a:rPr lang="en-US" dirty="0"/>
               <a:t>Bubble = application, Size of bubble = AFP </a:t>
             </a:r>
-            <a:endParaRPr lang="en-US" dirty="0"/>
           </a:p>
         </p:txBody>
       </p:sp>
@@ -24149,7 +23832,7 @@
           </a:lstStyle>
           <a:p>
             <a:r>
-              <a:rPr lang="en-US" sz="1600" i="0" dirty="0" smtClean="0">
+              <a:rPr lang="en-US" sz="1600" i="0" dirty="0">
                 <a:solidFill>
                   <a:srgbClr val="FF0000"/>
                 </a:solidFill>
@@ -24157,7 +23840,7 @@
               <a:t>Only working with </a:t>
             </a:r>
             <a:r>
-              <a:rPr lang="en-US" sz="1600" i="0" dirty="0" err="1" smtClean="0">
+              <a:rPr lang="en-US" sz="1600" i="0" dirty="0" err="1">
                 <a:solidFill>
                   <a:srgbClr val="FF0000"/>
                 </a:solidFill>
@@ -24165,7 +23848,7 @@
               <a:t>Powerpoint</a:t>
             </a:r>
             <a:r>
-              <a:rPr lang="en-US" sz="1600" i="0" dirty="0" smtClean="0">
+              <a:rPr lang="en-US" sz="1600" i="0" dirty="0">
                 <a:solidFill>
                   <a:srgbClr val="FF0000"/>
                 </a:solidFill>
@@ -24173,7 +23856,7 @@
               <a:t> 2013, after report generated, need to edit data in </a:t>
             </a:r>
             <a:r>
-              <a:rPr lang="en-US" sz="1600" i="0" dirty="0" err="1" smtClean="0">
+              <a:rPr lang="en-US" sz="1600" i="0" dirty="0" err="1">
                 <a:solidFill>
                   <a:srgbClr val="FF0000"/>
                 </a:solidFill>
@@ -24181,18 +23864,13 @@
               <a:t>exel</a:t>
             </a:r>
             <a:r>
-              <a:rPr lang="en-US" sz="1600" i="0" dirty="0" smtClean="0">
+              <a:rPr lang="en-US" sz="1600" i="0" dirty="0">
                 <a:solidFill>
                   <a:srgbClr val="FF0000"/>
                 </a:solidFill>
               </a:rPr>
               <a:t> to get label of applications updated into the graph</a:t>
             </a:r>
-            <a:endParaRPr lang="en-US" sz="1600" i="0" dirty="0">
-              <a:solidFill>
-                <a:srgbClr val="FF0000"/>
-              </a:solidFill>
-            </a:endParaRPr>
           </a:p>
         </p:txBody>
       </p:sp>
@@ -24201,13 +23879,6 @@
   <p:clrMapOvr>
     <a:masterClrMapping/>
   </p:clrMapOvr>
-  <p:timing>
-    <p:tnLst>
-      <p:par>
-        <p:cTn id="1" dur="indefinite" restart="never" nodeType="tmRoot"/>
-      </p:par>
-    </p:tnLst>
-  </p:timing>
 </p:sld>
 </file>
 
@@ -24246,10 +23917,9 @@
           <a:lstStyle/>
           <a:p>
             <a:r>
-              <a:rPr lang="en-US" dirty="0" smtClean="0"/>
+              <a:rPr lang="en-US" dirty="0"/>
               <a:t>PowerPoint Templates – Graphics</a:t>
             </a:r>
-            <a:endParaRPr lang="en-US" dirty="0"/>
           </a:p>
         </p:txBody>
       </p:sp>
@@ -24343,10 +24013,9 @@
           </a:lstStyle>
           <a:p>
             <a:r>
-              <a:rPr lang="en-US" sz="1800" dirty="0" smtClean="0"/>
+              <a:rPr lang="en-US" sz="1800" dirty="0"/>
               <a:t>List of applications regarding a specific indicator</a:t>
             </a:r>
-            <a:endParaRPr lang="en-US" sz="1800" dirty="0"/>
           </a:p>
         </p:txBody>
       </p:sp>
@@ -24384,10 +24053,9 @@
           </a:lstStyle>
           <a:p>
             <a:r>
-              <a:rPr lang="en-US" sz="1800" dirty="0" smtClean="0"/>
+              <a:rPr lang="en-US" sz="1800" dirty="0"/>
               <a:t>PF_BAR_CHART</a:t>
             </a:r>
-            <a:endParaRPr lang="en-US" sz="1800" dirty="0"/>
           </a:p>
         </p:txBody>
       </p:sp>
@@ -24427,10 +24095,9 @@
           </a:lstStyle>
           <a:p>
             <a:r>
-              <a:rPr lang="en-US" sz="1800" dirty="0" smtClean="0"/>
+              <a:rPr lang="en-US" sz="1800" dirty="0"/>
               <a:t>Block Name :</a:t>
             </a:r>
-            <a:endParaRPr lang="en-US" sz="1800" dirty="0"/>
           </a:p>
         </p:txBody>
       </p:sp>
@@ -24470,14 +24137,13 @@
           </a:lstStyle>
           <a:p>
             <a:r>
-              <a:rPr lang="en-US" sz="1800" b="1" dirty="0" smtClean="0"/>
+              <a:rPr lang="en-US" sz="1800" b="1" dirty="0"/>
               <a:t>METRIC=ID</a:t>
             </a:r>
             <a:r>
-              <a:rPr lang="en-US" sz="1800" dirty="0" smtClean="0"/>
+              <a:rPr lang="en-US" sz="1800" dirty="0"/>
               <a:t> (where ID can be a quality indicator or a background fact)</a:t>
             </a:r>
-            <a:endParaRPr lang="en-US" sz="1800" dirty="0"/>
           </a:p>
         </p:txBody>
       </p:sp>
@@ -24517,10 +24183,9 @@
           </a:lstStyle>
           <a:p>
             <a:r>
-              <a:rPr lang="en-US" sz="1800" dirty="0" smtClean="0"/>
+              <a:rPr lang="en-US" sz="1800" dirty="0"/>
               <a:t>Options :</a:t>
             </a:r>
-            <a:endParaRPr lang="en-US" sz="1800" dirty="0"/>
           </a:p>
         </p:txBody>
       </p:sp>
@@ -24556,13 +24221,6 @@
   <p:clrMapOvr>
     <a:masterClrMapping/>
   </p:clrMapOvr>
-  <p:timing>
-    <p:tnLst>
-      <p:par>
-        <p:cTn id="1" dur="indefinite" restart="never" nodeType="tmRoot"/>
-      </p:par>
-    </p:tnLst>
-  </p:timing>
 </p:sld>
 </file>
 
@@ -24599,10 +24257,9 @@
           <a:lstStyle/>
           <a:p>
             <a:r>
-              <a:rPr lang="en-US" dirty="0" smtClean="0"/>
+              <a:rPr lang="en-US" dirty="0"/>
               <a:t>Table Templates</a:t>
             </a:r>
-            <a:endParaRPr lang="en-US" dirty="0"/>
           </a:p>
         </p:txBody>
       </p:sp>
@@ -24622,10 +24279,9 @@
           <a:lstStyle/>
           <a:p>
             <a:r>
-              <a:rPr lang="en-US" dirty="0" smtClean="0"/>
+              <a:rPr lang="en-US" dirty="0"/>
               <a:t>PowerPoint Templates</a:t>
             </a:r>
-            <a:endParaRPr lang="en-US" dirty="0"/>
           </a:p>
         </p:txBody>
       </p:sp>
@@ -24634,13 +24290,6 @@
   <p:clrMapOvr>
     <a:masterClrMapping/>
   </p:clrMapOvr>
-  <p:timing>
-    <p:tnLst>
-      <p:par>
-        <p:cTn id="1" dur="indefinite" restart="never" nodeType="tmRoot"/>
-      </p:par>
-    </p:tnLst>
-  </p:timing>
 </p:sld>
 </file>
 
@@ -24677,10 +24326,9 @@
           <a:lstStyle/>
           <a:p>
             <a:r>
-              <a:rPr lang="fr-FR" dirty="0" smtClean="0"/>
+              <a:rPr lang="fr-FR" dirty="0"/>
               <a:t>Powerpoint Templates</a:t>
             </a:r>
-            <a:endParaRPr lang="fr-FR" dirty="0"/>
           </a:p>
         </p:txBody>
       </p:sp>
@@ -24701,21 +24349,20 @@
           <a:p>
             <a:pPr algn="just"/>
             <a:r>
-              <a:rPr lang="fr-FR" dirty="0" smtClean="0"/>
+              <a:rPr lang="fr-FR" dirty="0"/>
               <a:t>When Word uses placeholder to target a customizable component, PowerPoint uses alternative text property of TextBox, Table or ChartArea</a:t>
             </a:r>
           </a:p>
           <a:p>
             <a:pPr algn="just"/>
-            <a:endParaRPr lang="fr-FR" dirty="0" smtClean="0"/>
+            <a:endParaRPr lang="fr-FR" dirty="0"/>
           </a:p>
           <a:p>
             <a:pPr algn="just"/>
             <a:r>
-              <a:rPr lang="fr-FR" dirty="0" smtClean="0"/>
+              <a:rPr lang="fr-FR" dirty="0"/>
               <a:t>To see alternative text property of all component, you should activate « Size and Position »  button in Powerpoint properties</a:t>
             </a:r>
-            <a:endParaRPr lang="fr-FR" dirty="0"/>
           </a:p>
         </p:txBody>
       </p:sp>
@@ -24724,13 +24371,6 @@
   <p:clrMapOvr>
     <a:masterClrMapping/>
   </p:clrMapOvr>
-  <p:timing>
-    <p:tnLst>
-      <p:par>
-        <p:cTn id="1" dur="indefinite" restart="never" nodeType="tmRoot"/>
-      </p:par>
-    </p:tnLst>
-  </p:timing>
 </p:sld>
 </file>
 
@@ -24769,10 +24409,9 @@
           <a:lstStyle/>
           <a:p>
             <a:r>
-              <a:rPr lang="fr-FR" dirty="0" smtClean="0"/>
+              <a:rPr lang="fr-FR" dirty="0"/>
               <a:t>PowerPoint Templates – Tables</a:t>
             </a:r>
-            <a:endParaRPr lang="fr-FR" dirty="0"/>
           </a:p>
         </p:txBody>
       </p:sp>
@@ -24797,14 +24436,14 @@
           <a:lstStyle/>
           <a:p>
             <a:r>
-              <a:rPr lang="fr-FR" sz="2400" dirty="0" smtClean="0"/>
+              <a:rPr lang="fr-FR" sz="2400" dirty="0"/>
               <a:t>This kind of template is identified by a type value as</a:t>
             </a:r>
             <a:br>
-              <a:rPr lang="fr-FR" sz="2400" dirty="0" smtClean="0"/>
+              <a:rPr lang="fr-FR" sz="2400" dirty="0"/>
             </a:br>
             <a:r>
-              <a:rPr lang="fr-FR" sz="2400" dirty="0" smtClean="0"/>
+              <a:rPr lang="fr-FR" sz="2400" dirty="0"/>
               <a:t>			</a:t>
             </a:r>
           </a:p>
@@ -24813,11 +24452,11 @@
               <a:buNone/>
             </a:pPr>
             <a:r>
-              <a:rPr lang="fr-FR" sz="2400" dirty="0" smtClean="0"/>
+              <a:rPr lang="fr-FR" sz="2400" dirty="0"/>
               <a:t>			Type = </a:t>
             </a:r>
             <a:r>
-              <a:rPr lang="fr-FR" sz="2400" b="1" dirty="0" smtClean="0"/>
+              <a:rPr lang="fr-FR" sz="2400" b="1" dirty="0"/>
               <a:t>TABLE</a:t>
             </a:r>
           </a:p>
@@ -24825,13 +24464,13 @@
             <a:pPr marL="0" indent="0">
               <a:buNone/>
             </a:pPr>
-            <a:endParaRPr lang="fr-FR" sz="2400" b="1" dirty="0" smtClean="0"/>
+            <a:endParaRPr lang="fr-FR" sz="2400" b="1" dirty="0"/>
           </a:p>
           <a:p>
             <a:pPr marL="0" indent="0">
               <a:buNone/>
             </a:pPr>
-            <a:endParaRPr lang="fr-FR" sz="2400" b="1" dirty="0" smtClean="0"/>
+            <a:endParaRPr lang="fr-FR" sz="2400" b="1" dirty="0"/>
           </a:p>
         </p:txBody>
       </p:sp>
@@ -24840,13 +24479,6 @@
   <p:clrMapOvr>
     <a:masterClrMapping/>
   </p:clrMapOvr>
-  <p:timing>
-    <p:tnLst>
-      <p:par>
-        <p:cTn id="1" dur="indefinite" restart="never" nodeType="tmRoot"/>
-      </p:par>
-    </p:tnLst>
-  </p:timing>
 </p:sld>
 </file>
 
@@ -24885,10 +24517,9 @@
           <a:lstStyle/>
           <a:p>
             <a:r>
-              <a:rPr lang="en-US" dirty="0" smtClean="0"/>
+              <a:rPr lang="en-US" dirty="0"/>
               <a:t>PowerPoint Templates – Tables</a:t>
             </a:r>
-            <a:endParaRPr lang="en-US" dirty="0"/>
           </a:p>
         </p:txBody>
       </p:sp>
@@ -24982,10 +24613,9 @@
           </a:lstStyle>
           <a:p>
             <a:r>
-              <a:rPr lang="en-US" dirty="0" smtClean="0"/>
+              <a:rPr lang="en-US" dirty="0"/>
               <a:t>Top Riskiest Application regarding Health Factor</a:t>
             </a:r>
-            <a:endParaRPr lang="en-US" dirty="0"/>
           </a:p>
         </p:txBody>
       </p:sp>
@@ -25023,10 +24653,9 @@
           </a:lstStyle>
           <a:p>
             <a:r>
-              <a:rPr lang="en-US" sz="1800" dirty="0" smtClean="0"/>
+              <a:rPr lang="en-US" sz="1800" dirty="0"/>
               <a:t>PF_TOP_RISKIEST_APPS</a:t>
             </a:r>
-            <a:endParaRPr lang="en-US" sz="1800" dirty="0"/>
           </a:p>
         </p:txBody>
       </p:sp>
@@ -25066,10 +24695,9 @@
           </a:lstStyle>
           <a:p>
             <a:r>
-              <a:rPr lang="en-US" dirty="0" smtClean="0"/>
+              <a:rPr lang="en-US" dirty="0"/>
               <a:t>Block Name :</a:t>
             </a:r>
-            <a:endParaRPr lang="en-US" dirty="0"/>
           </a:p>
         </p:txBody>
       </p:sp>
@@ -25109,20 +24737,19 @@
           </a:lstStyle>
           <a:p>
             <a:r>
-              <a:rPr lang="en-US" b="1" dirty="0" smtClean="0"/>
+              <a:rPr lang="en-US" b="1" dirty="0"/>
               <a:t>COUNT=N</a:t>
             </a:r>
             <a:r>
-              <a:rPr lang="en-US" dirty="0" smtClean="0"/>
+              <a:rPr lang="en-US" dirty="0"/>
               <a:t> (by default COUNT=5)</a:t>
             </a:r>
           </a:p>
           <a:p>
             <a:r>
-              <a:rPr lang="en-US" dirty="0" smtClean="0"/>
+              <a:rPr lang="en-US" dirty="0"/>
               <a:t>where N indicates the number of top N</a:t>
             </a:r>
-            <a:endParaRPr lang="en-US" dirty="0"/>
           </a:p>
         </p:txBody>
       </p:sp>
@@ -25162,10 +24789,9 @@
           </a:lstStyle>
           <a:p>
             <a:r>
-              <a:rPr lang="en-US" dirty="0" smtClean="0"/>
+              <a:rPr lang="en-US" dirty="0"/>
               <a:t>Options :</a:t>
             </a:r>
-            <a:endParaRPr lang="en-US" dirty="0"/>
           </a:p>
         </p:txBody>
       </p:sp>
@@ -25201,10 +24827,34 @@
                 <a:tableStyleId>{9DCAF9ED-07DC-4A11-8D7F-57B35C25682E}</a:tableStyleId>
               </a:tblPr>
               <a:tblGrid>
-                <a:gridCol w="2244292"/>
-                <a:gridCol w="1637844"/>
-                <a:gridCol w="1433114"/>
-                <a:gridCol w="2381434"/>
+                <a:gridCol w="2244292">
+                  <a:extLst>
+                    <a:ext uri="{9D8B030D-6E8A-4147-A177-3AD203B41FA5}">
+                      <a16:colId xmlns:a16="http://schemas.microsoft.com/office/drawing/2014/main" val="20000"/>
+                    </a:ext>
+                  </a:extLst>
+                </a:gridCol>
+                <a:gridCol w="1637844">
+                  <a:extLst>
+                    <a:ext uri="{9D8B030D-6E8A-4147-A177-3AD203B41FA5}">
+                      <a16:colId xmlns:a16="http://schemas.microsoft.com/office/drawing/2014/main" val="20001"/>
+                    </a:ext>
+                  </a:extLst>
+                </a:gridCol>
+                <a:gridCol w="1433114">
+                  <a:extLst>
+                    <a:ext uri="{9D8B030D-6E8A-4147-A177-3AD203B41FA5}">
+                      <a16:colId xmlns:a16="http://schemas.microsoft.com/office/drawing/2014/main" val="20002"/>
+                    </a:ext>
+                  </a:extLst>
+                </a:gridCol>
+                <a:gridCol w="2381434">
+                  <a:extLst>
+                    <a:ext uri="{9D8B030D-6E8A-4147-A177-3AD203B41FA5}">
+                      <a16:colId xmlns:a16="http://schemas.microsoft.com/office/drawing/2014/main" val="20003"/>
+                    </a:ext>
+                  </a:extLst>
+                </a:gridCol>
               </a:tblGrid>
               <a:tr h="378873">
                 <a:tc>
@@ -25221,7 +24871,7 @@
                         </a:spcAft>
                       </a:pPr>
                       <a:r>
-                        <a:rPr lang="en-GB" sz="1200" kern="1200" dirty="0" smtClean="0"/>
+                        <a:rPr lang="en-GB" sz="1200" kern="1200" dirty="0"/>
                         <a:t>Application Name</a:t>
                       </a:r>
                       <a:endParaRPr lang="fr-FR" sz="1200" b="1" kern="1200" dirty="0">
@@ -25285,7 +24935,7 @@
                         <a:defRPr/>
                       </a:pPr>
                       <a:r>
-                        <a:rPr lang="en-GB" sz="1200" b="1" kern="1200" dirty="0" smtClean="0">
+                        <a:rPr lang="en-GB" sz="1200" b="1" kern="1200" dirty="0">
                           <a:solidFill>
                             <a:schemeClr val="lt1"/>
                           </a:solidFill>
@@ -25296,7 +24946,7 @@
                         <a:t>Critical</a:t>
                       </a:r>
                       <a:r>
-                        <a:rPr lang="en-GB" sz="1200" b="1" kern="1200" baseline="0" dirty="0" smtClean="0">
+                        <a:rPr lang="en-GB" sz="1200" b="1" kern="1200" baseline="0" dirty="0">
                           <a:solidFill>
                             <a:schemeClr val="lt1"/>
                           </a:solidFill>
@@ -25306,7 +24956,7 @@
                         </a:rPr>
                         <a:t> Violations</a:t>
                       </a:r>
-                      <a:endParaRPr lang="fr-FR" sz="1200" b="1" kern="1200" dirty="0" smtClean="0">
+                      <a:endParaRPr lang="fr-FR" sz="1200" b="1" kern="1200" dirty="0">
                         <a:solidFill>
                           <a:schemeClr val="accent2">
                             <a:lumMod val="75000"/>
@@ -25358,7 +25008,7 @@
                         </a:spcAft>
                       </a:pPr>
                       <a:r>
-                        <a:rPr lang="fr-FR" sz="1200" kern="1200" dirty="0" smtClean="0"/>
+                        <a:rPr lang="fr-FR" sz="1200" kern="1200" dirty="0"/>
                         <a:t>TQI</a:t>
                       </a:r>
                       <a:endParaRPr lang="fr-FR" sz="1200" b="1" kern="1200" dirty="0">
@@ -25413,15 +25063,15 @@
                         </a:spcAft>
                       </a:pPr>
                       <a:r>
-                        <a:rPr lang="fr-FR" sz="1200" kern="1200" dirty="0" smtClean="0"/>
+                        <a:rPr lang="fr-FR" sz="1200" kern="1200" dirty="0"/>
                         <a:t>Last </a:t>
                       </a:r>
                       <a:r>
-                        <a:rPr lang="fr-FR" sz="1200" kern="1200" dirty="0" err="1" smtClean="0"/>
+                        <a:rPr lang="fr-FR" sz="1200" kern="1200" dirty="0" err="1"/>
                         <a:t>Analysis</a:t>
                       </a:r>
                       <a:r>
-                        <a:rPr lang="fr-FR" sz="1200" kern="1200" dirty="0" smtClean="0"/>
+                        <a:rPr lang="fr-FR" sz="1200" kern="1200" dirty="0"/>
                         <a:t> Date</a:t>
                       </a:r>
                       <a:endParaRPr lang="fr-FR" sz="1200" b="1" kern="1200" dirty="0">
@@ -25462,6 +25112,11 @@
                     </a:solidFill>
                   </a:tcPr>
                 </a:tc>
+                <a:extLst>
+                  <a:ext uri="{0D108BD9-81ED-4DB2-BD59-A6C34878D82A}">
+                    <a16:rowId xmlns:a16="http://schemas.microsoft.com/office/drawing/2014/main" val="10000"/>
+                  </a:ext>
+                </a:extLst>
               </a:tr>
               <a:tr h="378873">
                 <a:tc>
@@ -25478,7 +25133,7 @@
                         </a:spcAft>
                       </a:pPr>
                       <a:r>
-                        <a:rPr lang="en-GB" sz="1200" kern="1200" dirty="0" smtClean="0"/>
+                        <a:rPr lang="en-GB" sz="1200" kern="1200" dirty="0"/>
                         <a:t>App 1</a:t>
                       </a:r>
                       <a:endParaRPr lang="fr-FR" sz="1200" kern="1200" dirty="0">
@@ -25528,7 +25183,7 @@
                         </a:spcAft>
                       </a:pPr>
                       <a:r>
-                        <a:rPr lang="fr-FR" sz="1200" kern="1200" dirty="0" smtClean="0">
+                        <a:rPr lang="fr-FR" sz="1200" kern="1200" dirty="0">
                           <a:solidFill>
                             <a:schemeClr val="dk1"/>
                           </a:solidFill>
@@ -25538,14 +25193,6 @@
                         </a:rPr>
                         <a:t>0</a:t>
                       </a:r>
-                      <a:endParaRPr lang="fr-FR" sz="1200" kern="1200" dirty="0">
-                        <a:solidFill>
-                          <a:schemeClr val="dk1"/>
-                        </a:solidFill>
-                        <a:latin typeface="+mn-lt"/>
-                        <a:ea typeface="+mn-ea"/>
-                        <a:cs typeface="+mn-cs"/>
-                      </a:endParaRPr>
                     </a:p>
                   </a:txBody>
                   <a:tcPr marL="68580" marR="68580" marT="0" marB="0" anchor="ctr">
@@ -25585,7 +25232,7 @@
                         </a:spcAft>
                       </a:pPr>
                       <a:r>
-                        <a:rPr lang="fr-FR" sz="1200" kern="1200" dirty="0" smtClean="0"/>
+                        <a:rPr lang="fr-FR" sz="1200" kern="1200" dirty="0"/>
                         <a:t>0.00</a:t>
                       </a:r>
                       <a:endParaRPr lang="fr-FR" sz="1200" kern="1200" dirty="0">
@@ -25644,18 +25291,18 @@
                         <a:defRPr/>
                       </a:pPr>
                       <a:r>
-                        <a:rPr lang="en-GB" sz="1200" dirty="0" smtClean="0"/>
+                        <a:rPr lang="en-GB" sz="1200" dirty="0"/>
                         <a:t>1 </a:t>
                       </a:r>
                       <a:r>
-                        <a:rPr lang="en-GB" sz="1200" dirty="0" err="1" smtClean="0"/>
+                        <a:rPr lang="en-GB" sz="1200" dirty="0" err="1"/>
                         <a:t>jan</a:t>
                       </a:r>
                       <a:r>
-                        <a:rPr lang="en-GB" sz="1200" baseline="0" dirty="0" smtClean="0"/>
+                        <a:rPr lang="en-GB" sz="1200" baseline="0" dirty="0"/>
                         <a:t> 2010</a:t>
                       </a:r>
-                      <a:endParaRPr lang="fr-FR" sz="1600" dirty="0" smtClean="0">
+                      <a:endParaRPr lang="fr-FR" sz="1600" dirty="0">
                         <a:solidFill>
                           <a:schemeClr val="accent3">
                             <a:lumMod val="50000"/>
@@ -25690,6 +25337,11 @@
                     </a:lnBlToTr>
                   </a:tcPr>
                 </a:tc>
+                <a:extLst>
+                  <a:ext uri="{0D108BD9-81ED-4DB2-BD59-A6C34878D82A}">
+                    <a16:rowId xmlns:a16="http://schemas.microsoft.com/office/drawing/2014/main" val="10001"/>
+                  </a:ext>
+                </a:extLst>
               </a:tr>
               <a:tr h="378873">
                 <a:tc>
@@ -25706,10 +25358,10 @@
                         </a:spcAft>
                       </a:pPr>
                       <a:r>
-                        <a:rPr lang="en-GB" sz="1200" kern="1200" dirty="0" smtClean="0"/>
+                        <a:rPr lang="en-GB" sz="1200" kern="1200" dirty="0"/>
                         <a:t>App 2</a:t>
                       </a:r>
-                      <a:endParaRPr lang="fr-FR" sz="1200" kern="1200" dirty="0" smtClean="0">
+                      <a:endParaRPr lang="fr-FR" sz="1200" kern="1200" dirty="0">
                         <a:solidFill>
                           <a:schemeClr val="dk1"/>
                         </a:solidFill>
@@ -25756,7 +25408,7 @@
                         </a:spcAft>
                       </a:pPr>
                       <a:r>
-                        <a:rPr lang="fr-FR" sz="1200" kern="1200" dirty="0" smtClean="0">
+                        <a:rPr lang="fr-FR" sz="1200" kern="1200" dirty="0">
                           <a:solidFill>
                             <a:schemeClr val="dk1"/>
                           </a:solidFill>
@@ -25814,10 +25466,10 @@
                         <a:defRPr/>
                       </a:pPr>
                       <a:r>
-                        <a:rPr lang="fr-FR" sz="1200" kern="1200" dirty="0" smtClean="0"/>
+                        <a:rPr lang="fr-FR" sz="1200" kern="1200" dirty="0"/>
                         <a:t>0.00</a:t>
                       </a:r>
-                      <a:endParaRPr lang="fr-FR" sz="1200" kern="1200" dirty="0" smtClean="0">
+                      <a:endParaRPr lang="fr-FR" sz="1200" kern="1200" dirty="0">
                         <a:solidFill>
                           <a:schemeClr val="dk1"/>
                         </a:solidFill>
@@ -25873,18 +25525,18 @@
                         <a:defRPr/>
                       </a:pPr>
                       <a:r>
-                        <a:rPr lang="en-GB" sz="1200" dirty="0" smtClean="0"/>
+                        <a:rPr lang="en-GB" sz="1200" dirty="0"/>
                         <a:t>1 </a:t>
                       </a:r>
                       <a:r>
-                        <a:rPr lang="en-GB" sz="1200" dirty="0" err="1" smtClean="0"/>
+                        <a:rPr lang="en-GB" sz="1200" dirty="0" err="1"/>
                         <a:t>jan</a:t>
                       </a:r>
                       <a:r>
-                        <a:rPr lang="en-GB" sz="1200" baseline="0" dirty="0" smtClean="0"/>
+                        <a:rPr lang="en-GB" sz="1200" baseline="0" dirty="0"/>
                         <a:t> 2010</a:t>
                       </a:r>
-                      <a:endParaRPr lang="fr-FR" sz="1600" dirty="0" smtClean="0">
+                      <a:endParaRPr lang="fr-FR" sz="1600" dirty="0">
                         <a:solidFill>
                           <a:schemeClr val="accent3">
                             <a:lumMod val="50000"/>
@@ -25919,6 +25571,11 @@
                     </a:lnBlToTr>
                   </a:tcPr>
                 </a:tc>
+                <a:extLst>
+                  <a:ext uri="{0D108BD9-81ED-4DB2-BD59-A6C34878D82A}">
+                    <a16:rowId xmlns:a16="http://schemas.microsoft.com/office/drawing/2014/main" val="10002"/>
+                  </a:ext>
+                </a:extLst>
               </a:tr>
               <a:tr h="378873">
                 <a:tc>
@@ -25935,7 +25592,7 @@
                         </a:spcAft>
                       </a:pPr>
                       <a:r>
-                        <a:rPr lang="en-GB" sz="1200" kern="1200" dirty="0" smtClean="0"/>
+                        <a:rPr lang="en-GB" sz="1200" kern="1200" dirty="0"/>
                         <a:t>App 3</a:t>
                       </a:r>
                       <a:endParaRPr lang="fr-FR" sz="1200" kern="1200" dirty="0">
@@ -25985,7 +25642,7 @@
                         </a:spcAft>
                       </a:pPr>
                       <a:r>
-                        <a:rPr lang="fr-FR" sz="1200" kern="1200" dirty="0" smtClean="0">
+                        <a:rPr lang="fr-FR" sz="1200" kern="1200" dirty="0">
                           <a:solidFill>
                             <a:schemeClr val="dk1"/>
                           </a:solidFill>
@@ -25995,14 +25652,6 @@
                         </a:rPr>
                         <a:t>0</a:t>
                       </a:r>
-                      <a:endParaRPr lang="fr-FR" sz="1200" kern="1200" dirty="0">
-                        <a:solidFill>
-                          <a:schemeClr val="dk1"/>
-                        </a:solidFill>
-                        <a:latin typeface="+mn-lt"/>
-                        <a:ea typeface="+mn-ea"/>
-                        <a:cs typeface="+mn-cs"/>
-                      </a:endParaRPr>
                     </a:p>
                   </a:txBody>
                   <a:tcPr marL="68580" marR="68580" marT="0" marB="0" anchor="ctr">
@@ -26051,10 +25700,10 @@
                         <a:defRPr/>
                       </a:pPr>
                       <a:r>
-                        <a:rPr lang="fr-FR" sz="1200" kern="1200" dirty="0" smtClean="0"/>
+                        <a:rPr lang="fr-FR" sz="1200" kern="1200" dirty="0"/>
                         <a:t>0.00</a:t>
                       </a:r>
-                      <a:endParaRPr lang="fr-FR" sz="1200" kern="1200" dirty="0" smtClean="0">
+                      <a:endParaRPr lang="fr-FR" sz="1200" kern="1200" dirty="0">
                         <a:solidFill>
                           <a:schemeClr val="dk1"/>
                         </a:solidFill>
@@ -26101,15 +25750,15 @@
                         </a:spcAft>
                       </a:pPr>
                       <a:r>
-                        <a:rPr lang="en-GB" sz="1200" dirty="0" smtClean="0"/>
+                        <a:rPr lang="en-GB" sz="1200" dirty="0"/>
                         <a:t>1 </a:t>
                       </a:r>
                       <a:r>
-                        <a:rPr lang="en-GB" sz="1200" dirty="0" err="1" smtClean="0"/>
+                        <a:rPr lang="en-GB" sz="1200" dirty="0" err="1"/>
                         <a:t>jan</a:t>
                       </a:r>
                       <a:r>
-                        <a:rPr lang="en-GB" sz="1200" baseline="0" dirty="0" smtClean="0"/>
+                        <a:rPr lang="en-GB" sz="1200" baseline="0" dirty="0"/>
                         <a:t> 2010</a:t>
                       </a:r>
                       <a:endParaRPr lang="fr-FR" sz="1200" kern="1200" dirty="0">
@@ -26145,6 +25794,11 @@
                     </a:lnBlToTr>
                   </a:tcPr>
                 </a:tc>
+                <a:extLst>
+                  <a:ext uri="{0D108BD9-81ED-4DB2-BD59-A6C34878D82A}">
+                    <a16:rowId xmlns:a16="http://schemas.microsoft.com/office/drawing/2014/main" val="10003"/>
+                  </a:ext>
+                </a:extLst>
               </a:tr>
               <a:tr h="378873">
                 <a:tc>
@@ -26161,7 +25815,7 @@
                         </a:spcAft>
                       </a:pPr>
                       <a:r>
-                        <a:rPr lang="en-GB" sz="1200" kern="1200" dirty="0" smtClean="0"/>
+                        <a:rPr lang="en-GB" sz="1200" kern="1200" dirty="0"/>
                         <a:t>App 4</a:t>
                       </a:r>
                       <a:endParaRPr lang="fr-FR" sz="1200" kern="1200" dirty="0">
@@ -26211,7 +25865,7 @@
                         </a:spcAft>
                       </a:pPr>
                       <a:r>
-                        <a:rPr lang="fr-FR" sz="1200" kern="1200" dirty="0" smtClean="0">
+                        <a:rPr lang="fr-FR" sz="1200" kern="1200" dirty="0">
                           <a:solidFill>
                             <a:schemeClr val="dk1"/>
                           </a:solidFill>
@@ -26221,14 +25875,6 @@
                         </a:rPr>
                         <a:t>0</a:t>
                       </a:r>
-                      <a:endParaRPr lang="fr-FR" sz="1200" kern="1200" dirty="0">
-                        <a:solidFill>
-                          <a:schemeClr val="dk1"/>
-                        </a:solidFill>
-                        <a:latin typeface="+mn-lt"/>
-                        <a:ea typeface="+mn-ea"/>
-                        <a:cs typeface="+mn-cs"/>
-                      </a:endParaRPr>
                     </a:p>
                   </a:txBody>
                   <a:tcPr marL="68580" marR="68580" marT="0" marB="0" anchor="ctr">
@@ -26277,10 +25923,10 @@
                         <a:defRPr/>
                       </a:pPr>
                       <a:r>
-                        <a:rPr lang="fr-FR" sz="1200" kern="1200" dirty="0" smtClean="0"/>
+                        <a:rPr lang="fr-FR" sz="1200" kern="1200" dirty="0"/>
                         <a:t>0.00</a:t>
                       </a:r>
-                      <a:endParaRPr lang="fr-FR" sz="1200" kern="1200" dirty="0" smtClean="0">
+                      <a:endParaRPr lang="fr-FR" sz="1200" kern="1200" dirty="0">
                         <a:solidFill>
                           <a:schemeClr val="dk1"/>
                         </a:solidFill>
@@ -26327,15 +25973,15 @@
                         </a:spcAft>
                       </a:pPr>
                       <a:r>
-                        <a:rPr lang="en-GB" sz="1200" dirty="0" smtClean="0"/>
+                        <a:rPr lang="en-GB" sz="1200" dirty="0"/>
                         <a:t>1 </a:t>
                       </a:r>
                       <a:r>
-                        <a:rPr lang="en-GB" sz="1200" dirty="0" err="1" smtClean="0"/>
+                        <a:rPr lang="en-GB" sz="1200" dirty="0" err="1"/>
                         <a:t>jan</a:t>
                       </a:r>
                       <a:r>
-                        <a:rPr lang="en-GB" sz="1200" baseline="0" dirty="0" smtClean="0"/>
+                        <a:rPr lang="en-GB" sz="1200" baseline="0" dirty="0"/>
                         <a:t> 2010</a:t>
                       </a:r>
                       <a:endParaRPr lang="fr-FR" sz="1200" kern="1200" dirty="0">
@@ -26371,6 +26017,11 @@
                     </a:lnBlToTr>
                   </a:tcPr>
                 </a:tc>
+                <a:extLst>
+                  <a:ext uri="{0D108BD9-81ED-4DB2-BD59-A6C34878D82A}">
+                    <a16:rowId xmlns:a16="http://schemas.microsoft.com/office/drawing/2014/main" val="10004"/>
+                  </a:ext>
+                </a:extLst>
               </a:tr>
               <a:tr h="378873">
                 <a:tc>
@@ -26387,7 +26038,7 @@
                         </a:spcAft>
                       </a:pPr>
                       <a:r>
-                        <a:rPr lang="en-GB" sz="1200" kern="1200" dirty="0" smtClean="0"/>
+                        <a:rPr lang="en-GB" sz="1200" kern="1200" dirty="0"/>
                         <a:t>App 5</a:t>
                       </a:r>
                       <a:endParaRPr lang="fr-FR" sz="1200" kern="1200" dirty="0">
@@ -26437,7 +26088,7 @@
                         </a:spcAft>
                       </a:pPr>
                       <a:r>
-                        <a:rPr lang="fr-FR" sz="1200" kern="1200" dirty="0" smtClean="0">
+                        <a:rPr lang="fr-FR" sz="1200" kern="1200" dirty="0">
                           <a:solidFill>
                             <a:schemeClr val="dk1"/>
                           </a:solidFill>
@@ -26447,14 +26098,6 @@
                         </a:rPr>
                         <a:t>0</a:t>
                       </a:r>
-                      <a:endParaRPr lang="fr-FR" sz="1200" kern="1200" dirty="0">
-                        <a:solidFill>
-                          <a:schemeClr val="dk1"/>
-                        </a:solidFill>
-                        <a:latin typeface="+mn-lt"/>
-                        <a:ea typeface="+mn-ea"/>
-                        <a:cs typeface="+mn-cs"/>
-                      </a:endParaRPr>
                     </a:p>
                   </a:txBody>
                   <a:tcPr marL="68580" marR="68580" marT="0" marB="0" anchor="ctr">
@@ -26503,10 +26146,10 @@
                         <a:defRPr/>
                       </a:pPr>
                       <a:r>
-                        <a:rPr lang="fr-FR" sz="1200" kern="1200" dirty="0" smtClean="0"/>
+                        <a:rPr lang="fr-FR" sz="1200" kern="1200" dirty="0"/>
                         <a:t>0.00</a:t>
                       </a:r>
-                      <a:endParaRPr lang="fr-FR" sz="1200" kern="1200" dirty="0" smtClean="0">
+                      <a:endParaRPr lang="fr-FR" sz="1200" kern="1200" dirty="0">
                         <a:solidFill>
                           <a:schemeClr val="dk1"/>
                         </a:solidFill>
@@ -26553,15 +26196,15 @@
                         </a:spcAft>
                       </a:pPr>
                       <a:r>
-                        <a:rPr lang="en-GB" sz="1200" dirty="0" smtClean="0"/>
+                        <a:rPr lang="en-GB" sz="1200" dirty="0"/>
                         <a:t>1 </a:t>
                       </a:r>
                       <a:r>
-                        <a:rPr lang="en-GB" sz="1200" dirty="0" err="1" smtClean="0"/>
+                        <a:rPr lang="en-GB" sz="1200" dirty="0" err="1"/>
                         <a:t>jan</a:t>
                       </a:r>
                       <a:r>
-                        <a:rPr lang="en-GB" sz="1200" baseline="0" dirty="0" smtClean="0"/>
+                        <a:rPr lang="en-GB" sz="1200" baseline="0" dirty="0"/>
                         <a:t> 2010</a:t>
                       </a:r>
                       <a:endParaRPr lang="fr-FR" sz="1200" kern="1200" dirty="0">
@@ -26597,6 +26240,11 @@
                     </a:lnBlToTr>
                   </a:tcPr>
                 </a:tc>
+                <a:extLst>
+                  <a:ext uri="{0D108BD9-81ED-4DB2-BD59-A6C34878D82A}">
+                    <a16:rowId xmlns:a16="http://schemas.microsoft.com/office/drawing/2014/main" val="10005"/>
+                  </a:ext>
+                </a:extLst>
               </a:tr>
             </a:tbl>
           </a:graphicData>
@@ -26638,22 +26286,21 @@
           </a:lstStyle>
           <a:p>
             <a:r>
-              <a:rPr lang="en-US" sz="1800" b="1" dirty="0" smtClean="0"/>
+              <a:rPr lang="en-US" sz="1800" b="1" dirty="0"/>
               <a:t>ALT=N</a:t>
             </a:r>
             <a:r>
-              <a:rPr lang="en-US" sz="1800" dirty="0" smtClean="0"/>
+              <a:rPr lang="en-US" sz="1800" dirty="0"/>
               <a:t> (where N is an health factor id - </a:t>
             </a:r>
             <a:r>
-              <a:rPr lang="en-US" sz="1800" dirty="0" err="1" smtClean="0"/>
+              <a:rPr lang="en-US" sz="1800" dirty="0" err="1"/>
               <a:t>eg</a:t>
             </a:r>
             <a:r>
-              <a:rPr lang="en-US" sz="1800" dirty="0" smtClean="0"/>
+              <a:rPr lang="en-US" sz="1800" dirty="0"/>
               <a:t>. 60017)</a:t>
             </a:r>
-            <a:endParaRPr lang="en-US" sz="1800" dirty="0"/>
           </a:p>
         </p:txBody>
       </p:sp>
@@ -26667,13 +26314,6 @@
   <p:clrMapOvr>
     <a:masterClrMapping/>
   </p:clrMapOvr>
-  <p:timing>
-    <p:tnLst>
-      <p:par>
-        <p:cTn id="1" dur="indefinite" restart="never" nodeType="tmRoot"/>
-      </p:par>
-    </p:tnLst>
-  </p:timing>
 </p:sld>
 </file>
 
@@ -26712,10 +26352,9 @@
           <a:lstStyle/>
           <a:p>
             <a:r>
-              <a:rPr lang="en-US" dirty="0" smtClean="0"/>
+              <a:rPr lang="en-US" dirty="0"/>
               <a:t>PowerPoint Templates – Tables</a:t>
             </a:r>
-            <a:endParaRPr lang="en-US" dirty="0"/>
           </a:p>
         </p:txBody>
       </p:sp>
@@ -26809,10 +26448,9 @@
           </a:lstStyle>
           <a:p>
             <a:r>
-              <a:rPr lang="en-US" dirty="0" smtClean="0"/>
+              <a:rPr lang="en-US" dirty="0"/>
               <a:t>SLA View</a:t>
             </a:r>
-            <a:endParaRPr lang="en-US" dirty="0"/>
           </a:p>
         </p:txBody>
       </p:sp>
@@ -26850,10 +26488,9 @@
           </a:lstStyle>
           <a:p>
             <a:r>
-              <a:rPr lang="en-US" sz="1800" dirty="0" smtClean="0"/>
+              <a:rPr lang="en-US" sz="1800" dirty="0"/>
               <a:t>PF_BC_RELEASE_PERFORMANCE</a:t>
             </a:r>
-            <a:endParaRPr lang="en-US" sz="1800" dirty="0"/>
           </a:p>
         </p:txBody>
       </p:sp>
@@ -26893,10 +26530,9 @@
           </a:lstStyle>
           <a:p>
             <a:r>
-              <a:rPr lang="en-US" dirty="0" smtClean="0"/>
+              <a:rPr lang="en-US" dirty="0"/>
               <a:t>Block Name :</a:t>
             </a:r>
-            <a:endParaRPr lang="en-US" dirty="0"/>
           </a:p>
         </p:txBody>
       </p:sp>
@@ -26936,62 +26572,22 @@
           </a:lstStyle>
           <a:p>
             <a:r>
-              <a:rPr lang="en-US" sz="1200" dirty="0" smtClean="0"/>
-              <a:t>BF=T1 T2 T3 </a:t>
-            </a:r>
-            <a:r>
               <a:rPr lang="en-US" sz="1200" dirty="0"/>
-              <a:t>T</a:t>
-            </a:r>
-            <a:r>
-              <a:rPr lang="en-US" sz="1200" dirty="0" smtClean="0"/>
-              <a:t>4 T5 </a:t>
+              <a:t>BF=T1 T2 T3 T4 T5 T6 T7 T8 where </a:t>
+            </a:r>
+            <a:r>
+              <a:rPr lang="en-US" sz="1200" dirty="0" err="1"/>
+              <a:t>Tx</a:t>
             </a:r>
             <a:r>
               <a:rPr lang="en-US" sz="1200" dirty="0"/>
-              <a:t>T</a:t>
-            </a:r>
-            <a:r>
-              <a:rPr lang="en-US" sz="1200" dirty="0" smtClean="0"/>
-              <a:t>6 </a:t>
-            </a:r>
+              <a:t> is a target to fix regarding each line</a:t>
+            </a:r>
+          </a:p>
+          <a:p>
             <a:r>
               <a:rPr lang="en-US" sz="1200" dirty="0"/>
-              <a:t>T</a:t>
-            </a:r>
-            <a:r>
-              <a:rPr lang="en-US" sz="1200" dirty="0" smtClean="0"/>
-              <a:t>7 </a:t>
-            </a:r>
-            <a:r>
-              <a:rPr lang="en-US" sz="1200" dirty="0"/>
-              <a:t>T</a:t>
-            </a:r>
-            <a:r>
-              <a:rPr lang="en-US" sz="1200" dirty="0" smtClean="0"/>
-              <a:t>8 where </a:t>
-            </a:r>
-            <a:r>
-              <a:rPr lang="en-US" sz="1200" dirty="0" err="1"/>
-              <a:t>T</a:t>
-            </a:r>
-            <a:r>
-              <a:rPr lang="en-US" sz="1200" dirty="0" err="1" smtClean="0"/>
-              <a:t>x</a:t>
-            </a:r>
-            <a:r>
-              <a:rPr lang="en-US" sz="1200" dirty="0" smtClean="0"/>
-              <a:t> is a target to fix regarding each line</a:t>
-            </a:r>
-          </a:p>
-          <a:p>
-            <a:r>
-              <a:rPr lang="en-US" sz="1200" dirty="0" smtClean="0"/>
-              <a:t>SLA=X Y where X is corresponding to the 2% and Y is corresponding to the 5% </a:t>
-            </a:r>
-            <a:r>
-              <a:rPr lang="en-US" sz="1200" dirty="0"/>
-              <a:t>in the formula below </a:t>
+              <a:t>SLA=X Y where X is corresponding to the 2% and Y is corresponding to the 5% in the formula below </a:t>
             </a:r>
           </a:p>
         </p:txBody>
@@ -27032,10 +26628,9 @@
           </a:lstStyle>
           <a:p>
             <a:r>
-              <a:rPr lang="en-US" dirty="0" smtClean="0"/>
+              <a:rPr lang="en-US" dirty="0"/>
               <a:t>Options :</a:t>
             </a:r>
-            <a:endParaRPr lang="en-US" dirty="0"/>
           </a:p>
         </p:txBody>
       </p:sp>
@@ -27064,11 +26659,41 @@
                 <a:tableStyleId>{6E25E649-3F16-4E02-A733-19D2CDBF48F0}</a:tableStyleId>
               </a:tblPr>
               <a:tblGrid>
-                <a:gridCol w="2880320"/>
-                <a:gridCol w="1320733"/>
-                <a:gridCol w="1095927"/>
-                <a:gridCol w="913272"/>
-                <a:gridCol w="1278582"/>
+                <a:gridCol w="2880320">
+                  <a:extLst>
+                    <a:ext uri="{9D8B030D-6E8A-4147-A177-3AD203B41FA5}">
+                      <a16:colId xmlns:a16="http://schemas.microsoft.com/office/drawing/2014/main" val="20000"/>
+                    </a:ext>
+                  </a:extLst>
+                </a:gridCol>
+                <a:gridCol w="1320733">
+                  <a:extLst>
+                    <a:ext uri="{9D8B030D-6E8A-4147-A177-3AD203B41FA5}">
+                      <a16:colId xmlns:a16="http://schemas.microsoft.com/office/drawing/2014/main" val="20001"/>
+                    </a:ext>
+                  </a:extLst>
+                </a:gridCol>
+                <a:gridCol w="1095927">
+                  <a:extLst>
+                    <a:ext uri="{9D8B030D-6E8A-4147-A177-3AD203B41FA5}">
+                      <a16:colId xmlns:a16="http://schemas.microsoft.com/office/drawing/2014/main" val="20002"/>
+                    </a:ext>
+                  </a:extLst>
+                </a:gridCol>
+                <a:gridCol w="913272">
+                  <a:extLst>
+                    <a:ext uri="{9D8B030D-6E8A-4147-A177-3AD203B41FA5}">
+                      <a16:colId xmlns:a16="http://schemas.microsoft.com/office/drawing/2014/main" val="20003"/>
+                    </a:ext>
+                  </a:extLst>
+                </a:gridCol>
+                <a:gridCol w="1278582">
+                  <a:extLst>
+                    <a:ext uri="{9D8B030D-6E8A-4147-A177-3AD203B41FA5}">
+                      <a16:colId xmlns:a16="http://schemas.microsoft.com/office/drawing/2014/main" val="20004"/>
+                    </a:ext>
+                  </a:extLst>
+                </a:gridCol>
               </a:tblGrid>
               <a:tr h="483514">
                 <a:tc>
@@ -27085,7 +26710,7 @@
                         </a:spcAft>
                       </a:pPr>
                       <a:r>
-                        <a:rPr lang="en-US" sz="1100" dirty="0" smtClean="0">
+                        <a:rPr lang="en-US" sz="1100" dirty="0">
                           <a:effectLst/>
                         </a:rPr>
                         <a:t>Application Quality Measure</a:t>
@@ -27117,7 +26742,7 @@
                         </a:spcAft>
                       </a:pPr>
                       <a:r>
-                        <a:rPr lang="en-US" sz="1100" kern="1200" dirty="0" smtClean="0">
+                        <a:rPr lang="en-US" sz="1100" kern="1200" dirty="0">
                           <a:solidFill>
                             <a:schemeClr val="dk1"/>
                           </a:solidFill>
@@ -27155,19 +26780,19 @@
                         </a:spcAft>
                       </a:pPr>
                       <a:r>
-                        <a:rPr lang="en-US" sz="1100" kern="1200" dirty="0" smtClean="0">
+                        <a:rPr lang="en-US" sz="1100" kern="1200" dirty="0">
                           <a:effectLst/>
                         </a:rPr>
                         <a:t>Target</a:t>
                       </a:r>
                       <a:r>
-                        <a:rPr lang="en-US" sz="1100" kern="1200" baseline="0" dirty="0" smtClean="0">
+                        <a:rPr lang="en-US" sz="1100" kern="1200" baseline="0" dirty="0">
                           <a:effectLst/>
                         </a:rPr>
                         <a:t> s</a:t>
                       </a:r>
                       <a:r>
-                        <a:rPr lang="en-US" sz="1100" kern="1200" dirty="0" smtClean="0">
+                        <a:rPr lang="en-US" sz="1100" kern="1200" dirty="0">
                           <a:effectLst/>
                         </a:rPr>
                         <a:t>core</a:t>
@@ -27199,7 +26824,7 @@
                         </a:spcAft>
                       </a:pPr>
                       <a:r>
-                        <a:rPr lang="en-US" sz="1100" dirty="0" smtClean="0">
+                        <a:rPr lang="en-US" sz="1100" dirty="0">
                           <a:effectLst/>
                         </a:rPr>
                         <a:t>Actual score</a:t>
@@ -27222,7 +26847,7 @@
                         </a:spcAft>
                       </a:pPr>
                       <a:r>
-                        <a:rPr lang="en-US" sz="1100" dirty="0" smtClean="0">
+                        <a:rPr lang="en-US" sz="1100" dirty="0">
                           <a:effectLst/>
                         </a:rPr>
                         <a:t>SLA Assessment</a:t>
@@ -27231,6 +26856,11 @@
                   </a:txBody>
                   <a:tcPr marL="68580" marR="68580" marT="0" marB="0" anchor="ctr"/>
                 </a:tc>
+                <a:extLst>
+                  <a:ext uri="{0D108BD9-81ED-4DB2-BD59-A6C34878D82A}">
+                    <a16:rowId xmlns:a16="http://schemas.microsoft.com/office/drawing/2014/main" val="10000"/>
+                  </a:ext>
+                </a:extLst>
               </a:tr>
               <a:tr h="276729">
                 <a:tc>
@@ -27256,12 +26886,12 @@
                         <a:defRPr/>
                       </a:pPr>
                       <a:r>
-                        <a:rPr lang="en-US" sz="1100" dirty="0" smtClean="0">
+                        <a:rPr lang="en-US" sz="1100" dirty="0">
                           <a:effectLst/>
                         </a:rPr>
                         <a:t>Robustness</a:t>
                       </a:r>
-                      <a:endParaRPr lang="en-IN" sz="1100" dirty="0" smtClean="0">
+                      <a:endParaRPr lang="en-IN" sz="1100" dirty="0">
                         <a:solidFill>
                           <a:srgbClr val="365F91"/>
                         </a:solidFill>
@@ -27288,7 +26918,7 @@
                         </a:spcAft>
                       </a:pPr>
                       <a:r>
-                        <a:rPr lang="fr-FR" sz="1100" kern="1200" dirty="0" smtClean="0"/>
+                        <a:rPr lang="fr-FR" sz="1100" kern="1200" dirty="0"/>
                         <a:t>0.00</a:t>
                       </a:r>
                       <a:endParaRPr lang="en-IN" sz="1100" dirty="0">
@@ -27327,10 +26957,10 @@
                         <a:defRPr/>
                       </a:pPr>
                       <a:r>
-                        <a:rPr lang="fr-FR" sz="1100" kern="1200" dirty="0" smtClean="0"/>
+                        <a:rPr lang="fr-FR" sz="1100" kern="1200" dirty="0"/>
                         <a:t>0.00</a:t>
                       </a:r>
-                      <a:endParaRPr lang="fr-FR" sz="1100" kern="1200" dirty="0" smtClean="0">
+                      <a:endParaRPr lang="fr-FR" sz="1100" kern="1200" dirty="0">
                         <a:solidFill>
                           <a:schemeClr val="dk1"/>
                         </a:solidFill>
@@ -27356,7 +26986,7 @@
                         </a:spcAft>
                       </a:pPr>
                       <a:r>
-                        <a:rPr lang="fr-FR" sz="1100" kern="1200" dirty="0" smtClean="0"/>
+                        <a:rPr lang="fr-FR" sz="1100" kern="1200" dirty="0"/>
                         <a:t>0.00</a:t>
                       </a:r>
                       <a:endParaRPr lang="en-IN" sz="1100" dirty="0">
@@ -27386,7 +27016,7 @@
                         </a:spcAft>
                       </a:pPr>
                       <a:r>
-                        <a:rPr lang="en-US" sz="1100" dirty="0" smtClean="0">
+                        <a:rPr lang="en-US" sz="1100" dirty="0">
                           <a:effectLst/>
                         </a:rPr>
                         <a:t>Good</a:t>
@@ -27404,6 +27034,11 @@
                   </a:txBody>
                   <a:tcPr marL="68580" marR="68580" marT="0" marB="0" anchor="ctr"/>
                 </a:tc>
+                <a:extLst>
+                  <a:ext uri="{0D108BD9-81ED-4DB2-BD59-A6C34878D82A}">
+                    <a16:rowId xmlns:a16="http://schemas.microsoft.com/office/drawing/2014/main" val="10001"/>
+                  </a:ext>
+                </a:extLst>
               </a:tr>
               <a:tr h="276729">
                 <a:tc>
@@ -27429,12 +27064,12 @@
                         <a:defRPr/>
                       </a:pPr>
                       <a:r>
-                        <a:rPr lang="en-US" sz="1100" dirty="0" smtClean="0">
+                        <a:rPr lang="en-US" sz="1100" dirty="0">
                           <a:effectLst/>
                         </a:rPr>
                         <a:t>Security</a:t>
                       </a:r>
-                      <a:endParaRPr lang="en-IN" sz="1100" dirty="0" smtClean="0">
+                      <a:endParaRPr lang="en-IN" sz="1100" dirty="0">
                         <a:solidFill>
                           <a:srgbClr val="365F91"/>
                         </a:solidFill>
@@ -27461,7 +27096,7 @@
                         </a:spcAft>
                       </a:pPr>
                       <a:r>
-                        <a:rPr lang="fr-FR" sz="1100" kern="1200" dirty="0" smtClean="0"/>
+                        <a:rPr lang="fr-FR" sz="1100" kern="1200" dirty="0"/>
                         <a:t>0.00</a:t>
                       </a:r>
                       <a:endParaRPr lang="en-IN" sz="1100" dirty="0">
@@ -27500,10 +27135,10 @@
                         <a:defRPr/>
                       </a:pPr>
                       <a:r>
-                        <a:rPr lang="fr-FR" sz="1100" kern="1200" dirty="0" smtClean="0"/>
+                        <a:rPr lang="fr-FR" sz="1100" kern="1200" dirty="0"/>
                         <a:t>0.00</a:t>
                       </a:r>
-                      <a:endParaRPr lang="fr-FR" sz="1100" kern="1200" dirty="0" smtClean="0">
+                      <a:endParaRPr lang="fr-FR" sz="1100" kern="1200" dirty="0">
                         <a:solidFill>
                           <a:schemeClr val="dk1"/>
                         </a:solidFill>
@@ -27529,7 +27164,7 @@
                         </a:spcAft>
                       </a:pPr>
                       <a:r>
-                        <a:rPr lang="fr-FR" sz="1100" kern="1200" dirty="0" smtClean="0"/>
+                        <a:rPr lang="fr-FR" sz="1100" kern="1200" dirty="0"/>
                         <a:t>0.00</a:t>
                       </a:r>
                       <a:endParaRPr lang="en-IN" sz="1100" dirty="0">
@@ -27568,12 +27203,12 @@
                         <a:defRPr/>
                       </a:pPr>
                       <a:r>
-                        <a:rPr lang="en-US" sz="1100" dirty="0" smtClean="0">
+                        <a:rPr lang="en-US" sz="1100" dirty="0">
                           <a:effectLst/>
                         </a:rPr>
                         <a:t>Good</a:t>
                       </a:r>
-                      <a:endParaRPr lang="en-IN" sz="1100" dirty="0" smtClean="0">
+                      <a:endParaRPr lang="en-IN" sz="1100" dirty="0">
                         <a:solidFill>
                           <a:schemeClr val="tx1"/>
                         </a:solidFill>
@@ -27586,6 +27221,11 @@
                   </a:txBody>
                   <a:tcPr marL="68580" marR="68580" marT="0" marB="0" anchor="ctr"/>
                 </a:tc>
+                <a:extLst>
+                  <a:ext uri="{0D108BD9-81ED-4DB2-BD59-A6C34878D82A}">
+                    <a16:rowId xmlns:a16="http://schemas.microsoft.com/office/drawing/2014/main" val="10002"/>
+                  </a:ext>
+                </a:extLst>
               </a:tr>
               <a:tr h="276729">
                 <a:tc>
@@ -27602,7 +27242,7 @@
                         </a:spcAft>
                       </a:pPr>
                       <a:r>
-                        <a:rPr lang="en-US" sz="1100" dirty="0" smtClean="0">
+                        <a:rPr lang="en-US" sz="1100" dirty="0">
                           <a:effectLst/>
                         </a:rPr>
                         <a:t>Efficiency</a:t>
@@ -27634,7 +27274,7 @@
                         </a:spcAft>
                       </a:pPr>
                       <a:r>
-                        <a:rPr lang="fr-FR" sz="1100" kern="1200" dirty="0" smtClean="0"/>
+                        <a:rPr lang="fr-FR" sz="1100" kern="1200" dirty="0"/>
                         <a:t>0.00</a:t>
                       </a:r>
                       <a:endParaRPr lang="en-IN" sz="1100" dirty="0">
@@ -27673,10 +27313,10 @@
                         <a:defRPr/>
                       </a:pPr>
                       <a:r>
-                        <a:rPr lang="fr-FR" sz="1100" kern="1200" dirty="0" smtClean="0"/>
+                        <a:rPr lang="fr-FR" sz="1100" kern="1200" dirty="0"/>
                         <a:t>0.00</a:t>
                       </a:r>
-                      <a:endParaRPr lang="en-IN" sz="1100" dirty="0" smtClean="0">
+                      <a:endParaRPr lang="en-IN" sz="1100" dirty="0">
                         <a:solidFill>
                           <a:srgbClr val="365F91"/>
                         </a:solidFill>
@@ -27703,7 +27343,7 @@
                         </a:spcAft>
                       </a:pPr>
                       <a:r>
-                        <a:rPr lang="fr-FR" sz="1100" kern="1200" dirty="0" smtClean="0"/>
+                        <a:rPr lang="fr-FR" sz="1100" kern="1200" dirty="0"/>
                         <a:t>0.00</a:t>
                       </a:r>
                       <a:endParaRPr lang="en-IN" sz="1100" dirty="0">
@@ -27742,12 +27382,12 @@
                         <a:defRPr/>
                       </a:pPr>
                       <a:r>
-                        <a:rPr lang="en-US" sz="1100" dirty="0" smtClean="0">
+                        <a:rPr lang="en-US" sz="1100" dirty="0">
                           <a:effectLst/>
                         </a:rPr>
                         <a:t>Good</a:t>
                       </a:r>
-                      <a:endParaRPr lang="en-IN" sz="1100" dirty="0" smtClean="0">
+                      <a:endParaRPr lang="en-IN" sz="1100" dirty="0">
                         <a:solidFill>
                           <a:schemeClr val="tx1"/>
                         </a:solidFill>
@@ -27760,6 +27400,11 @@
                   </a:txBody>
                   <a:tcPr marL="68580" marR="68580" marT="0" marB="0" anchor="ctr"/>
                 </a:tc>
+                <a:extLst>
+                  <a:ext uri="{0D108BD9-81ED-4DB2-BD59-A6C34878D82A}">
+                    <a16:rowId xmlns:a16="http://schemas.microsoft.com/office/drawing/2014/main" val="10003"/>
+                  </a:ext>
+                </a:extLst>
               </a:tr>
               <a:tr h="276729">
                 <a:tc>
@@ -27776,7 +27421,7 @@
                         </a:spcAft>
                       </a:pPr>
                       <a:r>
-                        <a:rPr lang="en-US" sz="1100" dirty="0" smtClean="0">
+                        <a:rPr lang="en-US" sz="1100" dirty="0">
                           <a:effectLst/>
                         </a:rPr>
                         <a:t>Changeability</a:t>
@@ -27808,7 +27453,7 @@
                         </a:spcAft>
                       </a:pPr>
                       <a:r>
-                        <a:rPr lang="fr-FR" sz="1100" kern="1200" dirty="0" smtClean="0"/>
+                        <a:rPr lang="fr-FR" sz="1100" kern="1200" dirty="0"/>
                         <a:t>0.00</a:t>
                       </a:r>
                       <a:endParaRPr lang="en-IN" sz="1100" dirty="0">
@@ -27838,7 +27483,7 @@
                         </a:spcAft>
                       </a:pPr>
                       <a:r>
-                        <a:rPr lang="fr-FR" sz="1100" kern="1200" dirty="0" smtClean="0"/>
+                        <a:rPr lang="fr-FR" sz="1100" kern="1200" dirty="0"/>
                         <a:t>0.00</a:t>
                       </a:r>
                       <a:endParaRPr lang="en-IN" sz="1100" dirty="0">
@@ -27868,7 +27513,7 @@
                         </a:spcAft>
                       </a:pPr>
                       <a:r>
-                        <a:rPr lang="fr-FR" sz="1100" kern="1200" dirty="0" smtClean="0"/>
+                        <a:rPr lang="fr-FR" sz="1100" kern="1200" dirty="0"/>
                         <a:t>0.00</a:t>
                       </a:r>
                       <a:endParaRPr lang="en-IN" sz="1100" dirty="0">
@@ -27907,12 +27552,12 @@
                         <a:defRPr/>
                       </a:pPr>
                       <a:r>
-                        <a:rPr lang="en-US" sz="1100" dirty="0" smtClean="0">
+                        <a:rPr lang="en-US" sz="1100" dirty="0">
                           <a:effectLst/>
                         </a:rPr>
                         <a:t>Good</a:t>
                       </a:r>
-                      <a:endParaRPr lang="en-IN" sz="1100" dirty="0" smtClean="0">
+                      <a:endParaRPr lang="en-IN" sz="1100" dirty="0">
                         <a:solidFill>
                           <a:schemeClr val="tx1"/>
                         </a:solidFill>
@@ -27925,6 +27570,11 @@
                   </a:txBody>
                   <a:tcPr marL="68580" marR="68580" marT="0" marB="0" anchor="ctr"/>
                 </a:tc>
+                <a:extLst>
+                  <a:ext uri="{0D108BD9-81ED-4DB2-BD59-A6C34878D82A}">
+                    <a16:rowId xmlns:a16="http://schemas.microsoft.com/office/drawing/2014/main" val="10004"/>
+                  </a:ext>
+                </a:extLst>
               </a:tr>
               <a:tr h="276729">
                 <a:tc>
@@ -27941,7 +27591,7 @@
                         </a:spcAft>
                       </a:pPr>
                       <a:r>
-                        <a:rPr lang="en-US" sz="1100" dirty="0" smtClean="0">
+                        <a:rPr lang="en-US" sz="1100" dirty="0">
                           <a:effectLst/>
                         </a:rPr>
                         <a:t>Transferability</a:t>
@@ -27973,7 +27623,7 @@
                         </a:spcAft>
                       </a:pPr>
                       <a:r>
-                        <a:rPr lang="fr-FR" sz="1100" kern="1200" dirty="0" smtClean="0"/>
+                        <a:rPr lang="fr-FR" sz="1100" kern="1200" dirty="0"/>
                         <a:t>0.00</a:t>
                       </a:r>
                       <a:endParaRPr lang="en-IN" sz="1100" dirty="0">
@@ -28003,7 +27653,7 @@
                         </a:spcAft>
                       </a:pPr>
                       <a:r>
-                        <a:rPr lang="fr-FR" sz="1100" kern="1200" dirty="0" smtClean="0"/>
+                        <a:rPr lang="fr-FR" sz="1100" kern="1200" dirty="0"/>
                         <a:t>0.00</a:t>
                       </a:r>
                       <a:endParaRPr lang="en-IN" sz="1100" dirty="0">
@@ -28033,7 +27683,7 @@
                         </a:spcAft>
                       </a:pPr>
                       <a:r>
-                        <a:rPr lang="fr-FR" sz="1100" kern="1200" dirty="0" smtClean="0"/>
+                        <a:rPr lang="fr-FR" sz="1100" kern="1200" dirty="0"/>
                         <a:t>0.00</a:t>
                       </a:r>
                       <a:endParaRPr lang="en-IN" sz="1100" dirty="0">
@@ -28072,12 +27722,12 @@
                         <a:defRPr/>
                       </a:pPr>
                       <a:r>
-                        <a:rPr lang="en-US" sz="1100" dirty="0" smtClean="0">
+                        <a:rPr lang="en-US" sz="1100" dirty="0">
                           <a:effectLst/>
                         </a:rPr>
                         <a:t>Good</a:t>
                       </a:r>
-                      <a:endParaRPr lang="en-IN" sz="1100" dirty="0" smtClean="0">
+                      <a:endParaRPr lang="en-IN" sz="1100" dirty="0">
                         <a:solidFill>
                           <a:schemeClr val="tx1"/>
                         </a:solidFill>
@@ -28090,6 +27740,11 @@
                   </a:txBody>
                   <a:tcPr marL="68580" marR="68580" marT="0" marB="0" anchor="ctr"/>
                 </a:tc>
+                <a:extLst>
+                  <a:ext uri="{0D108BD9-81ED-4DB2-BD59-A6C34878D82A}">
+                    <a16:rowId xmlns:a16="http://schemas.microsoft.com/office/drawing/2014/main" val="10005"/>
+                  </a:ext>
+                </a:extLst>
               </a:tr>
               <a:tr h="276729">
                 <a:tc>
@@ -28106,7 +27761,7 @@
                         </a:spcAft>
                       </a:pPr>
                       <a:r>
-                        <a:rPr lang="en-US" sz="1100" dirty="0" smtClean="0">
+                        <a:rPr lang="en-US" sz="1100" dirty="0">
                           <a:effectLst/>
                         </a:rPr>
                         <a:t>Programming Practice</a:t>
@@ -28138,7 +27793,7 @@
                         </a:spcAft>
                       </a:pPr>
                       <a:r>
-                        <a:rPr lang="fr-FR" sz="1100" kern="1200" dirty="0" smtClean="0"/>
+                        <a:rPr lang="fr-FR" sz="1100" kern="1200" dirty="0"/>
                         <a:t>0.00</a:t>
                       </a:r>
                       <a:endParaRPr lang="en-IN" sz="1100" dirty="0">
@@ -28168,7 +27823,7 @@
                         </a:spcAft>
                       </a:pPr>
                       <a:r>
-                        <a:rPr lang="fr-FR" sz="1100" kern="1200" dirty="0" smtClean="0"/>
+                        <a:rPr lang="fr-FR" sz="1100" kern="1200" dirty="0"/>
                         <a:t>0.00</a:t>
                       </a:r>
                       <a:endParaRPr lang="en-IN" sz="1100" dirty="0">
@@ -28198,7 +27853,7 @@
                         </a:spcAft>
                       </a:pPr>
                       <a:r>
-                        <a:rPr lang="fr-FR" sz="1100" kern="1200" dirty="0" smtClean="0"/>
+                        <a:rPr lang="fr-FR" sz="1100" kern="1200" dirty="0"/>
                         <a:t>0.00</a:t>
                       </a:r>
                       <a:endParaRPr lang="en-IN" sz="1100" dirty="0">
@@ -28237,12 +27892,12 @@
                         <a:defRPr/>
                       </a:pPr>
                       <a:r>
-                        <a:rPr lang="en-US" sz="1100" dirty="0" smtClean="0">
+                        <a:rPr lang="en-US" sz="1100" dirty="0">
                           <a:effectLst/>
                         </a:rPr>
                         <a:t>Good</a:t>
                       </a:r>
-                      <a:endParaRPr lang="en-IN" sz="1100" dirty="0" smtClean="0">
+                      <a:endParaRPr lang="en-IN" sz="1100" dirty="0">
                         <a:solidFill>
                           <a:schemeClr val="tx1"/>
                         </a:solidFill>
@@ -28255,6 +27910,11 @@
                   </a:txBody>
                   <a:tcPr marL="68580" marR="68580" marT="0" marB="0" anchor="ctr"/>
                 </a:tc>
+                <a:extLst>
+                  <a:ext uri="{0D108BD9-81ED-4DB2-BD59-A6C34878D82A}">
+                    <a16:rowId xmlns:a16="http://schemas.microsoft.com/office/drawing/2014/main" val="10006"/>
+                  </a:ext>
+                </a:extLst>
               </a:tr>
               <a:tr h="276729">
                 <a:tc>
@@ -28271,7 +27931,7 @@
                         </a:spcAft>
                       </a:pPr>
                       <a:r>
-                        <a:rPr lang="en-US" sz="1100" dirty="0" smtClean="0">
+                        <a:rPr lang="en-US" sz="1100" dirty="0">
                           <a:effectLst/>
                         </a:rPr>
                         <a:t>Documentation</a:t>
@@ -28303,7 +27963,7 @@
                         </a:spcAft>
                       </a:pPr>
                       <a:r>
-                        <a:rPr lang="fr-FR" sz="1100" kern="1200" dirty="0" smtClean="0"/>
+                        <a:rPr lang="fr-FR" sz="1100" kern="1200" dirty="0"/>
                         <a:t>0.00</a:t>
                       </a:r>
                       <a:endParaRPr lang="en-IN" sz="1100" dirty="0">
@@ -28333,7 +27993,7 @@
                         </a:spcAft>
                       </a:pPr>
                       <a:r>
-                        <a:rPr lang="fr-FR" sz="1100" kern="1200" dirty="0" smtClean="0"/>
+                        <a:rPr lang="fr-FR" sz="1100" kern="1200" dirty="0"/>
                         <a:t>0.00</a:t>
                       </a:r>
                       <a:endParaRPr lang="en-IN" sz="1100" dirty="0">
@@ -28363,7 +28023,7 @@
                         </a:spcAft>
                       </a:pPr>
                       <a:r>
-                        <a:rPr lang="fr-FR" sz="1100" kern="1200" dirty="0" smtClean="0"/>
+                        <a:rPr lang="fr-FR" sz="1100" kern="1200" dirty="0"/>
                         <a:t>0.00</a:t>
                       </a:r>
                       <a:endParaRPr lang="en-IN" sz="1100" dirty="0">
@@ -28402,12 +28062,12 @@
                         <a:defRPr/>
                       </a:pPr>
                       <a:r>
-                        <a:rPr lang="en-US" sz="1100" dirty="0" smtClean="0">
+                        <a:rPr lang="en-US" sz="1100" dirty="0">
                           <a:effectLst/>
                         </a:rPr>
                         <a:t>Good</a:t>
                       </a:r>
-                      <a:endParaRPr lang="en-IN" sz="1100" dirty="0" smtClean="0">
+                      <a:endParaRPr lang="en-IN" sz="1100" dirty="0">
                         <a:solidFill>
                           <a:schemeClr val="tx1"/>
                         </a:solidFill>
@@ -28420,6 +28080,11 @@
                   </a:txBody>
                   <a:tcPr marL="68580" marR="68580" marT="0" marB="0" anchor="ctr"/>
                 </a:tc>
+                <a:extLst>
+                  <a:ext uri="{0D108BD9-81ED-4DB2-BD59-A6C34878D82A}">
+                    <a16:rowId xmlns:a16="http://schemas.microsoft.com/office/drawing/2014/main" val="10007"/>
+                  </a:ext>
+                </a:extLst>
               </a:tr>
               <a:tr h="276729">
                 <a:tc>
@@ -28436,7 +28101,7 @@
                         </a:spcAft>
                       </a:pPr>
                       <a:r>
-                        <a:rPr lang="en-US" sz="1100" dirty="0" smtClean="0">
+                        <a:rPr lang="en-US" sz="1100" dirty="0">
                           <a:effectLst/>
                         </a:rPr>
                         <a:t>Architecture/Design</a:t>
@@ -28468,7 +28133,7 @@
                         </a:spcAft>
                       </a:pPr>
                       <a:r>
-                        <a:rPr lang="fr-FR" sz="1100" kern="1200" dirty="0" smtClean="0"/>
+                        <a:rPr lang="fr-FR" sz="1100" kern="1200" dirty="0"/>
                         <a:t>0.00</a:t>
                       </a:r>
                       <a:endParaRPr lang="en-IN" sz="1100" dirty="0">
@@ -28498,7 +28163,7 @@
                         </a:spcAft>
                       </a:pPr>
                       <a:r>
-                        <a:rPr lang="fr-FR" sz="1100" kern="1200" dirty="0" smtClean="0"/>
+                        <a:rPr lang="fr-FR" sz="1100" kern="1200" dirty="0"/>
                         <a:t>0.00</a:t>
                       </a:r>
                       <a:endParaRPr lang="en-IN" sz="1100" dirty="0">
@@ -28528,7 +28193,7 @@
                         </a:spcAft>
                       </a:pPr>
                       <a:r>
-                        <a:rPr lang="fr-FR" sz="1100" kern="1200" dirty="0" smtClean="0"/>
+                        <a:rPr lang="fr-FR" sz="1100" kern="1200" dirty="0"/>
                         <a:t>0.00</a:t>
                       </a:r>
                       <a:endParaRPr lang="en-IN" sz="1100" dirty="0">
@@ -28567,12 +28232,12 @@
                         <a:defRPr/>
                       </a:pPr>
                       <a:r>
-                        <a:rPr lang="en-US" sz="1100" dirty="0" smtClean="0">
+                        <a:rPr lang="en-US" sz="1100" dirty="0">
                           <a:effectLst/>
                         </a:rPr>
                         <a:t>Good</a:t>
                       </a:r>
-                      <a:endParaRPr lang="en-IN" sz="1100" dirty="0" smtClean="0">
+                      <a:endParaRPr lang="en-IN" sz="1100" dirty="0">
                         <a:solidFill>
                           <a:schemeClr val="tx1"/>
                         </a:solidFill>
@@ -28585,6 +28250,11 @@
                   </a:txBody>
                   <a:tcPr marL="68580" marR="68580" marT="0" marB="0" anchor="ctr"/>
                 </a:tc>
+                <a:extLst>
+                  <a:ext uri="{0D108BD9-81ED-4DB2-BD59-A6C34878D82A}">
+                    <a16:rowId xmlns:a16="http://schemas.microsoft.com/office/drawing/2014/main" val="10008"/>
+                  </a:ext>
+                </a:extLst>
               </a:tr>
             </a:tbl>
           </a:graphicData>
@@ -28626,10 +28296,9 @@
           </a:lstStyle>
           <a:p>
             <a:r>
-              <a:rPr lang="en-US" sz="1800" dirty="0" smtClean="0"/>
+              <a:rPr lang="en-US" sz="1800" dirty="0"/>
               <a:t>Note :</a:t>
             </a:r>
-            <a:endParaRPr lang="en-US" sz="1800" dirty="0"/>
           </a:p>
         </p:txBody>
       </p:sp>
@@ -28825,13 +28494,6 @@
   <p:clrMapOvr>
     <a:masterClrMapping/>
   </p:clrMapOvr>
-  <p:timing>
-    <p:tnLst>
-      <p:par>
-        <p:cTn id="1" dur="indefinite" restart="never" nodeType="tmRoot"/>
-      </p:par>
-    </p:tnLst>
-  </p:timing>
 </p:sld>
 </file>
 
@@ -28916,13 +28578,8 @@
           <a:p>
             <a:r>
               <a:rPr lang="en-US" dirty="0"/>
-              <a:t>PowerPoint Templates – </a:t>
-            </a:r>
-            <a:r>
-              <a:rPr lang="en-US" dirty="0" smtClean="0"/>
-              <a:t>Tables</a:t>
-            </a:r>
-            <a:endParaRPr lang="en-US" dirty="0"/>
+              <a:t>PowerPoint Templates – Tables</a:t>
+            </a:r>
           </a:p>
         </p:txBody>
       </p:sp>
@@ -29123,10 +28780,9 @@
           <a:lstStyle/>
           <a:p>
             <a:r>
-              <a:rPr lang="en-US" dirty="0" smtClean="0"/>
+              <a:rPr lang="en-US" dirty="0"/>
               <a:t>PowerPoint Templates – Tables</a:t>
             </a:r>
-            <a:endParaRPr lang="en-US" dirty="0"/>
           </a:p>
         </p:txBody>
       </p:sp>
@@ -29215,7 +28871,13 @@
                 <a:tableStyleId>{9DCAF9ED-07DC-4A11-8D7F-57B35C25682E}</a:tableStyleId>
               </a:tblPr>
               <a:tblGrid>
-                <a:gridCol w="3304197"/>
+                <a:gridCol w="3304197">
+                  <a:extLst>
+                    <a:ext uri="{9D8B030D-6E8A-4147-A177-3AD203B41FA5}">
+                      <a16:colId xmlns:a16="http://schemas.microsoft.com/office/drawing/2014/main" val="20000"/>
+                    </a:ext>
+                  </a:extLst>
+                </a:gridCol>
               </a:tblGrid>
               <a:tr h="378873">
                 <a:tc>
@@ -29232,7 +28894,7 @@
                         </a:spcAft>
                       </a:pPr>
                       <a:r>
-                        <a:rPr lang="en-GB" sz="1200" kern="1200" dirty="0" smtClean="0"/>
+                        <a:rPr lang="en-GB" sz="1200" kern="1200" dirty="0"/>
                         <a:t>Ignored Apps</a:t>
                       </a:r>
                       <a:endParaRPr lang="fr-FR" sz="1200" b="1" kern="1200" dirty="0">
@@ -29273,6 +28935,11 @@
                     </a:solidFill>
                   </a:tcPr>
                 </a:tc>
+                <a:extLst>
+                  <a:ext uri="{0D108BD9-81ED-4DB2-BD59-A6C34878D82A}">
+                    <a16:rowId xmlns:a16="http://schemas.microsoft.com/office/drawing/2014/main" val="10000"/>
+                  </a:ext>
+                </a:extLst>
               </a:tr>
               <a:tr h="378873">
                 <a:tc>
@@ -29289,7 +28956,7 @@
                         </a:spcAft>
                       </a:pPr>
                       <a:r>
-                        <a:rPr lang="en-GB" sz="1200" kern="1200" dirty="0" smtClean="0"/>
+                        <a:rPr lang="en-GB" sz="1200" kern="1200" dirty="0"/>
                         <a:t>App 1</a:t>
                       </a:r>
                       <a:endParaRPr lang="fr-FR" sz="1200" kern="1200" dirty="0">
@@ -29325,6 +28992,11 @@
                     </a:lnBlToTr>
                   </a:tcPr>
                 </a:tc>
+                <a:extLst>
+                  <a:ext uri="{0D108BD9-81ED-4DB2-BD59-A6C34878D82A}">
+                    <a16:rowId xmlns:a16="http://schemas.microsoft.com/office/drawing/2014/main" val="10001"/>
+                  </a:ext>
+                </a:extLst>
               </a:tr>
               <a:tr h="378873">
                 <a:tc>
@@ -29341,10 +29013,10 @@
                         </a:spcAft>
                       </a:pPr>
                       <a:r>
-                        <a:rPr lang="en-GB" sz="1200" kern="1200" dirty="0" smtClean="0"/>
+                        <a:rPr lang="en-GB" sz="1200" kern="1200" dirty="0"/>
                         <a:t>App 2</a:t>
                       </a:r>
-                      <a:endParaRPr lang="fr-FR" sz="1200" kern="1200" dirty="0" smtClean="0">
+                      <a:endParaRPr lang="fr-FR" sz="1200" kern="1200" dirty="0">
                         <a:solidFill>
                           <a:schemeClr val="dk1"/>
                         </a:solidFill>
@@ -29377,6 +29049,11 @@
                     </a:lnBlToTr>
                   </a:tcPr>
                 </a:tc>
+                <a:extLst>
+                  <a:ext uri="{0D108BD9-81ED-4DB2-BD59-A6C34878D82A}">
+                    <a16:rowId xmlns:a16="http://schemas.microsoft.com/office/drawing/2014/main" val="10002"/>
+                  </a:ext>
+                </a:extLst>
               </a:tr>
               <a:tr h="378873">
                 <a:tc>
@@ -29393,7 +29070,7 @@
                         </a:spcAft>
                       </a:pPr>
                       <a:r>
-                        <a:rPr lang="en-GB" sz="1200" kern="1200" dirty="0" smtClean="0"/>
+                        <a:rPr lang="en-GB" sz="1200" kern="1200" dirty="0"/>
                         <a:t>App 3</a:t>
                       </a:r>
                       <a:endParaRPr lang="fr-FR" sz="1200" kern="1200" dirty="0">
@@ -29429,6 +29106,11 @@
                     </a:lnBlToTr>
                   </a:tcPr>
                 </a:tc>
+                <a:extLst>
+                  <a:ext uri="{0D108BD9-81ED-4DB2-BD59-A6C34878D82A}">
+                    <a16:rowId xmlns:a16="http://schemas.microsoft.com/office/drawing/2014/main" val="10003"/>
+                  </a:ext>
+                </a:extLst>
               </a:tr>
               <a:tr h="378873">
                 <a:tc>
@@ -29445,7 +29127,7 @@
                         </a:spcAft>
                       </a:pPr>
                       <a:r>
-                        <a:rPr lang="en-GB" sz="1200" kern="1200" dirty="0" smtClean="0"/>
+                        <a:rPr lang="en-GB" sz="1200" kern="1200" dirty="0"/>
                         <a:t>App 4</a:t>
                       </a:r>
                       <a:endParaRPr lang="fr-FR" sz="1200" kern="1200" dirty="0">
@@ -29481,6 +29163,11 @@
                     </a:lnBlToTr>
                   </a:tcPr>
                 </a:tc>
+                <a:extLst>
+                  <a:ext uri="{0D108BD9-81ED-4DB2-BD59-A6C34878D82A}">
+                    <a16:rowId xmlns:a16="http://schemas.microsoft.com/office/drawing/2014/main" val="10004"/>
+                  </a:ext>
+                </a:extLst>
               </a:tr>
               <a:tr h="378873">
                 <a:tc>
@@ -29497,7 +29184,7 @@
                         </a:spcAft>
                       </a:pPr>
                       <a:r>
-                        <a:rPr lang="en-GB" sz="1200" kern="1200" dirty="0" smtClean="0"/>
+                        <a:rPr lang="en-GB" sz="1200" kern="1200" dirty="0"/>
                         <a:t>App 5</a:t>
                       </a:r>
                       <a:endParaRPr lang="fr-FR" sz="1200" kern="1200" dirty="0">
@@ -29533,6 +29220,11 @@
                     </a:lnBlToTr>
                   </a:tcPr>
                 </a:tc>
+                <a:extLst>
+                  <a:ext uri="{0D108BD9-81ED-4DB2-BD59-A6C34878D82A}">
+                    <a16:rowId xmlns:a16="http://schemas.microsoft.com/office/drawing/2014/main" val="10005"/>
+                  </a:ext>
+                </a:extLst>
               </a:tr>
             </a:tbl>
           </a:graphicData>
@@ -29570,7 +29262,13 @@
                 <a:tableStyleId>{9DCAF9ED-07DC-4A11-8D7F-57B35C25682E}</a:tableStyleId>
               </a:tblPr>
               <a:tblGrid>
-                <a:gridCol w="3312368"/>
+                <a:gridCol w="3312368">
+                  <a:extLst>
+                    <a:ext uri="{9D8B030D-6E8A-4147-A177-3AD203B41FA5}">
+                      <a16:colId xmlns:a16="http://schemas.microsoft.com/office/drawing/2014/main" val="20000"/>
+                    </a:ext>
+                  </a:extLst>
+                </a:gridCol>
               </a:tblGrid>
               <a:tr h="378873">
                 <a:tc>
@@ -29587,7 +29285,7 @@
                         </a:spcAft>
                       </a:pPr>
                       <a:r>
-                        <a:rPr lang="en-GB" sz="1200" kern="1200" dirty="0" smtClean="0"/>
+                        <a:rPr lang="en-GB" sz="1200" kern="1200" dirty="0"/>
                         <a:t>Ignored Snapshots</a:t>
                       </a:r>
                       <a:endParaRPr lang="fr-FR" sz="1200" b="1" kern="1200" dirty="0">
@@ -29628,6 +29326,11 @@
                     </a:solidFill>
                   </a:tcPr>
                 </a:tc>
+                <a:extLst>
+                  <a:ext uri="{0D108BD9-81ED-4DB2-BD59-A6C34878D82A}">
+                    <a16:rowId xmlns:a16="http://schemas.microsoft.com/office/drawing/2014/main" val="10000"/>
+                  </a:ext>
+                </a:extLst>
               </a:tr>
               <a:tr h="378873">
                 <a:tc>
@@ -29644,7 +29347,7 @@
                         </a:spcAft>
                       </a:pPr>
                       <a:r>
-                        <a:rPr lang="en-GB" sz="1200" kern="1200" smtClean="0"/>
+                        <a:rPr lang="en-GB" sz="1200" kern="1200"/>
                         <a:t>Snap 1 HReF</a:t>
                       </a:r>
                       <a:endParaRPr lang="fr-FR" sz="1200" kern="1200" dirty="0">
@@ -29680,6 +29383,11 @@
                     </a:lnBlToTr>
                   </a:tcPr>
                 </a:tc>
+                <a:extLst>
+                  <a:ext uri="{0D108BD9-81ED-4DB2-BD59-A6C34878D82A}">
+                    <a16:rowId xmlns:a16="http://schemas.microsoft.com/office/drawing/2014/main" val="10001"/>
+                  </a:ext>
+                </a:extLst>
               </a:tr>
               <a:tr h="378873">
                 <a:tc>
@@ -29696,10 +29404,10 @@
                         </a:spcAft>
                       </a:pPr>
                       <a:r>
-                        <a:rPr lang="en-GB" sz="1200" kern="1200" smtClean="0"/>
+                        <a:rPr lang="en-GB" sz="1200" kern="1200"/>
                         <a:t>Snap 2 HReF</a:t>
                       </a:r>
-                      <a:endParaRPr lang="fr-FR" sz="1200" kern="1200" dirty="0" smtClean="0">
+                      <a:endParaRPr lang="fr-FR" sz="1200" kern="1200" dirty="0">
                         <a:solidFill>
                           <a:schemeClr val="dk1"/>
                         </a:solidFill>
@@ -29732,6 +29440,11 @@
                     </a:lnBlToTr>
                   </a:tcPr>
                 </a:tc>
+                <a:extLst>
+                  <a:ext uri="{0D108BD9-81ED-4DB2-BD59-A6C34878D82A}">
+                    <a16:rowId xmlns:a16="http://schemas.microsoft.com/office/drawing/2014/main" val="10002"/>
+                  </a:ext>
+                </a:extLst>
               </a:tr>
               <a:tr h="378873">
                 <a:tc>
@@ -29748,14 +29461,14 @@
                         </a:spcAft>
                       </a:pPr>
                       <a:r>
-                        <a:rPr lang="en-GB" sz="1200" kern="1200" dirty="0" smtClean="0"/>
+                        <a:rPr lang="en-GB" sz="1200" kern="1200" dirty="0"/>
                         <a:t>Snap 3 </a:t>
                       </a:r>
                       <a:r>
-                        <a:rPr lang="en-GB" sz="1200" kern="1200" dirty="0" err="1" smtClean="0"/>
+                        <a:rPr lang="en-GB" sz="1200" kern="1200" dirty="0" err="1"/>
                         <a:t>HReF</a:t>
                       </a:r>
-                      <a:endParaRPr lang="fr-FR" sz="1200" kern="1200" dirty="0" smtClean="0">
+                      <a:endParaRPr lang="fr-FR" sz="1200" kern="1200" dirty="0">
                         <a:solidFill>
                           <a:schemeClr val="dk1"/>
                         </a:solidFill>
@@ -29788,6 +29501,11 @@
                     </a:lnBlToTr>
                   </a:tcPr>
                 </a:tc>
+                <a:extLst>
+                  <a:ext uri="{0D108BD9-81ED-4DB2-BD59-A6C34878D82A}">
+                    <a16:rowId xmlns:a16="http://schemas.microsoft.com/office/drawing/2014/main" val="10003"/>
+                  </a:ext>
+                </a:extLst>
               </a:tr>
               <a:tr h="378873">
                 <a:tc>
@@ -29804,14 +29522,14 @@
                         </a:spcAft>
                       </a:pPr>
                       <a:r>
-                        <a:rPr lang="en-GB" sz="1200" kern="1200" dirty="0" smtClean="0"/>
+                        <a:rPr lang="en-GB" sz="1200" kern="1200" dirty="0"/>
                         <a:t>Snap 4 </a:t>
                       </a:r>
                       <a:r>
-                        <a:rPr lang="en-GB" sz="1200" kern="1200" dirty="0" err="1" smtClean="0"/>
+                        <a:rPr lang="en-GB" sz="1200" kern="1200" dirty="0" err="1"/>
                         <a:t>HReF</a:t>
                       </a:r>
-                      <a:endParaRPr lang="fr-FR" sz="1200" kern="1200" dirty="0" smtClean="0">
+                      <a:endParaRPr lang="fr-FR" sz="1200" kern="1200" dirty="0">
                         <a:solidFill>
                           <a:schemeClr val="dk1"/>
                         </a:solidFill>
@@ -29844,6 +29562,11 @@
                     </a:lnBlToTr>
                   </a:tcPr>
                 </a:tc>
+                <a:extLst>
+                  <a:ext uri="{0D108BD9-81ED-4DB2-BD59-A6C34878D82A}">
+                    <a16:rowId xmlns:a16="http://schemas.microsoft.com/office/drawing/2014/main" val="10004"/>
+                  </a:ext>
+                </a:extLst>
               </a:tr>
               <a:tr h="378873">
                 <a:tc>
@@ -29860,14 +29583,14 @@
                         </a:spcAft>
                       </a:pPr>
                       <a:r>
-                        <a:rPr lang="en-GB" sz="1200" kern="1200" dirty="0" smtClean="0"/>
+                        <a:rPr lang="en-GB" sz="1200" kern="1200" dirty="0"/>
                         <a:t>Snap 5 </a:t>
                       </a:r>
                       <a:r>
-                        <a:rPr lang="en-GB" sz="1200" kern="1200" dirty="0" err="1" smtClean="0"/>
+                        <a:rPr lang="en-GB" sz="1200" kern="1200" dirty="0" err="1"/>
                         <a:t>HReF</a:t>
                       </a:r>
-                      <a:endParaRPr lang="fr-FR" sz="1200" kern="1200" dirty="0" smtClean="0">
+                      <a:endParaRPr lang="fr-FR" sz="1200" kern="1200" dirty="0">
                         <a:solidFill>
                           <a:schemeClr val="dk1"/>
                         </a:solidFill>
@@ -29900,6 +29623,11 @@
                     </a:lnBlToTr>
                   </a:tcPr>
                 </a:tc>
+                <a:extLst>
+                  <a:ext uri="{0D108BD9-81ED-4DB2-BD59-A6C34878D82A}">
+                    <a16:rowId xmlns:a16="http://schemas.microsoft.com/office/drawing/2014/main" val="10005"/>
+                  </a:ext>
+                </a:extLst>
               </a:tr>
             </a:tbl>
           </a:graphicData>
@@ -29942,10 +29670,9 @@
           </a:lstStyle>
           <a:p>
             <a:r>
-              <a:rPr lang="en-US" dirty="0" smtClean="0"/>
+              <a:rPr lang="en-US" dirty="0"/>
               <a:t>Identification of ignored Applications or snapshots</a:t>
             </a:r>
-            <a:endParaRPr lang="en-US" dirty="0"/>
           </a:p>
         </p:txBody>
       </p:sp>
@@ -30025,10 +29752,9 @@
           </a:lstStyle>
           <a:p>
             <a:r>
-              <a:rPr lang="en-US" dirty="0" smtClean="0"/>
+              <a:rPr lang="en-US" dirty="0"/>
               <a:t>Blocks Name :</a:t>
             </a:r>
-            <a:endParaRPr lang="en-US" dirty="0"/>
           </a:p>
         </p:txBody>
       </p:sp>
@@ -30066,10 +29792,9 @@
           </a:lstStyle>
           <a:p>
             <a:r>
-              <a:rPr lang="en-US" sz="1800" dirty="0" smtClean="0"/>
+              <a:rPr lang="en-US" sz="1800" dirty="0"/>
               <a:t>PF_IGNORED_SNAPSHOTS</a:t>
             </a:r>
-            <a:endParaRPr lang="en-US" sz="1800" dirty="0"/>
           </a:p>
         </p:txBody>
       </p:sp>
@@ -30109,10 +29834,9 @@
           </a:lstStyle>
           <a:p>
             <a:r>
-              <a:rPr lang="en-US" dirty="0" smtClean="0"/>
+              <a:rPr lang="en-US" dirty="0"/>
               <a:t>Options :</a:t>
             </a:r>
-            <a:endParaRPr lang="en-US" dirty="0"/>
           </a:p>
         </p:txBody>
       </p:sp>
@@ -30152,10 +29876,9 @@
           </a:lstStyle>
           <a:p>
             <a:r>
-              <a:rPr lang="en-US" sz="1800" dirty="0" smtClean="0"/>
+              <a:rPr lang="en-US" sz="1800" dirty="0"/>
               <a:t>none</a:t>
             </a:r>
-            <a:endParaRPr lang="en-US" sz="1800" dirty="0"/>
           </a:p>
         </p:txBody>
       </p:sp>
@@ -30182,31 +29905,7 @@
           <a:p>
             <a:r>
               <a:rPr lang="en-US" sz="1200" i="1" dirty="0"/>
-              <a:t>The following block provides potential applications </a:t>
-            </a:r>
-            <a:r>
-              <a:rPr lang="en-US" sz="1200" i="1" dirty="0" smtClean="0"/>
-              <a:t>or snapshots of application that </a:t>
-            </a:r>
-            <a:r>
-              <a:rPr lang="en-US" sz="1200" i="1" dirty="0"/>
-              <a:t>didn’t work during the </a:t>
-            </a:r>
-            <a:r>
-              <a:rPr lang="en-US" sz="1200" i="1" dirty="0" smtClean="0"/>
-              <a:t>with other blocks generation. </a:t>
-            </a:r>
-            <a:r>
-              <a:rPr lang="en-US" sz="1200" i="1" dirty="0"/>
-              <a:t>Investigation into the central </a:t>
-            </a:r>
-            <a:r>
-              <a:rPr lang="en-US" sz="1200" i="1" dirty="0" smtClean="0"/>
-              <a:t>schema for </a:t>
-            </a:r>
-            <a:r>
-              <a:rPr lang="en-US" sz="1200" i="1" dirty="0"/>
-              <a:t>the application or snapshot listed must be done.</a:t>
+              <a:t>The following block provides potential applications or snapshots of application that didn’t work during the with other blocks generation. Investigation into the central schema for the application or snapshot listed must be done.</a:t>
             </a:r>
           </a:p>
         </p:txBody>
@@ -30221,13 +29920,6 @@
   <p:clrMapOvr>
     <a:masterClrMapping/>
   </p:clrMapOvr>
-  <p:timing>
-    <p:tnLst>
-      <p:par>
-        <p:cTn id="1" dur="indefinite" restart="never" nodeType="tmRoot"/>
-      </p:par>
-    </p:tnLst>
-  </p:timing>
 </p:sld>
 </file>
 
@@ -30312,13 +30004,8 @@
           <a:p>
             <a:r>
               <a:rPr lang="en-US" dirty="0"/>
-              <a:t>PowerPoint Templates – </a:t>
-            </a:r>
-            <a:r>
-              <a:rPr lang="en-US" dirty="0" smtClean="0"/>
-              <a:t>Tables</a:t>
-            </a:r>
-            <a:endParaRPr lang="en-US" dirty="0"/>
+              <a:t>PowerPoint Templates – Tables</a:t>
+            </a:r>
           </a:p>
         </p:txBody>
       </p:sp>
@@ -30354,8 +30041,20 @@
                 <a:tableStyleId>{9DCAF9ED-07DC-4A11-8D7F-57B35C25682E}</a:tableStyleId>
               </a:tblPr>
               <a:tblGrid>
-                <a:gridCol w="5112568"/>
-                <a:gridCol w="983432"/>
+                <a:gridCol w="5112568">
+                  <a:extLst>
+                    <a:ext uri="{9D8B030D-6E8A-4147-A177-3AD203B41FA5}">
+                      <a16:colId xmlns:a16="http://schemas.microsoft.com/office/drawing/2014/main" val="20000"/>
+                    </a:ext>
+                  </a:extLst>
+                </a:gridCol>
+                <a:gridCol w="983432">
+                  <a:extLst>
+                    <a:ext uri="{9D8B030D-6E8A-4147-A177-3AD203B41FA5}">
+                      <a16:colId xmlns:a16="http://schemas.microsoft.com/office/drawing/2014/main" val="20001"/>
+                    </a:ext>
+                  </a:extLst>
+                </a:gridCol>
               </a:tblGrid>
               <a:tr h="251448">
                 <a:tc>
@@ -30364,10 +30063,9 @@
                     <a:lstStyle/>
                     <a:p>
                       <a:r>
-                        <a:rPr lang="en-US" sz="1400" noProof="0" dirty="0" smtClean="0"/>
+                        <a:rPr lang="en-US" sz="1400" noProof="0" dirty="0"/>
                         <a:t>Name</a:t>
                       </a:r>
-                      <a:endParaRPr lang="en-US" sz="1400" noProof="0" dirty="0"/>
                     </a:p>
                   </a:txBody>
                   <a:tcPr>
@@ -30402,10 +30100,9 @@
                     <a:lstStyle/>
                     <a:p>
                       <a:r>
-                        <a:rPr lang="en-US" sz="1400" noProof="0" dirty="0" smtClean="0"/>
+                        <a:rPr lang="en-US" sz="1400" noProof="0" dirty="0"/>
                         <a:t>Id</a:t>
                       </a:r>
-                      <a:endParaRPr lang="en-US" sz="1400" noProof="0" dirty="0"/>
                     </a:p>
                   </a:txBody>
                   <a:tcPr>
@@ -30434,6 +30131,11 @@
                     </a:solidFill>
                   </a:tcPr>
                 </a:tc>
+                <a:extLst>
+                  <a:ext uri="{0D108BD9-81ED-4DB2-BD59-A6C34878D82A}">
+                    <a16:rowId xmlns:a16="http://schemas.microsoft.com/office/drawing/2014/main" val="10000"/>
+                  </a:ext>
+                </a:extLst>
               </a:tr>
               <a:tr h="277232">
                 <a:tc>
@@ -30443,7 +30145,7 @@
                     <a:p>
                       <a:pPr marL="0" algn="l" defTabSz="914400" rtl="0" eaLnBrk="1" latinLnBrk="0" hangingPunct="1"/>
                       <a:r>
-                        <a:rPr lang="en-US" sz="1100" kern="1200" noProof="0" dirty="0" smtClean="0"/>
+                        <a:rPr lang="en-US" sz="1100" kern="1200" noProof="0" dirty="0"/>
                         <a:t>Total Quality Index</a:t>
                       </a:r>
                       <a:endParaRPr lang="en-US" sz="1100" kern="1200" noProof="0" dirty="0">
@@ -30486,7 +30188,7 @@
                     <a:p>
                       <a:pPr marL="0" algn="l" defTabSz="914400" rtl="0" eaLnBrk="1" latinLnBrk="0" hangingPunct="1"/>
                       <a:r>
-                        <a:rPr lang="en-US" sz="1100" kern="1200" noProof="0" dirty="0" smtClean="0"/>
+                        <a:rPr lang="en-US" sz="1100" kern="1200" noProof="0" dirty="0"/>
                         <a:t>60017</a:t>
                       </a:r>
                     </a:p>
@@ -30514,6 +30216,11 @@
                     </a:lnBlToTr>
                   </a:tcPr>
                 </a:tc>
+                <a:extLst>
+                  <a:ext uri="{0D108BD9-81ED-4DB2-BD59-A6C34878D82A}">
+                    <a16:rowId xmlns:a16="http://schemas.microsoft.com/office/drawing/2014/main" val="10001"/>
+                  </a:ext>
+                </a:extLst>
               </a:tr>
               <a:tr h="289337">
                 <a:tc>
@@ -30523,7 +30230,7 @@
                     <a:p>
                       <a:pPr marL="0" algn="l" defTabSz="914400" rtl="0" eaLnBrk="1" latinLnBrk="0" hangingPunct="1"/>
                       <a:r>
-                        <a:rPr lang="en-US" sz="1100" kern="1200" noProof="0" dirty="0" smtClean="0"/>
+                        <a:rPr lang="en-US" sz="1100" kern="1200" noProof="0" dirty="0"/>
                         <a:t>Security</a:t>
                       </a:r>
                       <a:endParaRPr lang="en-US" sz="1100" kern="1200" noProof="0" dirty="0">
@@ -30566,7 +30273,7 @@
                     <a:p>
                       <a:pPr marL="0" algn="l" defTabSz="914400" rtl="0" eaLnBrk="1" latinLnBrk="0" hangingPunct="1"/>
                       <a:r>
-                        <a:rPr lang="en-US" sz="1100" kern="1200" noProof="0" dirty="0" smtClean="0"/>
+                        <a:rPr lang="en-US" sz="1100" kern="1200" noProof="0" dirty="0"/>
                         <a:t>60016</a:t>
                       </a:r>
                     </a:p>
@@ -30594,6 +30301,11 @@
                     </a:lnBlToTr>
                   </a:tcPr>
                 </a:tc>
+                <a:extLst>
+                  <a:ext uri="{0D108BD9-81ED-4DB2-BD59-A6C34878D82A}">
+                    <a16:rowId xmlns:a16="http://schemas.microsoft.com/office/drawing/2014/main" val="10002"/>
+                  </a:ext>
+                </a:extLst>
               </a:tr>
               <a:tr h="289337">
                 <a:tc>
@@ -30603,7 +30315,7 @@
                     <a:p>
                       <a:pPr marL="0" algn="l" defTabSz="914400" rtl="0" eaLnBrk="1" latinLnBrk="0" hangingPunct="1"/>
                       <a:r>
-                        <a:rPr lang="en-US" sz="1100" kern="1200" noProof="0" dirty="0" smtClean="0"/>
+                        <a:rPr lang="en-US" sz="1100" kern="1200" noProof="0" dirty="0"/>
                         <a:t>Robustness</a:t>
                       </a:r>
                       <a:endParaRPr lang="en-US" sz="1100" kern="1200" noProof="0" dirty="0">
@@ -30646,7 +30358,7 @@
                     <a:p>
                       <a:pPr marL="0" algn="l" defTabSz="914400" rtl="0" eaLnBrk="1" latinLnBrk="0" hangingPunct="1"/>
                       <a:r>
-                        <a:rPr lang="en-US" sz="1100" kern="1200" noProof="0" dirty="0" smtClean="0"/>
+                        <a:rPr lang="en-US" sz="1100" kern="1200" noProof="0" dirty="0"/>
                         <a:t>60013</a:t>
                       </a:r>
                     </a:p>
@@ -30674,6 +30386,11 @@
                     </a:lnBlToTr>
                   </a:tcPr>
                 </a:tc>
+                <a:extLst>
+                  <a:ext uri="{0D108BD9-81ED-4DB2-BD59-A6C34878D82A}">
+                    <a16:rowId xmlns:a16="http://schemas.microsoft.com/office/drawing/2014/main" val="10003"/>
+                  </a:ext>
+                </a:extLst>
               </a:tr>
               <a:tr h="289337">
                 <a:tc>
@@ -30683,7 +30400,7 @@
                     <a:p>
                       <a:pPr marL="0" algn="l" defTabSz="914400" rtl="0" eaLnBrk="1" latinLnBrk="0" hangingPunct="1"/>
                       <a:r>
-                        <a:rPr lang="en-US" sz="1100" kern="1200" noProof="0" dirty="0" smtClean="0"/>
+                        <a:rPr lang="en-US" sz="1100" kern="1200" noProof="0" dirty="0"/>
                         <a:t>Performance</a:t>
                       </a:r>
                       <a:endParaRPr lang="en-US" sz="1100" kern="1200" noProof="0" dirty="0">
@@ -30726,7 +30443,7 @@
                     <a:p>
                       <a:pPr marL="0" algn="l" defTabSz="914400" rtl="0" eaLnBrk="1" latinLnBrk="0" hangingPunct="1"/>
                       <a:r>
-                        <a:rPr lang="en-US" sz="1100" kern="1200" noProof="0" dirty="0" smtClean="0"/>
+                        <a:rPr lang="en-US" sz="1100" kern="1200" noProof="0" dirty="0"/>
                         <a:t>60014</a:t>
                       </a:r>
                     </a:p>
@@ -30754,6 +30471,11 @@
                     </a:lnBlToTr>
                   </a:tcPr>
                 </a:tc>
+                <a:extLst>
+                  <a:ext uri="{0D108BD9-81ED-4DB2-BD59-A6C34878D82A}">
+                    <a16:rowId xmlns:a16="http://schemas.microsoft.com/office/drawing/2014/main" val="10004"/>
+                  </a:ext>
+                </a:extLst>
               </a:tr>
               <a:tr h="289337">
                 <a:tc>
@@ -30763,7 +30485,7 @@
                     <a:p>
                       <a:pPr marL="0" algn="l" defTabSz="914400" rtl="0" eaLnBrk="1" latinLnBrk="0" hangingPunct="1"/>
                       <a:r>
-                        <a:rPr lang="en-US" sz="1100" kern="1200" noProof="0" dirty="0" smtClean="0"/>
+                        <a:rPr lang="en-US" sz="1100" kern="1200" noProof="0" dirty="0"/>
                         <a:t>Changeability</a:t>
                       </a:r>
                       <a:endParaRPr lang="en-US" sz="1100" kern="1200" noProof="0" dirty="0">
@@ -30806,7 +30528,7 @@
                     <a:p>
                       <a:pPr marL="0" algn="l" defTabSz="914400" rtl="0" eaLnBrk="1" latinLnBrk="0" hangingPunct="1"/>
                       <a:r>
-                        <a:rPr lang="en-US" sz="1100" kern="1200" noProof="0" dirty="0" smtClean="0"/>
+                        <a:rPr lang="en-US" sz="1100" kern="1200" noProof="0" dirty="0"/>
                         <a:t>60012</a:t>
                       </a:r>
                     </a:p>
@@ -30834,6 +30556,11 @@
                     </a:lnBlToTr>
                   </a:tcPr>
                 </a:tc>
+                <a:extLst>
+                  <a:ext uri="{0D108BD9-81ED-4DB2-BD59-A6C34878D82A}">
+                    <a16:rowId xmlns:a16="http://schemas.microsoft.com/office/drawing/2014/main" val="10005"/>
+                  </a:ext>
+                </a:extLst>
               </a:tr>
               <a:tr h="289337">
                 <a:tc>
@@ -30843,7 +30570,7 @@
                     <a:p>
                       <a:pPr marL="0" algn="l" defTabSz="914400" rtl="0" eaLnBrk="1" latinLnBrk="0" hangingPunct="1"/>
                       <a:r>
-                        <a:rPr lang="en-US" sz="1100" kern="1200" noProof="0" dirty="0" smtClean="0"/>
+                        <a:rPr lang="en-US" sz="1100" kern="1200" noProof="0" dirty="0"/>
                         <a:t>Transferability</a:t>
                       </a:r>
                       <a:endParaRPr lang="en-US" sz="1100" kern="1200" noProof="0" dirty="0">
@@ -30886,7 +30613,7 @@
                     <a:p>
                       <a:pPr marL="0" algn="l" defTabSz="914400" rtl="0" eaLnBrk="1" latinLnBrk="0" hangingPunct="1"/>
                       <a:r>
-                        <a:rPr lang="en-US" sz="1100" kern="1200" noProof="0" dirty="0" smtClean="0"/>
+                        <a:rPr lang="en-US" sz="1100" kern="1200" noProof="0" dirty="0"/>
                         <a:t>60011</a:t>
                       </a:r>
                     </a:p>
@@ -30914,6 +30641,11 @@
                     </a:lnBlToTr>
                   </a:tcPr>
                 </a:tc>
+                <a:extLst>
+                  <a:ext uri="{0D108BD9-81ED-4DB2-BD59-A6C34878D82A}">
+                    <a16:rowId xmlns:a16="http://schemas.microsoft.com/office/drawing/2014/main" val="10006"/>
+                  </a:ext>
+                </a:extLst>
               </a:tr>
               <a:tr h="289337">
                 <a:tc>
@@ -30923,7 +30655,7 @@
                     <a:p>
                       <a:pPr marL="0" algn="l" defTabSz="914400" rtl="0" eaLnBrk="1" latinLnBrk="0" hangingPunct="1"/>
                       <a:r>
-                        <a:rPr lang="en-US" sz="1100" kern="1200" noProof="0" dirty="0" err="1" smtClean="0"/>
+                        <a:rPr lang="en-US" sz="1100" kern="1200" noProof="0" dirty="0" err="1"/>
                         <a:t>ProgrammingPractices</a:t>
                       </a:r>
                       <a:endParaRPr lang="en-US" sz="1100" kern="1200" noProof="0" dirty="0">
@@ -30966,7 +30698,7 @@
                     <a:p>
                       <a:pPr marL="0" algn="l" defTabSz="914400" rtl="0" eaLnBrk="1" latinLnBrk="0" hangingPunct="1"/>
                       <a:r>
-                        <a:rPr lang="en-US" sz="1100" kern="1200" noProof="0" dirty="0" smtClean="0"/>
+                        <a:rPr lang="en-US" sz="1100" kern="1200" noProof="0" dirty="0"/>
                         <a:t>66031</a:t>
                       </a:r>
                     </a:p>
@@ -30994,6 +30726,11 @@
                     </a:lnBlToTr>
                   </a:tcPr>
                 </a:tc>
+                <a:extLst>
+                  <a:ext uri="{0D108BD9-81ED-4DB2-BD59-A6C34878D82A}">
+                    <a16:rowId xmlns:a16="http://schemas.microsoft.com/office/drawing/2014/main" val="10007"/>
+                  </a:ext>
+                </a:extLst>
               </a:tr>
               <a:tr h="289337">
                 <a:tc>
@@ -31003,7 +30740,7 @@
                     <a:p>
                       <a:pPr marL="0" algn="l" defTabSz="914400" rtl="0" eaLnBrk="1" latinLnBrk="0" hangingPunct="1"/>
                       <a:r>
-                        <a:rPr lang="en-US" sz="1100" kern="1200" noProof="0" dirty="0" err="1" smtClean="0"/>
+                        <a:rPr lang="en-US" sz="1100" kern="1200" noProof="0" dirty="0" err="1"/>
                         <a:t>ArchitecturalDesign</a:t>
                       </a:r>
                       <a:endParaRPr lang="en-US" sz="1100" kern="1200" noProof="0" dirty="0">
@@ -31046,7 +30783,7 @@
                     <a:p>
                       <a:pPr marL="0" algn="l" defTabSz="914400" rtl="0" eaLnBrk="1" latinLnBrk="0" hangingPunct="1"/>
                       <a:r>
-                        <a:rPr lang="en-US" sz="1100" kern="1200" noProof="0" dirty="0" smtClean="0"/>
+                        <a:rPr lang="en-US" sz="1100" kern="1200" noProof="0" dirty="0"/>
                         <a:t>66032</a:t>
                       </a:r>
                     </a:p>
@@ -31074,6 +30811,11 @@
                     </a:lnBlToTr>
                   </a:tcPr>
                 </a:tc>
+                <a:extLst>
+                  <a:ext uri="{0D108BD9-81ED-4DB2-BD59-A6C34878D82A}">
+                    <a16:rowId xmlns:a16="http://schemas.microsoft.com/office/drawing/2014/main" val="10008"/>
+                  </a:ext>
+                </a:extLst>
               </a:tr>
               <a:tr h="289337">
                 <a:tc>
@@ -31083,7 +30825,7 @@
                     <a:p>
                       <a:pPr marL="0" algn="l" defTabSz="914400" rtl="0" eaLnBrk="1" latinLnBrk="0" hangingPunct="1"/>
                       <a:r>
-                        <a:rPr lang="en-US" sz="1100" kern="1200" noProof="0" dirty="0" smtClean="0"/>
+                        <a:rPr lang="en-US" sz="1100" kern="1200" noProof="0" dirty="0"/>
                         <a:t>Documentation</a:t>
                       </a:r>
                       <a:endParaRPr lang="en-US" sz="1100" kern="1200" noProof="0" dirty="0">
@@ -31126,7 +30868,7 @@
                     <a:p>
                       <a:pPr marL="0" algn="l" defTabSz="914400" rtl="0" eaLnBrk="1" latinLnBrk="0" hangingPunct="1"/>
                       <a:r>
-                        <a:rPr lang="en-US" sz="1100" kern="1200" noProof="0" dirty="0" smtClean="0"/>
+                        <a:rPr lang="en-US" sz="1100" kern="1200" noProof="0" dirty="0"/>
                         <a:t>66033</a:t>
                       </a:r>
                     </a:p>
@@ -31154,6 +30896,11 @@
                     </a:lnBlToTr>
                   </a:tcPr>
                 </a:tc>
+                <a:extLst>
+                  <a:ext uri="{0D108BD9-81ED-4DB2-BD59-A6C34878D82A}">
+                    <a16:rowId xmlns:a16="http://schemas.microsoft.com/office/drawing/2014/main" val="10009"/>
+                  </a:ext>
+                </a:extLst>
               </a:tr>
               <a:tr h="289337">
                 <a:tc>
@@ -31163,7 +30910,7 @@
                     <a:p>
                       <a:pPr marL="0" algn="l" defTabSz="914400" rtl="0" eaLnBrk="1" latinLnBrk="0" hangingPunct="1"/>
                       <a:r>
-                        <a:rPr lang="en-US" sz="1100" kern="1200" noProof="0" dirty="0" err="1" smtClean="0"/>
+                        <a:rPr lang="en-US" sz="1100" kern="1200" noProof="0" dirty="0" err="1"/>
                         <a:t>SEIMaintainability</a:t>
                       </a:r>
                       <a:endParaRPr lang="en-US" sz="1100" kern="1200" noProof="0" dirty="0">
@@ -31206,7 +30953,7 @@
                     <a:p>
                       <a:pPr marL="0" algn="l" defTabSz="914400" rtl="0" eaLnBrk="1" latinLnBrk="0" hangingPunct="1"/>
                       <a:r>
-                        <a:rPr lang="en-US" sz="1100" kern="1200" noProof="0" dirty="0" smtClean="0"/>
+                        <a:rPr lang="en-US" sz="1100" kern="1200" noProof="0" dirty="0"/>
                         <a:t>60015</a:t>
                       </a:r>
                     </a:p>
@@ -31234,6 +30981,11 @@
                     </a:lnBlToTr>
                   </a:tcPr>
                 </a:tc>
+                <a:extLst>
+                  <a:ext uri="{0D108BD9-81ED-4DB2-BD59-A6C34878D82A}">
+                    <a16:rowId xmlns:a16="http://schemas.microsoft.com/office/drawing/2014/main" val="10010"/>
+                  </a:ext>
+                </a:extLst>
               </a:tr>
               <a:tr h="289337">
                 <a:tc>
@@ -31243,7 +30995,7 @@
                     <a:p>
                       <a:pPr marL="0" algn="l" defTabSz="914400" rtl="0" eaLnBrk="1" latinLnBrk="0" hangingPunct="1"/>
                       <a:r>
-                        <a:rPr lang="en-US" sz="1100" kern="1200" noProof="0" dirty="0" err="1" smtClean="0"/>
+                        <a:rPr lang="en-US" sz="1100" kern="1200" noProof="0" dirty="0" err="1"/>
                         <a:t>CostComplexityDistribution</a:t>
                       </a:r>
                       <a:endParaRPr lang="en-US" sz="1100" kern="1200" noProof="0" dirty="0">
@@ -31286,7 +31038,7 @@
                     <a:p>
                       <a:pPr marL="0" algn="l" defTabSz="914400" rtl="0" eaLnBrk="1" latinLnBrk="0" hangingPunct="1"/>
                       <a:r>
-                        <a:rPr lang="en-US" sz="1100" kern="1200" noProof="0" dirty="0" smtClean="0"/>
+                        <a:rPr lang="en-US" sz="1100" kern="1200" noProof="0" dirty="0"/>
                         <a:t>67001</a:t>
                       </a:r>
                     </a:p>
@@ -31314,6 +31066,11 @@
                     </a:lnBlToTr>
                   </a:tcPr>
                 </a:tc>
+                <a:extLst>
+                  <a:ext uri="{0D108BD9-81ED-4DB2-BD59-A6C34878D82A}">
+                    <a16:rowId xmlns:a16="http://schemas.microsoft.com/office/drawing/2014/main" val="10011"/>
+                  </a:ext>
+                </a:extLst>
               </a:tr>
               <a:tr h="289337">
                 <a:tc>
@@ -31323,7 +31080,7 @@
                     <a:p>
                       <a:pPr marL="0" algn="l" defTabSz="914400" rtl="0" eaLnBrk="1" latinLnBrk="0" hangingPunct="1"/>
                       <a:r>
-                        <a:rPr lang="en-US" sz="1100" kern="1200" noProof="0" dirty="0" err="1" smtClean="0"/>
+                        <a:rPr lang="en-US" sz="1100" kern="1200" noProof="0" dirty="0" err="1"/>
                         <a:t>CyclomaticComplexityDistribution</a:t>
                       </a:r>
                       <a:endParaRPr lang="en-US" sz="1100" kern="1200" noProof="0" dirty="0">
@@ -31366,7 +31123,7 @@
                     <a:p>
                       <a:pPr marL="0" algn="l" defTabSz="914400" rtl="0" eaLnBrk="1" latinLnBrk="0" hangingPunct="1"/>
                       <a:r>
-                        <a:rPr lang="en-US" sz="1100" kern="1200" noProof="0" dirty="0" smtClean="0"/>
+                        <a:rPr lang="en-US" sz="1100" kern="1200" noProof="0" dirty="0"/>
                         <a:t>65501</a:t>
                       </a:r>
                     </a:p>
@@ -31394,6 +31151,11 @@
                     </a:lnBlToTr>
                   </a:tcPr>
                 </a:tc>
+                <a:extLst>
+                  <a:ext uri="{0D108BD9-81ED-4DB2-BD59-A6C34878D82A}">
+                    <a16:rowId xmlns:a16="http://schemas.microsoft.com/office/drawing/2014/main" val="10012"/>
+                  </a:ext>
+                </a:extLst>
               </a:tr>
               <a:tr h="289337">
                 <a:tc>
@@ -31403,7 +31165,7 @@
                     <a:p>
                       <a:pPr marL="0" algn="l" defTabSz="914400" rtl="0" eaLnBrk="1" latinLnBrk="0" hangingPunct="1"/>
                       <a:r>
-                        <a:rPr lang="en-US" sz="1100" kern="1200" noProof="0" dirty="0" err="1" smtClean="0"/>
+                        <a:rPr lang="en-US" sz="1100" kern="1200" noProof="0" dirty="0" err="1"/>
                         <a:t>OOComplexityDistribution</a:t>
                       </a:r>
                       <a:endParaRPr lang="en-US" sz="1100" kern="1200" noProof="0" dirty="0">
@@ -31446,7 +31208,7 @@
                     <a:p>
                       <a:pPr marL="0" algn="l" defTabSz="914400" rtl="0" eaLnBrk="1" latinLnBrk="0" hangingPunct="1"/>
                       <a:r>
-                        <a:rPr lang="en-US" sz="1100" kern="1200" noProof="0" dirty="0" smtClean="0"/>
+                        <a:rPr lang="en-US" sz="1100" kern="1200" noProof="0" dirty="0"/>
                         <a:t>65701</a:t>
                       </a:r>
                     </a:p>
@@ -31474,6 +31236,11 @@
                     </a:lnBlToTr>
                   </a:tcPr>
                 </a:tc>
+                <a:extLst>
+                  <a:ext uri="{0D108BD9-81ED-4DB2-BD59-A6C34878D82A}">
+                    <a16:rowId xmlns:a16="http://schemas.microsoft.com/office/drawing/2014/main" val="10013"/>
+                  </a:ext>
+                </a:extLst>
               </a:tr>
               <a:tr h="289337">
                 <a:tc>
@@ -31483,7 +31250,7 @@
                     <a:p>
                       <a:pPr marL="0" algn="l" defTabSz="914400" rtl="0" eaLnBrk="1" latinLnBrk="0" hangingPunct="1"/>
                       <a:r>
-                        <a:rPr lang="en-US" sz="1100" kern="1200" noProof="0" dirty="0" err="1" smtClean="0"/>
+                        <a:rPr lang="en-US" sz="1100" kern="1200" noProof="0" dirty="0" err="1"/>
                         <a:t>SQLComplexityDistribution</a:t>
                       </a:r>
                       <a:endParaRPr lang="en-US" sz="1100" kern="1200" noProof="0" dirty="0">
@@ -31526,7 +31293,7 @@
                     <a:p>
                       <a:pPr marL="0" algn="l" defTabSz="914400" rtl="0" eaLnBrk="1" latinLnBrk="0" hangingPunct="1"/>
                       <a:r>
-                        <a:rPr lang="en-US" sz="1100" kern="1200" noProof="0" dirty="0" smtClean="0"/>
+                        <a:rPr lang="en-US" sz="1100" kern="1200" noProof="0" dirty="0"/>
                         <a:t>65801</a:t>
                       </a:r>
                     </a:p>
@@ -31554,6 +31321,11 @@
                     </a:lnBlToTr>
                   </a:tcPr>
                 </a:tc>
+                <a:extLst>
+                  <a:ext uri="{0D108BD9-81ED-4DB2-BD59-A6C34878D82A}">
+                    <a16:rowId xmlns:a16="http://schemas.microsoft.com/office/drawing/2014/main" val="10014"/>
+                  </a:ext>
+                </a:extLst>
               </a:tr>
               <a:tr h="289337">
                 <a:tc>
@@ -31563,7 +31335,7 @@
                     <a:p>
                       <a:pPr marL="0" algn="l" defTabSz="914400" rtl="0" eaLnBrk="1" latinLnBrk="0" hangingPunct="1"/>
                       <a:r>
-                        <a:rPr lang="en-US" sz="1100" kern="1200" noProof="0" dirty="0" err="1" smtClean="0"/>
+                        <a:rPr lang="en-US" sz="1100" kern="1200" noProof="0" dirty="0" err="1"/>
                         <a:t>CouplingDistribution</a:t>
                       </a:r>
                       <a:endParaRPr lang="en-US" sz="1100" kern="1200" noProof="0" dirty="0">
@@ -31606,7 +31378,7 @@
                     <a:p>
                       <a:pPr marL="0" algn="l" defTabSz="914400" rtl="0" eaLnBrk="1" latinLnBrk="0" hangingPunct="1"/>
                       <a:r>
-                        <a:rPr lang="en-US" sz="1100" kern="1200" noProof="0" dirty="0" smtClean="0"/>
+                        <a:rPr lang="en-US" sz="1100" kern="1200" noProof="0" dirty="0"/>
                         <a:t>65350</a:t>
                       </a:r>
                     </a:p>
@@ -31634,6 +31406,11 @@
                     </a:lnBlToTr>
                   </a:tcPr>
                 </a:tc>
+                <a:extLst>
+                  <a:ext uri="{0D108BD9-81ED-4DB2-BD59-A6C34878D82A}">
+                    <a16:rowId xmlns:a16="http://schemas.microsoft.com/office/drawing/2014/main" val="10015"/>
+                  </a:ext>
+                </a:extLst>
               </a:tr>
               <a:tr h="289337">
                 <a:tc>
@@ -31643,7 +31420,7 @@
                     <a:p>
                       <a:pPr marL="0" algn="l" defTabSz="914400" rtl="0" eaLnBrk="1" latinLnBrk="0" hangingPunct="1"/>
                       <a:r>
-                        <a:rPr lang="en-US" sz="1100" kern="1200" noProof="0" dirty="0" err="1" smtClean="0"/>
+                        <a:rPr lang="en-US" sz="1100" kern="1200" noProof="0" dirty="0" err="1"/>
                         <a:t>ClassFanOutDistribution</a:t>
                       </a:r>
                       <a:endParaRPr lang="en-US" sz="1100" kern="1200" noProof="0" dirty="0">
@@ -31686,7 +31463,7 @@
                     <a:p>
                       <a:pPr marL="0" algn="l" defTabSz="914400" rtl="0" eaLnBrk="1" latinLnBrk="0" hangingPunct="1"/>
                       <a:r>
-                        <a:rPr lang="en-US" sz="1100" kern="1200" noProof="0" dirty="0" smtClean="0"/>
+                        <a:rPr lang="en-US" sz="1100" kern="1200" noProof="0" dirty="0"/>
                         <a:t>66020</a:t>
                       </a:r>
                     </a:p>
@@ -31714,6 +31491,11 @@
                     </a:lnBlToTr>
                   </a:tcPr>
                 </a:tc>
+                <a:extLst>
+                  <a:ext uri="{0D108BD9-81ED-4DB2-BD59-A6C34878D82A}">
+                    <a16:rowId xmlns:a16="http://schemas.microsoft.com/office/drawing/2014/main" val="10016"/>
+                  </a:ext>
+                </a:extLst>
               </a:tr>
               <a:tr h="289337">
                 <a:tc>
@@ -31723,7 +31505,7 @@
                     <a:p>
                       <a:pPr marL="0" algn="l" defTabSz="914400" rtl="0" eaLnBrk="1" latinLnBrk="0" hangingPunct="1"/>
                       <a:r>
-                        <a:rPr lang="en-US" sz="1100" kern="1200" noProof="0" dirty="0" err="1" smtClean="0"/>
+                        <a:rPr lang="en-US" sz="1100" kern="1200" noProof="0" dirty="0" err="1"/>
                         <a:t>ClassFanInDistribution</a:t>
                       </a:r>
                       <a:endParaRPr lang="en-US" sz="1100" kern="1200" noProof="0" dirty="0">
@@ -31766,7 +31548,7 @@
                     <a:p>
                       <a:pPr marL="0" algn="l" defTabSz="914400" rtl="0" eaLnBrk="1" latinLnBrk="0" hangingPunct="1"/>
                       <a:r>
-                        <a:rPr lang="en-US" sz="1100" kern="1200" noProof="0" dirty="0" smtClean="0"/>
+                        <a:rPr lang="en-US" sz="1100" kern="1200" noProof="0" dirty="0"/>
                         <a:t>66021</a:t>
                       </a:r>
                     </a:p>
@@ -31794,6 +31576,11 @@
                     </a:lnBlToTr>
                   </a:tcPr>
                 </a:tc>
+                <a:extLst>
+                  <a:ext uri="{0D108BD9-81ED-4DB2-BD59-A6C34878D82A}">
+                    <a16:rowId xmlns:a16="http://schemas.microsoft.com/office/drawing/2014/main" val="10017"/>
+                  </a:ext>
+                </a:extLst>
               </a:tr>
               <a:tr h="289337">
                 <a:tc>
@@ -31803,7 +31590,7 @@
                     <a:p>
                       <a:pPr marL="0" algn="l" defTabSz="914400" rtl="0" eaLnBrk="1" latinLnBrk="0" hangingPunct="1"/>
                       <a:r>
-                        <a:rPr lang="en-US" sz="1100" kern="1200" noProof="0" dirty="0" err="1" smtClean="0"/>
+                        <a:rPr lang="en-US" sz="1100" kern="1200" noProof="0" dirty="0" err="1"/>
                         <a:t>SizeDistribution</a:t>
                       </a:r>
                       <a:endParaRPr lang="en-US" sz="1100" kern="1200" noProof="0" dirty="0">
@@ -31846,7 +31633,7 @@
                     <a:p>
                       <a:pPr marL="0" algn="l" defTabSz="914400" rtl="0" eaLnBrk="1" latinLnBrk="0" hangingPunct="1"/>
                       <a:r>
-                        <a:rPr lang="en-US" sz="1100" kern="1200" noProof="0" dirty="0" smtClean="0"/>
+                        <a:rPr lang="en-US" sz="1100" kern="1200" noProof="0" dirty="0"/>
                         <a:t>65105</a:t>
                       </a:r>
                     </a:p>
@@ -31874,6 +31661,11 @@
                     </a:lnBlToTr>
                   </a:tcPr>
                 </a:tc>
+                <a:extLst>
+                  <a:ext uri="{0D108BD9-81ED-4DB2-BD59-A6C34878D82A}">
+                    <a16:rowId xmlns:a16="http://schemas.microsoft.com/office/drawing/2014/main" val="10018"/>
+                  </a:ext>
+                </a:extLst>
               </a:tr>
             </a:tbl>
           </a:graphicData>
@@ -31889,13 +31681,6 @@
   <p:clrMapOvr>
     <a:masterClrMapping/>
   </p:clrMapOvr>
-  <p:timing>
-    <p:tnLst>
-      <p:par>
-        <p:cTn id="1" dur="indefinite" restart="never" nodeType="tmRoot"/>
-      </p:par>
-    </p:tnLst>
-  </p:timing>
 </p:sld>
 </file>
 
@@ -31932,10 +31717,9 @@
           <a:lstStyle/>
           <a:p>
             <a:r>
-              <a:rPr lang="fr-FR" dirty="0" smtClean="0"/>
+              <a:rPr lang="fr-FR" dirty="0"/>
               <a:t>Powerpoint Templates</a:t>
             </a:r>
-            <a:endParaRPr lang="fr-FR" dirty="0"/>
           </a:p>
         </p:txBody>
       </p:sp>
@@ -31976,13 +31760,6 @@
   <p:clrMapOvr>
     <a:masterClrMapping/>
   </p:clrMapOvr>
-  <p:timing>
-    <p:tnLst>
-      <p:par>
-        <p:cTn id="1" dur="indefinite" restart="never" nodeType="tmRoot"/>
-      </p:par>
-    </p:tnLst>
-  </p:timing>
 </p:sld>
 </file>
 
@@ -32021,10 +31798,9 @@
           <a:lstStyle/>
           <a:p>
             <a:r>
-              <a:rPr lang="fr-FR" dirty="0" smtClean="0"/>
+              <a:rPr lang="fr-FR" dirty="0"/>
               <a:t>Powerpoint Templates</a:t>
             </a:r>
-            <a:endParaRPr lang="fr-FR" dirty="0"/>
           </a:p>
         </p:txBody>
       </p:sp>
@@ -32065,13 +31841,6 @@
   <p:clrMapOvr>
     <a:masterClrMapping/>
   </p:clrMapOvr>
-  <p:timing>
-    <p:tnLst>
-      <p:par>
-        <p:cTn id="1" dur="indefinite" restart="never" nodeType="tmRoot"/>
-      </p:par>
-    </p:tnLst>
-  </p:timing>
 </p:sld>
 </file>
 
@@ -32108,10 +31877,9 @@
           <a:lstStyle/>
           <a:p>
             <a:r>
-              <a:rPr lang="fr-FR" dirty="0" smtClean="0"/>
+              <a:rPr lang="fr-FR" dirty="0"/>
               <a:t>Powerpoint Templates</a:t>
             </a:r>
-            <a:endParaRPr lang="fr-FR" dirty="0"/>
           </a:p>
         </p:txBody>
       </p:sp>
@@ -32132,26 +31900,25 @@
           <a:p>
             <a:pPr algn="just"/>
             <a:r>
-              <a:rPr lang="fr-FR" dirty="0" smtClean="0"/>
+              <a:rPr lang="fr-FR" dirty="0"/>
               <a:t>A new enabled button is now available on the top head of Powerpoint application</a:t>
             </a:r>
           </a:p>
           <a:p>
-            <a:endParaRPr lang="fr-FR" dirty="0" smtClean="0"/>
-          </a:p>
-          <a:p>
-            <a:endParaRPr lang="fr-FR" dirty="0" smtClean="0"/>
-          </a:p>
-          <a:p>
-            <a:endParaRPr lang="fr-FR" dirty="0" smtClean="0"/>
+            <a:endParaRPr lang="fr-FR" dirty="0"/>
+          </a:p>
+          <a:p>
+            <a:endParaRPr lang="fr-FR" dirty="0"/>
+          </a:p>
+          <a:p>
+            <a:endParaRPr lang="fr-FR" dirty="0"/>
           </a:p>
           <a:p>
             <a:pPr algn="just"/>
             <a:r>
-              <a:rPr lang="fr-FR" dirty="0" smtClean="0"/>
+              <a:rPr lang="fr-FR" dirty="0"/>
               <a:t>This button gives you the possibility to access to the alternative text property of all components</a:t>
             </a:r>
-            <a:endParaRPr lang="fr-FR" dirty="0"/>
           </a:p>
         </p:txBody>
       </p:sp>
@@ -32248,13 +32015,6 @@
   <p:clrMapOvr>
     <a:masterClrMapping/>
   </p:clrMapOvr>
-  <p:timing>
-    <p:tnLst>
-      <p:par>
-        <p:cTn id="1" dur="indefinite" restart="never" nodeType="tmRoot"/>
-      </p:par>
-    </p:tnLst>
-  </p:timing>
 </p:sld>
 </file>
 
@@ -32291,10 +32051,9 @@
           <a:lstStyle/>
           <a:p>
             <a:r>
-              <a:rPr lang="fr-FR" dirty="0" smtClean="0"/>
+              <a:rPr lang="fr-FR" dirty="0"/>
               <a:t>Powerpoint Templates</a:t>
             </a:r>
-            <a:endParaRPr lang="fr-FR" dirty="0"/>
           </a:p>
         </p:txBody>
       </p:sp>
@@ -32314,10 +32073,9 @@
           <a:lstStyle/>
           <a:p>
             <a:r>
-              <a:rPr lang="fr-FR" dirty="0" smtClean="0"/>
+              <a:rPr lang="fr-FR" dirty="0"/>
               <a:t>Now you can select a Shape and edit the alternative text property value</a:t>
             </a:r>
-            <a:endParaRPr lang="fr-FR" dirty="0"/>
           </a:p>
         </p:txBody>
       </p:sp>
@@ -32358,13 +32116,6 @@
   <p:clrMapOvr>
     <a:masterClrMapping/>
   </p:clrMapOvr>
-  <p:timing>
-    <p:tnLst>
-      <p:par>
-        <p:cTn id="1" dur="indefinite" restart="never" nodeType="tmRoot"/>
-      </p:par>
-    </p:tnLst>
-  </p:timing>
 </p:sld>
 </file>
 
@@ -32401,10 +32152,9 @@
           <a:lstStyle/>
           <a:p>
             <a:r>
-              <a:rPr lang="en-US" smtClean="0"/>
+              <a:rPr lang="en-US"/>
               <a:t>Powerpoint Templates</a:t>
             </a:r>
-            <a:endParaRPr lang="en-US"/>
           </a:p>
         </p:txBody>
       </p:sp>
@@ -32430,10 +32180,9 @@
           <a:p>
             <a:pPr algn="just"/>
             <a:r>
-              <a:rPr lang="en-US" smtClean="0"/>
+              <a:rPr lang="en-US"/>
               <a:t>Then, type and name of component and then options can be configured in the area below. </a:t>
             </a:r>
-            <a:endParaRPr lang="en-US"/>
           </a:p>
         </p:txBody>
       </p:sp>
@@ -32483,13 +32232,6 @@
   <p:clrMapOvr>
     <a:masterClrMapping/>
   </p:clrMapOvr>
-  <p:timing>
-    <p:tnLst>
-      <p:par>
-        <p:cTn id="1" dur="indefinite" restart="never" nodeType="tmRoot"/>
-      </p:par>
-    </p:tnLst>
-  </p:timing>
 </p:sld>
 </file>
 
@@ -32526,10 +32268,9 @@
           <a:lstStyle/>
           <a:p>
             <a:r>
-              <a:rPr lang="en-US" dirty="0" smtClean="0"/>
+              <a:rPr lang="en-US" dirty="0"/>
               <a:t>Text Templates</a:t>
             </a:r>
-            <a:endParaRPr lang="en-US" dirty="0"/>
           </a:p>
         </p:txBody>
       </p:sp>
@@ -32549,10 +32290,9 @@
           <a:lstStyle/>
           <a:p>
             <a:r>
-              <a:rPr lang="en-US" dirty="0" smtClean="0"/>
+              <a:rPr lang="en-US" dirty="0"/>
               <a:t>PowerPoint Templates</a:t>
             </a:r>
-            <a:endParaRPr lang="en-US" dirty="0"/>
           </a:p>
         </p:txBody>
       </p:sp>
@@ -32561,13 +32301,6 @@
   <p:clrMapOvr>
     <a:masterClrMapping/>
   </p:clrMapOvr>
-  <p:timing>
-    <p:tnLst>
-      <p:par>
-        <p:cTn id="1" dur="indefinite" restart="never" nodeType="tmRoot"/>
-      </p:par>
-    </p:tnLst>
-  </p:timing>
 </p:sld>
 </file>
 
@@ -32604,11 +32337,11 @@
           <a:lstStyle/>
           <a:p>
             <a:r>
-              <a:rPr lang="fr-FR" dirty="0" smtClean="0"/>
+              <a:rPr lang="fr-FR" dirty="0"/>
               <a:t>PowerPoint Templates – </a:t>
             </a:r>
             <a:r>
-              <a:rPr lang="fr-FR" dirty="0" err="1" smtClean="0"/>
+              <a:rPr lang="fr-FR" dirty="0" err="1"/>
               <a:t>Text</a:t>
             </a:r>
             <a:endParaRPr lang="fr-FR" dirty="0"/>
@@ -32636,14 +32369,14 @@
           <a:lstStyle/>
           <a:p>
             <a:r>
-              <a:rPr lang="fr-FR" dirty="0" smtClean="0"/>
+              <a:rPr lang="fr-FR" dirty="0"/>
               <a:t>This kind of template is identified by a type value as</a:t>
             </a:r>
             <a:br>
-              <a:rPr lang="fr-FR" dirty="0" smtClean="0"/>
+              <a:rPr lang="fr-FR" dirty="0"/>
             </a:br>
             <a:r>
-              <a:rPr lang="fr-FR" dirty="0" smtClean="0"/>
+              <a:rPr lang="fr-FR" dirty="0"/>
               <a:t>			</a:t>
             </a:r>
           </a:p>
@@ -32652,16 +32385,16 @@
               <a:buNone/>
             </a:pPr>
             <a:r>
-              <a:rPr lang="fr-FR" dirty="0" smtClean="0"/>
+              <a:rPr lang="fr-FR" dirty="0"/>
               <a:t>			Type = </a:t>
             </a:r>
             <a:r>
-              <a:rPr lang="fr-FR" b="1" dirty="0" smtClean="0"/>
+              <a:rPr lang="fr-FR" b="1" dirty="0"/>
               <a:t>TEXT</a:t>
             </a:r>
           </a:p>
           <a:p>
-            <a:endParaRPr lang="fr-FR" b="1" dirty="0" smtClean="0"/>
+            <a:endParaRPr lang="fr-FR" b="1" dirty="0"/>
           </a:p>
         </p:txBody>
       </p:sp>
@@ -32670,13 +32403,6 @@
   <p:clrMapOvr>
     <a:masterClrMapping/>
   </p:clrMapOvr>
-  <p:timing>
-    <p:tnLst>
-      <p:par>
-        <p:cTn id="1" dur="indefinite" restart="never" nodeType="tmRoot"/>
-      </p:par>
-    </p:tnLst>
-  </p:timing>
 </p:sld>
 </file>
 
